--- a/Daily(written_by_Korean)/180727.pptx
+++ b/Daily(written_by_Korean)/180727.pptx
@@ -5,24 +5,25 @@
     <p:sldMasterId id="2147483698" r:id="rId1"/>
   </p:sldMasterIdLst>
   <p:notesMasterIdLst>
-    <p:notesMasterId r:id="rId14"/>
+    <p:notesMasterId r:id="rId15"/>
   </p:notesMasterIdLst>
   <p:handoutMasterIdLst>
-    <p:handoutMasterId r:id="rId15"/>
+    <p:handoutMasterId r:id="rId16"/>
   </p:handoutMasterIdLst>
   <p:sldIdLst>
     <p:sldId id="611" r:id="rId2"/>
     <p:sldId id="602" r:id="rId3"/>
     <p:sldId id="619" r:id="rId4"/>
-    <p:sldId id="612" r:id="rId5"/>
-    <p:sldId id="621" r:id="rId6"/>
-    <p:sldId id="609" r:id="rId7"/>
-    <p:sldId id="615" r:id="rId8"/>
-    <p:sldId id="622" r:id="rId9"/>
-    <p:sldId id="617" r:id="rId10"/>
-    <p:sldId id="610" r:id="rId11"/>
-    <p:sldId id="620" r:id="rId12"/>
-    <p:sldId id="608" r:id="rId13"/>
+    <p:sldId id="621" r:id="rId5"/>
+    <p:sldId id="609" r:id="rId6"/>
+    <p:sldId id="625" r:id="rId7"/>
+    <p:sldId id="626" r:id="rId8"/>
+    <p:sldId id="623" r:id="rId9"/>
+    <p:sldId id="624" r:id="rId10"/>
+    <p:sldId id="617" r:id="rId11"/>
+    <p:sldId id="610" r:id="rId12"/>
+    <p:sldId id="620" r:id="rId13"/>
+    <p:sldId id="608" r:id="rId14"/>
   </p:sldIdLst>
   <p:sldSz cx="9144000" cy="6858000" type="screen4x3"/>
   <p:notesSz cx="9928225" cy="6797675"/>
@@ -153,7 +154,7 @@
   </p:defaultTextStyle>
   <p:extLst>
     <p:ext uri="{EFAFB233-063F-42B5-8137-9DF3F51BA10A}">
-      <p15:sldGuideLst xmlns:p15="http://schemas.microsoft.com/office/powerpoint/2012/main" xmlns="">
+      <p15:sldGuideLst xmlns="" xmlns:p15="http://schemas.microsoft.com/office/powerpoint/2012/main">
         <p15:guide id="1" orient="horz" pos="2160">
           <p15:clr>
             <a:srgbClr val="A4A3A4"/>
@@ -1200,6 +1201,576 @@
             <a:pPr>
               <a:defRPr/>
             </a:pPr>
+            <a:endParaRPr kumimoji="0" lang="en-US" altLang="ko-KR" b="1" kern="0" dirty="0" smtClean="0">
+              <a:sym typeface="굴림" pitchFamily="50" charset="-127"/>
+            </a:endParaRPr>
+          </a:p>
+        </p:txBody>
+      </p:sp>
+      <p:sp>
+        <p:nvSpPr>
+          <p:cNvPr id="19460" name="슬라이드 번호 개체 틀 3"/>
+          <p:cNvSpPr>
+            <a:spLocks noGrp="1"/>
+          </p:cNvSpPr>
+          <p:nvPr>
+            <p:ph type="sldNum" sz="quarter" idx="5"/>
+          </p:nvPr>
+        </p:nvSpPr>
+        <p:spPr>
+          <a:noFill/>
+          <a:ln/>
+          <a:extLst>
+            <a:ext uri="{909E8E84-426E-40DD-AFC4-6F175D3DCCD1}">
+              <a14:hiddenFill xmlns:a14="http://schemas.microsoft.com/office/drawing/2010/main">
+                <a:solidFill>
+                  <a:srgbClr val="FFFFFF"/>
+                </a:solidFill>
+              </a14:hiddenFill>
+            </a:ext>
+            <a:ext uri="{91240B29-F687-4F45-9708-019B960494DF}">
+              <a14:hiddenLine xmlns:a14="http://schemas.microsoft.com/office/drawing/2010/main" w="9525">
+                <a:solidFill>
+                  <a:srgbClr val="000000"/>
+                </a:solidFill>
+                <a:miter lim="800000"/>
+                <a:headEnd/>
+                <a:tailEnd/>
+              </a14:hiddenLine>
+            </a:ext>
+          </a:extLst>
+        </p:spPr>
+        <p:txBody>
+          <a:bodyPr/>
+          <a:lstStyle>
+            <a:lvl1pPr latinLnBrk="1">
+              <a:spcBef>
+                <a:spcPct val="30000"/>
+              </a:spcBef>
+              <a:defRPr kumimoji="1" sz="1200">
+                <a:solidFill>
+                  <a:schemeClr val="tx1"/>
+                </a:solidFill>
+                <a:latin typeface="Arial" panose="020B0604020202020204" pitchFamily="34" charset="0"/>
+                <a:ea typeface="맑은 고딕" panose="020B0503020000020004" pitchFamily="50" charset="-127"/>
+                <a:cs typeface="Arial" panose="020B0604020202020204" pitchFamily="34" charset="0"/>
+              </a:defRPr>
+            </a:lvl1pPr>
+            <a:lvl2pPr marL="742950" indent="-285750" latinLnBrk="1">
+              <a:spcBef>
+                <a:spcPct val="30000"/>
+              </a:spcBef>
+              <a:defRPr kumimoji="1" sz="1200">
+                <a:solidFill>
+                  <a:schemeClr val="tx1"/>
+                </a:solidFill>
+                <a:latin typeface="Arial" panose="020B0604020202020204" pitchFamily="34" charset="0"/>
+                <a:ea typeface="맑은 고딕" panose="020B0503020000020004" pitchFamily="50" charset="-127"/>
+                <a:cs typeface="Arial" panose="020B0604020202020204" pitchFamily="34" charset="0"/>
+              </a:defRPr>
+            </a:lvl2pPr>
+            <a:lvl3pPr marL="1143000" indent="-228600" latinLnBrk="1">
+              <a:spcBef>
+                <a:spcPct val="30000"/>
+              </a:spcBef>
+              <a:defRPr kumimoji="1" sz="1200">
+                <a:solidFill>
+                  <a:schemeClr val="tx1"/>
+                </a:solidFill>
+                <a:latin typeface="Arial" panose="020B0604020202020204" pitchFamily="34" charset="0"/>
+                <a:ea typeface="맑은 고딕" panose="020B0503020000020004" pitchFamily="50" charset="-127"/>
+                <a:cs typeface="Arial" panose="020B0604020202020204" pitchFamily="34" charset="0"/>
+              </a:defRPr>
+            </a:lvl3pPr>
+            <a:lvl4pPr marL="1600200" indent="-228600" latinLnBrk="1">
+              <a:spcBef>
+                <a:spcPct val="30000"/>
+              </a:spcBef>
+              <a:defRPr kumimoji="1" sz="1200">
+                <a:solidFill>
+                  <a:schemeClr val="tx1"/>
+                </a:solidFill>
+                <a:latin typeface="Arial" panose="020B0604020202020204" pitchFamily="34" charset="0"/>
+                <a:ea typeface="맑은 고딕" panose="020B0503020000020004" pitchFamily="50" charset="-127"/>
+                <a:cs typeface="Arial" panose="020B0604020202020204" pitchFamily="34" charset="0"/>
+              </a:defRPr>
+            </a:lvl4pPr>
+            <a:lvl5pPr marL="2057400" indent="-228600" latinLnBrk="1">
+              <a:spcBef>
+                <a:spcPct val="30000"/>
+              </a:spcBef>
+              <a:defRPr kumimoji="1" sz="1200">
+                <a:solidFill>
+                  <a:schemeClr val="tx1"/>
+                </a:solidFill>
+                <a:latin typeface="Arial" panose="020B0604020202020204" pitchFamily="34" charset="0"/>
+                <a:ea typeface="맑은 고딕" panose="020B0503020000020004" pitchFamily="50" charset="-127"/>
+                <a:cs typeface="Arial" panose="020B0604020202020204" pitchFamily="34" charset="0"/>
+              </a:defRPr>
+            </a:lvl5pPr>
+            <a:lvl6pPr marL="2514600" indent="-228600" eaLnBrk="0" fontAlgn="base" hangingPunct="0">
+              <a:spcBef>
+                <a:spcPct val="30000"/>
+              </a:spcBef>
+              <a:spcAft>
+                <a:spcPct val="0"/>
+              </a:spcAft>
+              <a:defRPr kumimoji="1" sz="1200">
+                <a:solidFill>
+                  <a:schemeClr val="tx1"/>
+                </a:solidFill>
+                <a:latin typeface="Arial" panose="020B0604020202020204" pitchFamily="34" charset="0"/>
+                <a:ea typeface="맑은 고딕" panose="020B0503020000020004" pitchFamily="50" charset="-127"/>
+                <a:cs typeface="Arial" panose="020B0604020202020204" pitchFamily="34" charset="0"/>
+              </a:defRPr>
+            </a:lvl6pPr>
+            <a:lvl7pPr marL="2971800" indent="-228600" eaLnBrk="0" fontAlgn="base" hangingPunct="0">
+              <a:spcBef>
+                <a:spcPct val="30000"/>
+              </a:spcBef>
+              <a:spcAft>
+                <a:spcPct val="0"/>
+              </a:spcAft>
+              <a:defRPr kumimoji="1" sz="1200">
+                <a:solidFill>
+                  <a:schemeClr val="tx1"/>
+                </a:solidFill>
+                <a:latin typeface="Arial" panose="020B0604020202020204" pitchFamily="34" charset="0"/>
+                <a:ea typeface="맑은 고딕" panose="020B0503020000020004" pitchFamily="50" charset="-127"/>
+                <a:cs typeface="Arial" panose="020B0604020202020204" pitchFamily="34" charset="0"/>
+              </a:defRPr>
+            </a:lvl7pPr>
+            <a:lvl8pPr marL="3429000" indent="-228600" eaLnBrk="0" fontAlgn="base" hangingPunct="0">
+              <a:spcBef>
+                <a:spcPct val="30000"/>
+              </a:spcBef>
+              <a:spcAft>
+                <a:spcPct val="0"/>
+              </a:spcAft>
+              <a:defRPr kumimoji="1" sz="1200">
+                <a:solidFill>
+                  <a:schemeClr val="tx1"/>
+                </a:solidFill>
+                <a:latin typeface="Arial" panose="020B0604020202020204" pitchFamily="34" charset="0"/>
+                <a:ea typeface="맑은 고딕" panose="020B0503020000020004" pitchFamily="50" charset="-127"/>
+                <a:cs typeface="Arial" panose="020B0604020202020204" pitchFamily="34" charset="0"/>
+              </a:defRPr>
+            </a:lvl8pPr>
+            <a:lvl9pPr marL="3886200" indent="-228600" eaLnBrk="0" fontAlgn="base" hangingPunct="0">
+              <a:spcBef>
+                <a:spcPct val="30000"/>
+              </a:spcBef>
+              <a:spcAft>
+                <a:spcPct val="0"/>
+              </a:spcAft>
+              <a:defRPr kumimoji="1" sz="1200">
+                <a:solidFill>
+                  <a:schemeClr val="tx1"/>
+                </a:solidFill>
+                <a:latin typeface="Arial" panose="020B0604020202020204" pitchFamily="34" charset="0"/>
+                <a:ea typeface="맑은 고딕" panose="020B0503020000020004" pitchFamily="50" charset="-127"/>
+                <a:cs typeface="Arial" panose="020B0604020202020204" pitchFamily="34" charset="0"/>
+              </a:defRPr>
+            </a:lvl9pPr>
+          </a:lstStyle>
+          <a:p>
+            <a:pPr>
+              <a:spcBef>
+                <a:spcPct val="0"/>
+              </a:spcBef>
+            </a:pPr>
+            <a:fld id="{7312667F-E90D-4859-BB10-E2EFB7627976}" type="slidenum">
+              <a:rPr lang="en-US" altLang="ko-KR" sz="1400" smtClean="0">
+                <a:latin typeface="굴림" panose="020B0600000101010101" pitchFamily="50" charset="-127"/>
+                <a:ea typeface="굴림" panose="020B0600000101010101" pitchFamily="50" charset="-127"/>
+              </a:rPr>
+              <a:pPr>
+                <a:spcBef>
+                  <a:spcPct val="0"/>
+                </a:spcBef>
+              </a:pPr>
+              <a:t>11</a:t>
+            </a:fld>
+            <a:endParaRPr lang="en-US" altLang="ko-KR" sz="1400" smtClean="0">
+              <a:latin typeface="굴림" panose="020B0600000101010101" pitchFamily="50" charset="-127"/>
+              <a:ea typeface="굴림" panose="020B0600000101010101" pitchFamily="50" charset="-127"/>
+            </a:endParaRPr>
+          </a:p>
+        </p:txBody>
+      </p:sp>
+    </p:spTree>
+    <p:extLst>
+      <p:ext uri="{BB962C8B-B14F-4D97-AF65-F5344CB8AC3E}">
+        <p14:creationId xmlns:p14="http://schemas.microsoft.com/office/powerpoint/2010/main" val="288790704"/>
+      </p:ext>
+    </p:extLst>
+  </p:cSld>
+  <p:clrMapOvr>
+    <a:masterClrMapping/>
+  </p:clrMapOvr>
+</p:notes>
+</file>
+
+<file path=ppt/notesSlides/notesSlide11.xml><?xml version="1.0" encoding="utf-8"?>
+<p:notes xmlns:a="http://schemas.openxmlformats.org/drawingml/2006/main" xmlns:r="http://schemas.openxmlformats.org/officeDocument/2006/relationships" xmlns:p="http://schemas.openxmlformats.org/presentationml/2006/main">
+  <p:cSld>
+    <p:spTree>
+      <p:nvGrpSpPr>
+        <p:cNvPr id="1" name=""/>
+        <p:cNvGrpSpPr/>
+        <p:nvPr/>
+      </p:nvGrpSpPr>
+      <p:grpSpPr>
+        <a:xfrm>
+          <a:off x="0" y="0"/>
+          <a:ext cx="0" cy="0"/>
+          <a:chOff x="0" y="0"/>
+          <a:chExt cx="0" cy="0"/>
+        </a:xfrm>
+      </p:grpSpPr>
+      <p:sp>
+        <p:nvSpPr>
+          <p:cNvPr id="19458" name="슬라이드 이미지 개체 틀 1"/>
+          <p:cNvSpPr>
+            <a:spLocks noGrp="1" noRot="1" noChangeAspect="1" noChangeArrowheads="1" noTextEdit="1"/>
+          </p:cNvSpPr>
+          <p:nvPr>
+            <p:ph type="sldImg"/>
+          </p:nvPr>
+        </p:nvSpPr>
+        <p:spPr>
+          <a:xfrm>
+            <a:off x="3228975" y="565150"/>
+            <a:ext cx="3625850" cy="2719388"/>
+          </a:xfrm>
+        </p:spPr>
+      </p:sp>
+      <p:sp>
+        <p:nvSpPr>
+          <p:cNvPr id="31747" name="슬라이드 노트 개체 틀 2">
+            <a:extLst/>
+          </p:cNvPr>
+          <p:cNvSpPr>
+            <a:spLocks noGrp="1"/>
+          </p:cNvSpPr>
+          <p:nvPr>
+            <p:ph type="body" idx="1"/>
+          </p:nvPr>
+        </p:nvSpPr>
+        <p:spPr>
+          <a:ln/>
+          <a:extLst>
+            <a:ext uri="{909E8E84-426E-40DD-AFC4-6F175D3DCCD1}">
+              <a14:hiddenFill xmlns:a14="http://schemas.microsoft.com/office/drawing/2010/main">
+                <a:solidFill>
+                  <a:srgbClr val="FFFFFF"/>
+                </a:solidFill>
+              </a14:hiddenFill>
+            </a:ext>
+            <a:ext uri="{91240B29-F687-4F45-9708-019B960494DF}">
+              <a14:hiddenLine xmlns:a14="http://schemas.microsoft.com/office/drawing/2010/main" w="9525">
+                <a:solidFill>
+                  <a:srgbClr val="000000"/>
+                </a:solidFill>
+                <a:miter lim="800000"/>
+                <a:headEnd/>
+                <a:tailEnd/>
+              </a14:hiddenLine>
+            </a:ext>
+          </a:extLst>
+        </p:spPr>
+        <p:txBody>
+          <a:bodyPr/>
+          <a:lstStyle/>
+          <a:p>
+            <a:pPr>
+              <a:defRPr/>
+            </a:pPr>
+            <a:endParaRPr kumimoji="0" lang="en-US" altLang="ko-KR" b="1" kern="0" dirty="0" smtClean="0">
+              <a:sym typeface="굴림" pitchFamily="50" charset="-127"/>
+            </a:endParaRPr>
+          </a:p>
+        </p:txBody>
+      </p:sp>
+      <p:sp>
+        <p:nvSpPr>
+          <p:cNvPr id="19460" name="슬라이드 번호 개체 틀 3"/>
+          <p:cNvSpPr>
+            <a:spLocks noGrp="1"/>
+          </p:cNvSpPr>
+          <p:nvPr>
+            <p:ph type="sldNum" sz="quarter" idx="5"/>
+          </p:nvPr>
+        </p:nvSpPr>
+        <p:spPr>
+          <a:noFill/>
+          <a:ln/>
+          <a:extLst>
+            <a:ext uri="{909E8E84-426E-40DD-AFC4-6F175D3DCCD1}">
+              <a14:hiddenFill xmlns:a14="http://schemas.microsoft.com/office/drawing/2010/main">
+                <a:solidFill>
+                  <a:srgbClr val="FFFFFF"/>
+                </a:solidFill>
+              </a14:hiddenFill>
+            </a:ext>
+            <a:ext uri="{91240B29-F687-4F45-9708-019B960494DF}">
+              <a14:hiddenLine xmlns:a14="http://schemas.microsoft.com/office/drawing/2010/main" w="9525">
+                <a:solidFill>
+                  <a:srgbClr val="000000"/>
+                </a:solidFill>
+                <a:miter lim="800000"/>
+                <a:headEnd/>
+                <a:tailEnd/>
+              </a14:hiddenLine>
+            </a:ext>
+          </a:extLst>
+        </p:spPr>
+        <p:txBody>
+          <a:bodyPr/>
+          <a:lstStyle>
+            <a:lvl1pPr latinLnBrk="1">
+              <a:spcBef>
+                <a:spcPct val="30000"/>
+              </a:spcBef>
+              <a:defRPr kumimoji="1" sz="1200">
+                <a:solidFill>
+                  <a:schemeClr val="tx1"/>
+                </a:solidFill>
+                <a:latin typeface="Arial" panose="020B0604020202020204" pitchFamily="34" charset="0"/>
+                <a:ea typeface="맑은 고딕" panose="020B0503020000020004" pitchFamily="50" charset="-127"/>
+                <a:cs typeface="Arial" panose="020B0604020202020204" pitchFamily="34" charset="0"/>
+              </a:defRPr>
+            </a:lvl1pPr>
+            <a:lvl2pPr marL="742950" indent="-285750" latinLnBrk="1">
+              <a:spcBef>
+                <a:spcPct val="30000"/>
+              </a:spcBef>
+              <a:defRPr kumimoji="1" sz="1200">
+                <a:solidFill>
+                  <a:schemeClr val="tx1"/>
+                </a:solidFill>
+                <a:latin typeface="Arial" panose="020B0604020202020204" pitchFamily="34" charset="0"/>
+                <a:ea typeface="맑은 고딕" panose="020B0503020000020004" pitchFamily="50" charset="-127"/>
+                <a:cs typeface="Arial" panose="020B0604020202020204" pitchFamily="34" charset="0"/>
+              </a:defRPr>
+            </a:lvl2pPr>
+            <a:lvl3pPr marL="1143000" indent="-228600" latinLnBrk="1">
+              <a:spcBef>
+                <a:spcPct val="30000"/>
+              </a:spcBef>
+              <a:defRPr kumimoji="1" sz="1200">
+                <a:solidFill>
+                  <a:schemeClr val="tx1"/>
+                </a:solidFill>
+                <a:latin typeface="Arial" panose="020B0604020202020204" pitchFamily="34" charset="0"/>
+                <a:ea typeface="맑은 고딕" panose="020B0503020000020004" pitchFamily="50" charset="-127"/>
+                <a:cs typeface="Arial" panose="020B0604020202020204" pitchFamily="34" charset="0"/>
+              </a:defRPr>
+            </a:lvl3pPr>
+            <a:lvl4pPr marL="1600200" indent="-228600" latinLnBrk="1">
+              <a:spcBef>
+                <a:spcPct val="30000"/>
+              </a:spcBef>
+              <a:defRPr kumimoji="1" sz="1200">
+                <a:solidFill>
+                  <a:schemeClr val="tx1"/>
+                </a:solidFill>
+                <a:latin typeface="Arial" panose="020B0604020202020204" pitchFamily="34" charset="0"/>
+                <a:ea typeface="맑은 고딕" panose="020B0503020000020004" pitchFamily="50" charset="-127"/>
+                <a:cs typeface="Arial" panose="020B0604020202020204" pitchFamily="34" charset="0"/>
+              </a:defRPr>
+            </a:lvl4pPr>
+            <a:lvl5pPr marL="2057400" indent="-228600" latinLnBrk="1">
+              <a:spcBef>
+                <a:spcPct val="30000"/>
+              </a:spcBef>
+              <a:defRPr kumimoji="1" sz="1200">
+                <a:solidFill>
+                  <a:schemeClr val="tx1"/>
+                </a:solidFill>
+                <a:latin typeface="Arial" panose="020B0604020202020204" pitchFamily="34" charset="0"/>
+                <a:ea typeface="맑은 고딕" panose="020B0503020000020004" pitchFamily="50" charset="-127"/>
+                <a:cs typeface="Arial" panose="020B0604020202020204" pitchFamily="34" charset="0"/>
+              </a:defRPr>
+            </a:lvl5pPr>
+            <a:lvl6pPr marL="2514600" indent="-228600" eaLnBrk="0" fontAlgn="base" hangingPunct="0">
+              <a:spcBef>
+                <a:spcPct val="30000"/>
+              </a:spcBef>
+              <a:spcAft>
+                <a:spcPct val="0"/>
+              </a:spcAft>
+              <a:defRPr kumimoji="1" sz="1200">
+                <a:solidFill>
+                  <a:schemeClr val="tx1"/>
+                </a:solidFill>
+                <a:latin typeface="Arial" panose="020B0604020202020204" pitchFamily="34" charset="0"/>
+                <a:ea typeface="맑은 고딕" panose="020B0503020000020004" pitchFamily="50" charset="-127"/>
+                <a:cs typeface="Arial" panose="020B0604020202020204" pitchFamily="34" charset="0"/>
+              </a:defRPr>
+            </a:lvl6pPr>
+            <a:lvl7pPr marL="2971800" indent="-228600" eaLnBrk="0" fontAlgn="base" hangingPunct="0">
+              <a:spcBef>
+                <a:spcPct val="30000"/>
+              </a:spcBef>
+              <a:spcAft>
+                <a:spcPct val="0"/>
+              </a:spcAft>
+              <a:defRPr kumimoji="1" sz="1200">
+                <a:solidFill>
+                  <a:schemeClr val="tx1"/>
+                </a:solidFill>
+                <a:latin typeface="Arial" panose="020B0604020202020204" pitchFamily="34" charset="0"/>
+                <a:ea typeface="맑은 고딕" panose="020B0503020000020004" pitchFamily="50" charset="-127"/>
+                <a:cs typeface="Arial" panose="020B0604020202020204" pitchFamily="34" charset="0"/>
+              </a:defRPr>
+            </a:lvl7pPr>
+            <a:lvl8pPr marL="3429000" indent="-228600" eaLnBrk="0" fontAlgn="base" hangingPunct="0">
+              <a:spcBef>
+                <a:spcPct val="30000"/>
+              </a:spcBef>
+              <a:spcAft>
+                <a:spcPct val="0"/>
+              </a:spcAft>
+              <a:defRPr kumimoji="1" sz="1200">
+                <a:solidFill>
+                  <a:schemeClr val="tx1"/>
+                </a:solidFill>
+                <a:latin typeface="Arial" panose="020B0604020202020204" pitchFamily="34" charset="0"/>
+                <a:ea typeface="맑은 고딕" panose="020B0503020000020004" pitchFamily="50" charset="-127"/>
+                <a:cs typeface="Arial" panose="020B0604020202020204" pitchFamily="34" charset="0"/>
+              </a:defRPr>
+            </a:lvl8pPr>
+            <a:lvl9pPr marL="3886200" indent="-228600" eaLnBrk="0" fontAlgn="base" hangingPunct="0">
+              <a:spcBef>
+                <a:spcPct val="30000"/>
+              </a:spcBef>
+              <a:spcAft>
+                <a:spcPct val="0"/>
+              </a:spcAft>
+              <a:defRPr kumimoji="1" sz="1200">
+                <a:solidFill>
+                  <a:schemeClr val="tx1"/>
+                </a:solidFill>
+                <a:latin typeface="Arial" panose="020B0604020202020204" pitchFamily="34" charset="0"/>
+                <a:ea typeface="맑은 고딕" panose="020B0503020000020004" pitchFamily="50" charset="-127"/>
+                <a:cs typeface="Arial" panose="020B0604020202020204" pitchFamily="34" charset="0"/>
+              </a:defRPr>
+            </a:lvl9pPr>
+          </a:lstStyle>
+          <a:p>
+            <a:pPr>
+              <a:spcBef>
+                <a:spcPct val="0"/>
+              </a:spcBef>
+            </a:pPr>
+            <a:fld id="{7312667F-E90D-4859-BB10-E2EFB7627976}" type="slidenum">
+              <a:rPr lang="en-US" altLang="ko-KR" sz="1400" smtClean="0">
+                <a:latin typeface="굴림" panose="020B0600000101010101" pitchFamily="50" charset="-127"/>
+                <a:ea typeface="굴림" panose="020B0600000101010101" pitchFamily="50" charset="-127"/>
+              </a:rPr>
+              <a:pPr>
+                <a:spcBef>
+                  <a:spcPct val="0"/>
+                </a:spcBef>
+              </a:pPr>
+              <a:t>12</a:t>
+            </a:fld>
+            <a:endParaRPr lang="en-US" altLang="ko-KR" sz="1400" smtClean="0">
+              <a:latin typeface="굴림" panose="020B0600000101010101" pitchFamily="50" charset="-127"/>
+              <a:ea typeface="굴림" panose="020B0600000101010101" pitchFamily="50" charset="-127"/>
+            </a:endParaRPr>
+          </a:p>
+        </p:txBody>
+      </p:sp>
+    </p:spTree>
+    <p:extLst>
+      <p:ext uri="{BB962C8B-B14F-4D97-AF65-F5344CB8AC3E}">
+        <p14:creationId xmlns:p14="http://schemas.microsoft.com/office/powerpoint/2010/main" val="288790704"/>
+      </p:ext>
+    </p:extLst>
+  </p:cSld>
+  <p:clrMapOvr>
+    <a:masterClrMapping/>
+  </p:clrMapOvr>
+</p:notes>
+</file>
+
+<file path=ppt/notesSlides/notesSlide12.xml><?xml version="1.0" encoding="utf-8"?>
+<p:notes xmlns:a="http://schemas.openxmlformats.org/drawingml/2006/main" xmlns:r="http://schemas.openxmlformats.org/officeDocument/2006/relationships" xmlns:p="http://schemas.openxmlformats.org/presentationml/2006/main">
+  <p:cSld>
+    <p:spTree>
+      <p:nvGrpSpPr>
+        <p:cNvPr id="1" name=""/>
+        <p:cNvGrpSpPr/>
+        <p:nvPr/>
+      </p:nvGrpSpPr>
+      <p:grpSpPr>
+        <a:xfrm>
+          <a:off x="0" y="0"/>
+          <a:ext cx="0" cy="0"/>
+          <a:chOff x="0" y="0"/>
+          <a:chExt cx="0" cy="0"/>
+        </a:xfrm>
+      </p:grpSpPr>
+      <p:sp>
+        <p:nvSpPr>
+          <p:cNvPr id="19458" name="슬라이드 이미지 개체 틀 1"/>
+          <p:cNvSpPr>
+            <a:spLocks noGrp="1" noRot="1" noChangeAspect="1" noChangeArrowheads="1" noTextEdit="1"/>
+          </p:cNvSpPr>
+          <p:nvPr>
+            <p:ph type="sldImg"/>
+          </p:nvPr>
+        </p:nvSpPr>
+        <p:spPr>
+          <a:xfrm>
+            <a:off x="3228975" y="565150"/>
+            <a:ext cx="3625850" cy="2719388"/>
+          </a:xfrm>
+        </p:spPr>
+      </p:sp>
+      <p:sp>
+        <p:nvSpPr>
+          <p:cNvPr id="31747" name="슬라이드 노트 개체 틀 2">
+            <a:extLst/>
+          </p:cNvPr>
+          <p:cNvSpPr>
+            <a:spLocks noGrp="1"/>
+          </p:cNvSpPr>
+          <p:nvPr>
+            <p:ph type="body" idx="1"/>
+          </p:nvPr>
+        </p:nvSpPr>
+        <p:spPr>
+          <a:ln/>
+          <a:extLst>
+            <a:ext uri="{909E8E84-426E-40DD-AFC4-6F175D3DCCD1}">
+              <a14:hiddenFill xmlns:a14="http://schemas.microsoft.com/office/drawing/2010/main">
+                <a:solidFill>
+                  <a:srgbClr val="FFFFFF"/>
+                </a:solidFill>
+              </a14:hiddenFill>
+            </a:ext>
+            <a:ext uri="{91240B29-F687-4F45-9708-019B960494DF}">
+              <a14:hiddenLine xmlns:a14="http://schemas.microsoft.com/office/drawing/2010/main" w="9525">
+                <a:solidFill>
+                  <a:srgbClr val="000000"/>
+                </a:solidFill>
+                <a:miter lim="800000"/>
+                <a:headEnd/>
+                <a:tailEnd/>
+              </a14:hiddenLine>
+            </a:ext>
+          </a:extLst>
+        </p:spPr>
+        <p:txBody>
+          <a:bodyPr/>
+          <a:lstStyle/>
+          <a:p>
+            <a:pPr>
+              <a:defRPr/>
+            </a:pPr>
             <a:r>
               <a:rPr kumimoji="0" lang="ko-KR" altLang="en-US" b="1" kern="0" dirty="0" smtClean="0">
                 <a:sym typeface="굴림" pitchFamily="50" charset="-127"/>
@@ -1440,7 +2011,7 @@
                   <a:spcPct val="0"/>
                 </a:spcBef>
               </a:pPr>
-              <a:t>12</a:t>
+              <a:t>13</a:t>
             </a:fld>
             <a:endParaRPr lang="en-US" altLang="ko-KR" sz="1400" smtClean="0">
               <a:latin typeface="굴림" panose="020B0600000101010101" pitchFamily="50" charset="-127"/>
@@ -2336,7 +2907,7 @@
                   <a:spcPct val="0"/>
                 </a:spcBef>
               </a:pPr>
-              <a:t>6</a:t>
+              <a:t>5</a:t>
             </a:fld>
             <a:endParaRPr lang="en-US" altLang="ko-KR" sz="1400" smtClean="0">
               <a:latin typeface="굴림" panose="020B0600000101010101" pitchFamily="50" charset="-127"/>
@@ -2621,7 +3192,7 @@
                   <a:spcPct val="0"/>
                 </a:spcBef>
               </a:pPr>
-              <a:t>7</a:t>
+              <a:t>6</a:t>
             </a:fld>
             <a:endParaRPr lang="en-US" altLang="ko-KR" sz="1400" smtClean="0">
               <a:latin typeface="굴림" panose="020B0600000101010101" pitchFamily="50" charset="-127"/>
@@ -2906,6 +3477,291 @@
                   <a:spcPct val="0"/>
                 </a:spcBef>
               </a:pPr>
+              <a:t>7</a:t>
+            </a:fld>
+            <a:endParaRPr lang="en-US" altLang="ko-KR" sz="1400" smtClean="0">
+              <a:latin typeface="굴림" panose="020B0600000101010101" pitchFamily="50" charset="-127"/>
+              <a:ea typeface="굴림" panose="020B0600000101010101" pitchFamily="50" charset="-127"/>
+            </a:endParaRPr>
+          </a:p>
+        </p:txBody>
+      </p:sp>
+    </p:spTree>
+    <p:extLst>
+      <p:ext uri="{BB962C8B-B14F-4D97-AF65-F5344CB8AC3E}">
+        <p14:creationId xmlns:p14="http://schemas.microsoft.com/office/powerpoint/2010/main" val="288790704"/>
+      </p:ext>
+    </p:extLst>
+  </p:cSld>
+  <p:clrMapOvr>
+    <a:masterClrMapping/>
+  </p:clrMapOvr>
+</p:notes>
+</file>
+
+<file path=ppt/notesSlides/notesSlide7.xml><?xml version="1.0" encoding="utf-8"?>
+<p:notes xmlns:a="http://schemas.openxmlformats.org/drawingml/2006/main" xmlns:r="http://schemas.openxmlformats.org/officeDocument/2006/relationships" xmlns:p="http://schemas.openxmlformats.org/presentationml/2006/main">
+  <p:cSld>
+    <p:spTree>
+      <p:nvGrpSpPr>
+        <p:cNvPr id="1" name=""/>
+        <p:cNvGrpSpPr/>
+        <p:nvPr/>
+      </p:nvGrpSpPr>
+      <p:grpSpPr>
+        <a:xfrm>
+          <a:off x="0" y="0"/>
+          <a:ext cx="0" cy="0"/>
+          <a:chOff x="0" y="0"/>
+          <a:chExt cx="0" cy="0"/>
+        </a:xfrm>
+      </p:grpSpPr>
+      <p:sp>
+        <p:nvSpPr>
+          <p:cNvPr id="19458" name="슬라이드 이미지 개체 틀 1"/>
+          <p:cNvSpPr>
+            <a:spLocks noGrp="1" noRot="1" noChangeAspect="1" noChangeArrowheads="1" noTextEdit="1"/>
+          </p:cNvSpPr>
+          <p:nvPr>
+            <p:ph type="sldImg"/>
+          </p:nvPr>
+        </p:nvSpPr>
+        <p:spPr>
+          <a:xfrm>
+            <a:off x="3228975" y="565150"/>
+            <a:ext cx="3625850" cy="2719388"/>
+          </a:xfrm>
+        </p:spPr>
+      </p:sp>
+      <p:sp>
+        <p:nvSpPr>
+          <p:cNvPr id="31747" name="슬라이드 노트 개체 틀 2">
+            <a:extLst/>
+          </p:cNvPr>
+          <p:cNvSpPr>
+            <a:spLocks noGrp="1"/>
+          </p:cNvSpPr>
+          <p:nvPr>
+            <p:ph type="body" idx="1"/>
+          </p:nvPr>
+        </p:nvSpPr>
+        <p:spPr>
+          <a:ln/>
+          <a:extLst>
+            <a:ext uri="{909E8E84-426E-40DD-AFC4-6F175D3DCCD1}">
+              <a14:hiddenFill xmlns:a14="http://schemas.microsoft.com/office/drawing/2010/main">
+                <a:solidFill>
+                  <a:srgbClr val="FFFFFF"/>
+                </a:solidFill>
+              </a14:hiddenFill>
+            </a:ext>
+            <a:ext uri="{91240B29-F687-4F45-9708-019B960494DF}">
+              <a14:hiddenLine xmlns:a14="http://schemas.microsoft.com/office/drawing/2010/main" w="9525">
+                <a:solidFill>
+                  <a:srgbClr val="000000"/>
+                </a:solidFill>
+                <a:miter lim="800000"/>
+                <a:headEnd/>
+                <a:tailEnd/>
+              </a14:hiddenLine>
+            </a:ext>
+          </a:extLst>
+        </p:spPr>
+        <p:txBody>
+          <a:bodyPr/>
+          <a:lstStyle/>
+          <a:p>
+            <a:pPr>
+              <a:defRPr/>
+            </a:pPr>
+            <a:endParaRPr kumimoji="0" lang="en-US" altLang="ko-KR" b="1" kern="0" dirty="0" smtClean="0">
+              <a:sym typeface="굴림" pitchFamily="50" charset="-127"/>
+            </a:endParaRPr>
+          </a:p>
+        </p:txBody>
+      </p:sp>
+      <p:sp>
+        <p:nvSpPr>
+          <p:cNvPr id="19460" name="슬라이드 번호 개체 틀 3"/>
+          <p:cNvSpPr>
+            <a:spLocks noGrp="1"/>
+          </p:cNvSpPr>
+          <p:nvPr>
+            <p:ph type="sldNum" sz="quarter" idx="5"/>
+          </p:nvPr>
+        </p:nvSpPr>
+        <p:spPr>
+          <a:noFill/>
+          <a:ln/>
+          <a:extLst>
+            <a:ext uri="{909E8E84-426E-40DD-AFC4-6F175D3DCCD1}">
+              <a14:hiddenFill xmlns:a14="http://schemas.microsoft.com/office/drawing/2010/main">
+                <a:solidFill>
+                  <a:srgbClr val="FFFFFF"/>
+                </a:solidFill>
+              </a14:hiddenFill>
+            </a:ext>
+            <a:ext uri="{91240B29-F687-4F45-9708-019B960494DF}">
+              <a14:hiddenLine xmlns:a14="http://schemas.microsoft.com/office/drawing/2010/main" w="9525">
+                <a:solidFill>
+                  <a:srgbClr val="000000"/>
+                </a:solidFill>
+                <a:miter lim="800000"/>
+                <a:headEnd/>
+                <a:tailEnd/>
+              </a14:hiddenLine>
+            </a:ext>
+          </a:extLst>
+        </p:spPr>
+        <p:txBody>
+          <a:bodyPr/>
+          <a:lstStyle>
+            <a:lvl1pPr latinLnBrk="1">
+              <a:spcBef>
+                <a:spcPct val="30000"/>
+              </a:spcBef>
+              <a:defRPr kumimoji="1" sz="1200">
+                <a:solidFill>
+                  <a:schemeClr val="tx1"/>
+                </a:solidFill>
+                <a:latin typeface="Arial" panose="020B0604020202020204" pitchFamily="34" charset="0"/>
+                <a:ea typeface="맑은 고딕" panose="020B0503020000020004" pitchFamily="50" charset="-127"/>
+                <a:cs typeface="Arial" panose="020B0604020202020204" pitchFamily="34" charset="0"/>
+              </a:defRPr>
+            </a:lvl1pPr>
+            <a:lvl2pPr marL="742950" indent="-285750" latinLnBrk="1">
+              <a:spcBef>
+                <a:spcPct val="30000"/>
+              </a:spcBef>
+              <a:defRPr kumimoji="1" sz="1200">
+                <a:solidFill>
+                  <a:schemeClr val="tx1"/>
+                </a:solidFill>
+                <a:latin typeface="Arial" panose="020B0604020202020204" pitchFamily="34" charset="0"/>
+                <a:ea typeface="맑은 고딕" panose="020B0503020000020004" pitchFamily="50" charset="-127"/>
+                <a:cs typeface="Arial" panose="020B0604020202020204" pitchFamily="34" charset="0"/>
+              </a:defRPr>
+            </a:lvl2pPr>
+            <a:lvl3pPr marL="1143000" indent="-228600" latinLnBrk="1">
+              <a:spcBef>
+                <a:spcPct val="30000"/>
+              </a:spcBef>
+              <a:defRPr kumimoji="1" sz="1200">
+                <a:solidFill>
+                  <a:schemeClr val="tx1"/>
+                </a:solidFill>
+                <a:latin typeface="Arial" panose="020B0604020202020204" pitchFamily="34" charset="0"/>
+                <a:ea typeface="맑은 고딕" panose="020B0503020000020004" pitchFamily="50" charset="-127"/>
+                <a:cs typeface="Arial" panose="020B0604020202020204" pitchFamily="34" charset="0"/>
+              </a:defRPr>
+            </a:lvl3pPr>
+            <a:lvl4pPr marL="1600200" indent="-228600" latinLnBrk="1">
+              <a:spcBef>
+                <a:spcPct val="30000"/>
+              </a:spcBef>
+              <a:defRPr kumimoji="1" sz="1200">
+                <a:solidFill>
+                  <a:schemeClr val="tx1"/>
+                </a:solidFill>
+                <a:latin typeface="Arial" panose="020B0604020202020204" pitchFamily="34" charset="0"/>
+                <a:ea typeface="맑은 고딕" panose="020B0503020000020004" pitchFamily="50" charset="-127"/>
+                <a:cs typeface="Arial" panose="020B0604020202020204" pitchFamily="34" charset="0"/>
+              </a:defRPr>
+            </a:lvl4pPr>
+            <a:lvl5pPr marL="2057400" indent="-228600" latinLnBrk="1">
+              <a:spcBef>
+                <a:spcPct val="30000"/>
+              </a:spcBef>
+              <a:defRPr kumimoji="1" sz="1200">
+                <a:solidFill>
+                  <a:schemeClr val="tx1"/>
+                </a:solidFill>
+                <a:latin typeface="Arial" panose="020B0604020202020204" pitchFamily="34" charset="0"/>
+                <a:ea typeface="맑은 고딕" panose="020B0503020000020004" pitchFamily="50" charset="-127"/>
+                <a:cs typeface="Arial" panose="020B0604020202020204" pitchFamily="34" charset="0"/>
+              </a:defRPr>
+            </a:lvl5pPr>
+            <a:lvl6pPr marL="2514600" indent="-228600" eaLnBrk="0" fontAlgn="base" hangingPunct="0">
+              <a:spcBef>
+                <a:spcPct val="30000"/>
+              </a:spcBef>
+              <a:spcAft>
+                <a:spcPct val="0"/>
+              </a:spcAft>
+              <a:defRPr kumimoji="1" sz="1200">
+                <a:solidFill>
+                  <a:schemeClr val="tx1"/>
+                </a:solidFill>
+                <a:latin typeface="Arial" panose="020B0604020202020204" pitchFamily="34" charset="0"/>
+                <a:ea typeface="맑은 고딕" panose="020B0503020000020004" pitchFamily="50" charset="-127"/>
+                <a:cs typeface="Arial" panose="020B0604020202020204" pitchFamily="34" charset="0"/>
+              </a:defRPr>
+            </a:lvl6pPr>
+            <a:lvl7pPr marL="2971800" indent="-228600" eaLnBrk="0" fontAlgn="base" hangingPunct="0">
+              <a:spcBef>
+                <a:spcPct val="30000"/>
+              </a:spcBef>
+              <a:spcAft>
+                <a:spcPct val="0"/>
+              </a:spcAft>
+              <a:defRPr kumimoji="1" sz="1200">
+                <a:solidFill>
+                  <a:schemeClr val="tx1"/>
+                </a:solidFill>
+                <a:latin typeface="Arial" panose="020B0604020202020204" pitchFamily="34" charset="0"/>
+                <a:ea typeface="맑은 고딕" panose="020B0503020000020004" pitchFamily="50" charset="-127"/>
+                <a:cs typeface="Arial" panose="020B0604020202020204" pitchFamily="34" charset="0"/>
+              </a:defRPr>
+            </a:lvl7pPr>
+            <a:lvl8pPr marL="3429000" indent="-228600" eaLnBrk="0" fontAlgn="base" hangingPunct="0">
+              <a:spcBef>
+                <a:spcPct val="30000"/>
+              </a:spcBef>
+              <a:spcAft>
+                <a:spcPct val="0"/>
+              </a:spcAft>
+              <a:defRPr kumimoji="1" sz="1200">
+                <a:solidFill>
+                  <a:schemeClr val="tx1"/>
+                </a:solidFill>
+                <a:latin typeface="Arial" panose="020B0604020202020204" pitchFamily="34" charset="0"/>
+                <a:ea typeface="맑은 고딕" panose="020B0503020000020004" pitchFamily="50" charset="-127"/>
+                <a:cs typeface="Arial" panose="020B0604020202020204" pitchFamily="34" charset="0"/>
+              </a:defRPr>
+            </a:lvl8pPr>
+            <a:lvl9pPr marL="3886200" indent="-228600" eaLnBrk="0" fontAlgn="base" hangingPunct="0">
+              <a:spcBef>
+                <a:spcPct val="30000"/>
+              </a:spcBef>
+              <a:spcAft>
+                <a:spcPct val="0"/>
+              </a:spcAft>
+              <a:defRPr kumimoji="1" sz="1200">
+                <a:solidFill>
+                  <a:schemeClr val="tx1"/>
+                </a:solidFill>
+                <a:latin typeface="Arial" panose="020B0604020202020204" pitchFamily="34" charset="0"/>
+                <a:ea typeface="맑은 고딕" panose="020B0503020000020004" pitchFamily="50" charset="-127"/>
+                <a:cs typeface="Arial" panose="020B0604020202020204" pitchFamily="34" charset="0"/>
+              </a:defRPr>
+            </a:lvl9pPr>
+          </a:lstStyle>
+          <a:p>
+            <a:pPr>
+              <a:spcBef>
+                <a:spcPct val="0"/>
+              </a:spcBef>
+            </a:pPr>
+            <a:fld id="{7312667F-E90D-4859-BB10-E2EFB7627976}" type="slidenum">
+              <a:rPr lang="en-US" altLang="ko-KR" sz="1400" smtClean="0">
+                <a:latin typeface="굴림" panose="020B0600000101010101" pitchFamily="50" charset="-127"/>
+                <a:ea typeface="굴림" panose="020B0600000101010101" pitchFamily="50" charset="-127"/>
+              </a:rPr>
+              <a:pPr>
+                <a:spcBef>
+                  <a:spcPct val="0"/>
+                </a:spcBef>
+              </a:pPr>
               <a:t>8</a:t>
             </a:fld>
             <a:endParaRPr lang="en-US" altLang="ko-KR" sz="1400" smtClean="0">
@@ -2928,7 +3784,292 @@
 </p:notes>
 </file>
 
-<file path=ppt/notesSlides/notesSlide7.xml><?xml version="1.0" encoding="utf-8"?>
+<file path=ppt/notesSlides/notesSlide8.xml><?xml version="1.0" encoding="utf-8"?>
+<p:notes xmlns:a="http://schemas.openxmlformats.org/drawingml/2006/main" xmlns:r="http://schemas.openxmlformats.org/officeDocument/2006/relationships" xmlns:p="http://schemas.openxmlformats.org/presentationml/2006/main">
+  <p:cSld>
+    <p:spTree>
+      <p:nvGrpSpPr>
+        <p:cNvPr id="1" name=""/>
+        <p:cNvGrpSpPr/>
+        <p:nvPr/>
+      </p:nvGrpSpPr>
+      <p:grpSpPr>
+        <a:xfrm>
+          <a:off x="0" y="0"/>
+          <a:ext cx="0" cy="0"/>
+          <a:chOff x="0" y="0"/>
+          <a:chExt cx="0" cy="0"/>
+        </a:xfrm>
+      </p:grpSpPr>
+      <p:sp>
+        <p:nvSpPr>
+          <p:cNvPr id="19458" name="슬라이드 이미지 개체 틀 1"/>
+          <p:cNvSpPr>
+            <a:spLocks noGrp="1" noRot="1" noChangeAspect="1" noChangeArrowheads="1" noTextEdit="1"/>
+          </p:cNvSpPr>
+          <p:nvPr>
+            <p:ph type="sldImg"/>
+          </p:nvPr>
+        </p:nvSpPr>
+        <p:spPr>
+          <a:xfrm>
+            <a:off x="3228975" y="565150"/>
+            <a:ext cx="3625850" cy="2719388"/>
+          </a:xfrm>
+        </p:spPr>
+      </p:sp>
+      <p:sp>
+        <p:nvSpPr>
+          <p:cNvPr id="31747" name="슬라이드 노트 개체 틀 2">
+            <a:extLst/>
+          </p:cNvPr>
+          <p:cNvSpPr>
+            <a:spLocks noGrp="1"/>
+          </p:cNvSpPr>
+          <p:nvPr>
+            <p:ph type="body" idx="1"/>
+          </p:nvPr>
+        </p:nvSpPr>
+        <p:spPr>
+          <a:ln/>
+          <a:extLst>
+            <a:ext uri="{909E8E84-426E-40DD-AFC4-6F175D3DCCD1}">
+              <a14:hiddenFill xmlns:a14="http://schemas.microsoft.com/office/drawing/2010/main">
+                <a:solidFill>
+                  <a:srgbClr val="FFFFFF"/>
+                </a:solidFill>
+              </a14:hiddenFill>
+            </a:ext>
+            <a:ext uri="{91240B29-F687-4F45-9708-019B960494DF}">
+              <a14:hiddenLine xmlns:a14="http://schemas.microsoft.com/office/drawing/2010/main" w="9525">
+                <a:solidFill>
+                  <a:srgbClr val="000000"/>
+                </a:solidFill>
+                <a:miter lim="800000"/>
+                <a:headEnd/>
+                <a:tailEnd/>
+              </a14:hiddenLine>
+            </a:ext>
+          </a:extLst>
+        </p:spPr>
+        <p:txBody>
+          <a:bodyPr/>
+          <a:lstStyle/>
+          <a:p>
+            <a:pPr>
+              <a:defRPr/>
+            </a:pPr>
+            <a:endParaRPr kumimoji="0" lang="en-US" altLang="ko-KR" b="1" kern="0" dirty="0" smtClean="0">
+              <a:sym typeface="굴림" pitchFamily="50" charset="-127"/>
+            </a:endParaRPr>
+          </a:p>
+        </p:txBody>
+      </p:sp>
+      <p:sp>
+        <p:nvSpPr>
+          <p:cNvPr id="19460" name="슬라이드 번호 개체 틀 3"/>
+          <p:cNvSpPr>
+            <a:spLocks noGrp="1"/>
+          </p:cNvSpPr>
+          <p:nvPr>
+            <p:ph type="sldNum" sz="quarter" idx="5"/>
+          </p:nvPr>
+        </p:nvSpPr>
+        <p:spPr>
+          <a:noFill/>
+          <a:ln/>
+          <a:extLst>
+            <a:ext uri="{909E8E84-426E-40DD-AFC4-6F175D3DCCD1}">
+              <a14:hiddenFill xmlns:a14="http://schemas.microsoft.com/office/drawing/2010/main">
+                <a:solidFill>
+                  <a:srgbClr val="FFFFFF"/>
+                </a:solidFill>
+              </a14:hiddenFill>
+            </a:ext>
+            <a:ext uri="{91240B29-F687-4F45-9708-019B960494DF}">
+              <a14:hiddenLine xmlns:a14="http://schemas.microsoft.com/office/drawing/2010/main" w="9525">
+                <a:solidFill>
+                  <a:srgbClr val="000000"/>
+                </a:solidFill>
+                <a:miter lim="800000"/>
+                <a:headEnd/>
+                <a:tailEnd/>
+              </a14:hiddenLine>
+            </a:ext>
+          </a:extLst>
+        </p:spPr>
+        <p:txBody>
+          <a:bodyPr/>
+          <a:lstStyle>
+            <a:lvl1pPr latinLnBrk="1">
+              <a:spcBef>
+                <a:spcPct val="30000"/>
+              </a:spcBef>
+              <a:defRPr kumimoji="1" sz="1200">
+                <a:solidFill>
+                  <a:schemeClr val="tx1"/>
+                </a:solidFill>
+                <a:latin typeface="Arial" panose="020B0604020202020204" pitchFamily="34" charset="0"/>
+                <a:ea typeface="맑은 고딕" panose="020B0503020000020004" pitchFamily="50" charset="-127"/>
+                <a:cs typeface="Arial" panose="020B0604020202020204" pitchFamily="34" charset="0"/>
+              </a:defRPr>
+            </a:lvl1pPr>
+            <a:lvl2pPr marL="742950" indent="-285750" latinLnBrk="1">
+              <a:spcBef>
+                <a:spcPct val="30000"/>
+              </a:spcBef>
+              <a:defRPr kumimoji="1" sz="1200">
+                <a:solidFill>
+                  <a:schemeClr val="tx1"/>
+                </a:solidFill>
+                <a:latin typeface="Arial" panose="020B0604020202020204" pitchFamily="34" charset="0"/>
+                <a:ea typeface="맑은 고딕" panose="020B0503020000020004" pitchFamily="50" charset="-127"/>
+                <a:cs typeface="Arial" panose="020B0604020202020204" pitchFamily="34" charset="0"/>
+              </a:defRPr>
+            </a:lvl2pPr>
+            <a:lvl3pPr marL="1143000" indent="-228600" latinLnBrk="1">
+              <a:spcBef>
+                <a:spcPct val="30000"/>
+              </a:spcBef>
+              <a:defRPr kumimoji="1" sz="1200">
+                <a:solidFill>
+                  <a:schemeClr val="tx1"/>
+                </a:solidFill>
+                <a:latin typeface="Arial" panose="020B0604020202020204" pitchFamily="34" charset="0"/>
+                <a:ea typeface="맑은 고딕" panose="020B0503020000020004" pitchFamily="50" charset="-127"/>
+                <a:cs typeface="Arial" panose="020B0604020202020204" pitchFamily="34" charset="0"/>
+              </a:defRPr>
+            </a:lvl3pPr>
+            <a:lvl4pPr marL="1600200" indent="-228600" latinLnBrk="1">
+              <a:spcBef>
+                <a:spcPct val="30000"/>
+              </a:spcBef>
+              <a:defRPr kumimoji="1" sz="1200">
+                <a:solidFill>
+                  <a:schemeClr val="tx1"/>
+                </a:solidFill>
+                <a:latin typeface="Arial" panose="020B0604020202020204" pitchFamily="34" charset="0"/>
+                <a:ea typeface="맑은 고딕" panose="020B0503020000020004" pitchFamily="50" charset="-127"/>
+                <a:cs typeface="Arial" panose="020B0604020202020204" pitchFamily="34" charset="0"/>
+              </a:defRPr>
+            </a:lvl4pPr>
+            <a:lvl5pPr marL="2057400" indent="-228600" latinLnBrk="1">
+              <a:spcBef>
+                <a:spcPct val="30000"/>
+              </a:spcBef>
+              <a:defRPr kumimoji="1" sz="1200">
+                <a:solidFill>
+                  <a:schemeClr val="tx1"/>
+                </a:solidFill>
+                <a:latin typeface="Arial" panose="020B0604020202020204" pitchFamily="34" charset="0"/>
+                <a:ea typeface="맑은 고딕" panose="020B0503020000020004" pitchFamily="50" charset="-127"/>
+                <a:cs typeface="Arial" panose="020B0604020202020204" pitchFamily="34" charset="0"/>
+              </a:defRPr>
+            </a:lvl5pPr>
+            <a:lvl6pPr marL="2514600" indent="-228600" eaLnBrk="0" fontAlgn="base" hangingPunct="0">
+              <a:spcBef>
+                <a:spcPct val="30000"/>
+              </a:spcBef>
+              <a:spcAft>
+                <a:spcPct val="0"/>
+              </a:spcAft>
+              <a:defRPr kumimoji="1" sz="1200">
+                <a:solidFill>
+                  <a:schemeClr val="tx1"/>
+                </a:solidFill>
+                <a:latin typeface="Arial" panose="020B0604020202020204" pitchFamily="34" charset="0"/>
+                <a:ea typeface="맑은 고딕" panose="020B0503020000020004" pitchFamily="50" charset="-127"/>
+                <a:cs typeface="Arial" panose="020B0604020202020204" pitchFamily="34" charset="0"/>
+              </a:defRPr>
+            </a:lvl6pPr>
+            <a:lvl7pPr marL="2971800" indent="-228600" eaLnBrk="0" fontAlgn="base" hangingPunct="0">
+              <a:spcBef>
+                <a:spcPct val="30000"/>
+              </a:spcBef>
+              <a:spcAft>
+                <a:spcPct val="0"/>
+              </a:spcAft>
+              <a:defRPr kumimoji="1" sz="1200">
+                <a:solidFill>
+                  <a:schemeClr val="tx1"/>
+                </a:solidFill>
+                <a:latin typeface="Arial" panose="020B0604020202020204" pitchFamily="34" charset="0"/>
+                <a:ea typeface="맑은 고딕" panose="020B0503020000020004" pitchFamily="50" charset="-127"/>
+                <a:cs typeface="Arial" panose="020B0604020202020204" pitchFamily="34" charset="0"/>
+              </a:defRPr>
+            </a:lvl7pPr>
+            <a:lvl8pPr marL="3429000" indent="-228600" eaLnBrk="0" fontAlgn="base" hangingPunct="0">
+              <a:spcBef>
+                <a:spcPct val="30000"/>
+              </a:spcBef>
+              <a:spcAft>
+                <a:spcPct val="0"/>
+              </a:spcAft>
+              <a:defRPr kumimoji="1" sz="1200">
+                <a:solidFill>
+                  <a:schemeClr val="tx1"/>
+                </a:solidFill>
+                <a:latin typeface="Arial" panose="020B0604020202020204" pitchFamily="34" charset="0"/>
+                <a:ea typeface="맑은 고딕" panose="020B0503020000020004" pitchFamily="50" charset="-127"/>
+                <a:cs typeface="Arial" panose="020B0604020202020204" pitchFamily="34" charset="0"/>
+              </a:defRPr>
+            </a:lvl8pPr>
+            <a:lvl9pPr marL="3886200" indent="-228600" eaLnBrk="0" fontAlgn="base" hangingPunct="0">
+              <a:spcBef>
+                <a:spcPct val="30000"/>
+              </a:spcBef>
+              <a:spcAft>
+                <a:spcPct val="0"/>
+              </a:spcAft>
+              <a:defRPr kumimoji="1" sz="1200">
+                <a:solidFill>
+                  <a:schemeClr val="tx1"/>
+                </a:solidFill>
+                <a:latin typeface="Arial" panose="020B0604020202020204" pitchFamily="34" charset="0"/>
+                <a:ea typeface="맑은 고딕" panose="020B0503020000020004" pitchFamily="50" charset="-127"/>
+                <a:cs typeface="Arial" panose="020B0604020202020204" pitchFamily="34" charset="0"/>
+              </a:defRPr>
+            </a:lvl9pPr>
+          </a:lstStyle>
+          <a:p>
+            <a:pPr>
+              <a:spcBef>
+                <a:spcPct val="0"/>
+              </a:spcBef>
+            </a:pPr>
+            <a:fld id="{7312667F-E90D-4859-BB10-E2EFB7627976}" type="slidenum">
+              <a:rPr lang="en-US" altLang="ko-KR" sz="1400" smtClean="0">
+                <a:latin typeface="굴림" panose="020B0600000101010101" pitchFamily="50" charset="-127"/>
+                <a:ea typeface="굴림" panose="020B0600000101010101" pitchFamily="50" charset="-127"/>
+              </a:rPr>
+              <a:pPr>
+                <a:spcBef>
+                  <a:spcPct val="0"/>
+                </a:spcBef>
+              </a:pPr>
+              <a:t>9</a:t>
+            </a:fld>
+            <a:endParaRPr lang="en-US" altLang="ko-KR" sz="1400" smtClean="0">
+              <a:latin typeface="굴림" panose="020B0600000101010101" pitchFamily="50" charset="-127"/>
+              <a:ea typeface="굴림" panose="020B0600000101010101" pitchFamily="50" charset="-127"/>
+            </a:endParaRPr>
+          </a:p>
+        </p:txBody>
+      </p:sp>
+    </p:spTree>
+    <p:extLst>
+      <p:ext uri="{BB962C8B-B14F-4D97-AF65-F5344CB8AC3E}">
+        <p14:creationId xmlns:p14="http://schemas.microsoft.com/office/powerpoint/2010/main" val="288790704"/>
+      </p:ext>
+    </p:extLst>
+  </p:cSld>
+  <p:clrMapOvr>
+    <a:masterClrMapping/>
+  </p:clrMapOvr>
+</p:notes>
+</file>
+
+<file path=ppt/notesSlides/notesSlide9.xml><?xml version="1.0" encoding="utf-8"?>
 <p:notes xmlns:a="http://schemas.openxmlformats.org/drawingml/2006/main" xmlns:r="http://schemas.openxmlformats.org/officeDocument/2006/relationships" xmlns:p="http://schemas.openxmlformats.org/presentationml/2006/main">
   <p:cSld>
     <p:spTree>
@@ -3049,7 +4190,7 @@
               <a:pPr>
                 <a:defRPr/>
               </a:pPr>
-              <a:t>9</a:t>
+              <a:t>10</a:t>
             </a:fld>
             <a:endParaRPr lang="en-US" altLang="ko-KR"/>
           </a:p>
@@ -3059,576 +4200,6 @@
     <p:extLst>
       <p:ext uri="{BB962C8B-B14F-4D97-AF65-F5344CB8AC3E}">
         <p14:creationId xmlns:p14="http://schemas.microsoft.com/office/powerpoint/2010/main" val="1544083595"/>
-      </p:ext>
-    </p:extLst>
-  </p:cSld>
-  <p:clrMapOvr>
-    <a:masterClrMapping/>
-  </p:clrMapOvr>
-</p:notes>
-</file>
-
-<file path=ppt/notesSlides/notesSlide8.xml><?xml version="1.0" encoding="utf-8"?>
-<p:notes xmlns:a="http://schemas.openxmlformats.org/drawingml/2006/main" xmlns:r="http://schemas.openxmlformats.org/officeDocument/2006/relationships" xmlns:p="http://schemas.openxmlformats.org/presentationml/2006/main">
-  <p:cSld>
-    <p:spTree>
-      <p:nvGrpSpPr>
-        <p:cNvPr id="1" name=""/>
-        <p:cNvGrpSpPr/>
-        <p:nvPr/>
-      </p:nvGrpSpPr>
-      <p:grpSpPr>
-        <a:xfrm>
-          <a:off x="0" y="0"/>
-          <a:ext cx="0" cy="0"/>
-          <a:chOff x="0" y="0"/>
-          <a:chExt cx="0" cy="0"/>
-        </a:xfrm>
-      </p:grpSpPr>
-      <p:sp>
-        <p:nvSpPr>
-          <p:cNvPr id="19458" name="슬라이드 이미지 개체 틀 1"/>
-          <p:cNvSpPr>
-            <a:spLocks noGrp="1" noRot="1" noChangeAspect="1" noChangeArrowheads="1" noTextEdit="1"/>
-          </p:cNvSpPr>
-          <p:nvPr>
-            <p:ph type="sldImg"/>
-          </p:nvPr>
-        </p:nvSpPr>
-        <p:spPr>
-          <a:xfrm>
-            <a:off x="3228975" y="565150"/>
-            <a:ext cx="3625850" cy="2719388"/>
-          </a:xfrm>
-        </p:spPr>
-      </p:sp>
-      <p:sp>
-        <p:nvSpPr>
-          <p:cNvPr id="31747" name="슬라이드 노트 개체 틀 2">
-            <a:extLst/>
-          </p:cNvPr>
-          <p:cNvSpPr>
-            <a:spLocks noGrp="1"/>
-          </p:cNvSpPr>
-          <p:nvPr>
-            <p:ph type="body" idx="1"/>
-          </p:nvPr>
-        </p:nvSpPr>
-        <p:spPr>
-          <a:ln/>
-          <a:extLst>
-            <a:ext uri="{909E8E84-426E-40DD-AFC4-6F175D3DCCD1}">
-              <a14:hiddenFill xmlns:a14="http://schemas.microsoft.com/office/drawing/2010/main">
-                <a:solidFill>
-                  <a:srgbClr val="FFFFFF"/>
-                </a:solidFill>
-              </a14:hiddenFill>
-            </a:ext>
-            <a:ext uri="{91240B29-F687-4F45-9708-019B960494DF}">
-              <a14:hiddenLine xmlns:a14="http://schemas.microsoft.com/office/drawing/2010/main" w="9525">
-                <a:solidFill>
-                  <a:srgbClr val="000000"/>
-                </a:solidFill>
-                <a:miter lim="800000"/>
-                <a:headEnd/>
-                <a:tailEnd/>
-              </a14:hiddenLine>
-            </a:ext>
-          </a:extLst>
-        </p:spPr>
-        <p:txBody>
-          <a:bodyPr/>
-          <a:lstStyle/>
-          <a:p>
-            <a:pPr>
-              <a:defRPr/>
-            </a:pPr>
-            <a:endParaRPr kumimoji="0" lang="en-US" altLang="ko-KR" b="1" kern="0" dirty="0" smtClean="0">
-              <a:sym typeface="굴림" pitchFamily="50" charset="-127"/>
-            </a:endParaRPr>
-          </a:p>
-        </p:txBody>
-      </p:sp>
-      <p:sp>
-        <p:nvSpPr>
-          <p:cNvPr id="19460" name="슬라이드 번호 개체 틀 3"/>
-          <p:cNvSpPr>
-            <a:spLocks noGrp="1"/>
-          </p:cNvSpPr>
-          <p:nvPr>
-            <p:ph type="sldNum" sz="quarter" idx="5"/>
-          </p:nvPr>
-        </p:nvSpPr>
-        <p:spPr>
-          <a:noFill/>
-          <a:ln/>
-          <a:extLst>
-            <a:ext uri="{909E8E84-426E-40DD-AFC4-6F175D3DCCD1}">
-              <a14:hiddenFill xmlns:a14="http://schemas.microsoft.com/office/drawing/2010/main">
-                <a:solidFill>
-                  <a:srgbClr val="FFFFFF"/>
-                </a:solidFill>
-              </a14:hiddenFill>
-            </a:ext>
-            <a:ext uri="{91240B29-F687-4F45-9708-019B960494DF}">
-              <a14:hiddenLine xmlns:a14="http://schemas.microsoft.com/office/drawing/2010/main" w="9525">
-                <a:solidFill>
-                  <a:srgbClr val="000000"/>
-                </a:solidFill>
-                <a:miter lim="800000"/>
-                <a:headEnd/>
-                <a:tailEnd/>
-              </a14:hiddenLine>
-            </a:ext>
-          </a:extLst>
-        </p:spPr>
-        <p:txBody>
-          <a:bodyPr/>
-          <a:lstStyle>
-            <a:lvl1pPr latinLnBrk="1">
-              <a:spcBef>
-                <a:spcPct val="30000"/>
-              </a:spcBef>
-              <a:defRPr kumimoji="1" sz="1200">
-                <a:solidFill>
-                  <a:schemeClr val="tx1"/>
-                </a:solidFill>
-                <a:latin typeface="Arial" panose="020B0604020202020204" pitchFamily="34" charset="0"/>
-                <a:ea typeface="맑은 고딕" panose="020B0503020000020004" pitchFamily="50" charset="-127"/>
-                <a:cs typeface="Arial" panose="020B0604020202020204" pitchFamily="34" charset="0"/>
-              </a:defRPr>
-            </a:lvl1pPr>
-            <a:lvl2pPr marL="742950" indent="-285750" latinLnBrk="1">
-              <a:spcBef>
-                <a:spcPct val="30000"/>
-              </a:spcBef>
-              <a:defRPr kumimoji="1" sz="1200">
-                <a:solidFill>
-                  <a:schemeClr val="tx1"/>
-                </a:solidFill>
-                <a:latin typeface="Arial" panose="020B0604020202020204" pitchFamily="34" charset="0"/>
-                <a:ea typeface="맑은 고딕" panose="020B0503020000020004" pitchFamily="50" charset="-127"/>
-                <a:cs typeface="Arial" panose="020B0604020202020204" pitchFamily="34" charset="0"/>
-              </a:defRPr>
-            </a:lvl2pPr>
-            <a:lvl3pPr marL="1143000" indent="-228600" latinLnBrk="1">
-              <a:spcBef>
-                <a:spcPct val="30000"/>
-              </a:spcBef>
-              <a:defRPr kumimoji="1" sz="1200">
-                <a:solidFill>
-                  <a:schemeClr val="tx1"/>
-                </a:solidFill>
-                <a:latin typeface="Arial" panose="020B0604020202020204" pitchFamily="34" charset="0"/>
-                <a:ea typeface="맑은 고딕" panose="020B0503020000020004" pitchFamily="50" charset="-127"/>
-                <a:cs typeface="Arial" panose="020B0604020202020204" pitchFamily="34" charset="0"/>
-              </a:defRPr>
-            </a:lvl3pPr>
-            <a:lvl4pPr marL="1600200" indent="-228600" latinLnBrk="1">
-              <a:spcBef>
-                <a:spcPct val="30000"/>
-              </a:spcBef>
-              <a:defRPr kumimoji="1" sz="1200">
-                <a:solidFill>
-                  <a:schemeClr val="tx1"/>
-                </a:solidFill>
-                <a:latin typeface="Arial" panose="020B0604020202020204" pitchFamily="34" charset="0"/>
-                <a:ea typeface="맑은 고딕" panose="020B0503020000020004" pitchFamily="50" charset="-127"/>
-                <a:cs typeface="Arial" panose="020B0604020202020204" pitchFamily="34" charset="0"/>
-              </a:defRPr>
-            </a:lvl4pPr>
-            <a:lvl5pPr marL="2057400" indent="-228600" latinLnBrk="1">
-              <a:spcBef>
-                <a:spcPct val="30000"/>
-              </a:spcBef>
-              <a:defRPr kumimoji="1" sz="1200">
-                <a:solidFill>
-                  <a:schemeClr val="tx1"/>
-                </a:solidFill>
-                <a:latin typeface="Arial" panose="020B0604020202020204" pitchFamily="34" charset="0"/>
-                <a:ea typeface="맑은 고딕" panose="020B0503020000020004" pitchFamily="50" charset="-127"/>
-                <a:cs typeface="Arial" panose="020B0604020202020204" pitchFamily="34" charset="0"/>
-              </a:defRPr>
-            </a:lvl5pPr>
-            <a:lvl6pPr marL="2514600" indent="-228600" eaLnBrk="0" fontAlgn="base" hangingPunct="0">
-              <a:spcBef>
-                <a:spcPct val="30000"/>
-              </a:spcBef>
-              <a:spcAft>
-                <a:spcPct val="0"/>
-              </a:spcAft>
-              <a:defRPr kumimoji="1" sz="1200">
-                <a:solidFill>
-                  <a:schemeClr val="tx1"/>
-                </a:solidFill>
-                <a:latin typeface="Arial" panose="020B0604020202020204" pitchFamily="34" charset="0"/>
-                <a:ea typeface="맑은 고딕" panose="020B0503020000020004" pitchFamily="50" charset="-127"/>
-                <a:cs typeface="Arial" panose="020B0604020202020204" pitchFamily="34" charset="0"/>
-              </a:defRPr>
-            </a:lvl6pPr>
-            <a:lvl7pPr marL="2971800" indent="-228600" eaLnBrk="0" fontAlgn="base" hangingPunct="0">
-              <a:spcBef>
-                <a:spcPct val="30000"/>
-              </a:spcBef>
-              <a:spcAft>
-                <a:spcPct val="0"/>
-              </a:spcAft>
-              <a:defRPr kumimoji="1" sz="1200">
-                <a:solidFill>
-                  <a:schemeClr val="tx1"/>
-                </a:solidFill>
-                <a:latin typeface="Arial" panose="020B0604020202020204" pitchFamily="34" charset="0"/>
-                <a:ea typeface="맑은 고딕" panose="020B0503020000020004" pitchFamily="50" charset="-127"/>
-                <a:cs typeface="Arial" panose="020B0604020202020204" pitchFamily="34" charset="0"/>
-              </a:defRPr>
-            </a:lvl7pPr>
-            <a:lvl8pPr marL="3429000" indent="-228600" eaLnBrk="0" fontAlgn="base" hangingPunct="0">
-              <a:spcBef>
-                <a:spcPct val="30000"/>
-              </a:spcBef>
-              <a:spcAft>
-                <a:spcPct val="0"/>
-              </a:spcAft>
-              <a:defRPr kumimoji="1" sz="1200">
-                <a:solidFill>
-                  <a:schemeClr val="tx1"/>
-                </a:solidFill>
-                <a:latin typeface="Arial" panose="020B0604020202020204" pitchFamily="34" charset="0"/>
-                <a:ea typeface="맑은 고딕" panose="020B0503020000020004" pitchFamily="50" charset="-127"/>
-                <a:cs typeface="Arial" panose="020B0604020202020204" pitchFamily="34" charset="0"/>
-              </a:defRPr>
-            </a:lvl8pPr>
-            <a:lvl9pPr marL="3886200" indent="-228600" eaLnBrk="0" fontAlgn="base" hangingPunct="0">
-              <a:spcBef>
-                <a:spcPct val="30000"/>
-              </a:spcBef>
-              <a:spcAft>
-                <a:spcPct val="0"/>
-              </a:spcAft>
-              <a:defRPr kumimoji="1" sz="1200">
-                <a:solidFill>
-                  <a:schemeClr val="tx1"/>
-                </a:solidFill>
-                <a:latin typeface="Arial" panose="020B0604020202020204" pitchFamily="34" charset="0"/>
-                <a:ea typeface="맑은 고딕" panose="020B0503020000020004" pitchFamily="50" charset="-127"/>
-                <a:cs typeface="Arial" panose="020B0604020202020204" pitchFamily="34" charset="0"/>
-              </a:defRPr>
-            </a:lvl9pPr>
-          </a:lstStyle>
-          <a:p>
-            <a:pPr>
-              <a:spcBef>
-                <a:spcPct val="0"/>
-              </a:spcBef>
-            </a:pPr>
-            <a:fld id="{7312667F-E90D-4859-BB10-E2EFB7627976}" type="slidenum">
-              <a:rPr lang="en-US" altLang="ko-KR" sz="1400" smtClean="0">
-                <a:latin typeface="굴림" panose="020B0600000101010101" pitchFamily="50" charset="-127"/>
-                <a:ea typeface="굴림" panose="020B0600000101010101" pitchFamily="50" charset="-127"/>
-              </a:rPr>
-              <a:pPr>
-                <a:spcBef>
-                  <a:spcPct val="0"/>
-                </a:spcBef>
-              </a:pPr>
-              <a:t>10</a:t>
-            </a:fld>
-            <a:endParaRPr lang="en-US" altLang="ko-KR" sz="1400" smtClean="0">
-              <a:latin typeface="굴림" panose="020B0600000101010101" pitchFamily="50" charset="-127"/>
-              <a:ea typeface="굴림" panose="020B0600000101010101" pitchFamily="50" charset="-127"/>
-            </a:endParaRPr>
-          </a:p>
-        </p:txBody>
-      </p:sp>
-    </p:spTree>
-    <p:extLst>
-      <p:ext uri="{BB962C8B-B14F-4D97-AF65-F5344CB8AC3E}">
-        <p14:creationId xmlns:p14="http://schemas.microsoft.com/office/powerpoint/2010/main" val="288790704"/>
-      </p:ext>
-    </p:extLst>
-  </p:cSld>
-  <p:clrMapOvr>
-    <a:masterClrMapping/>
-  </p:clrMapOvr>
-</p:notes>
-</file>
-
-<file path=ppt/notesSlides/notesSlide9.xml><?xml version="1.0" encoding="utf-8"?>
-<p:notes xmlns:a="http://schemas.openxmlformats.org/drawingml/2006/main" xmlns:r="http://schemas.openxmlformats.org/officeDocument/2006/relationships" xmlns:p="http://schemas.openxmlformats.org/presentationml/2006/main">
-  <p:cSld>
-    <p:spTree>
-      <p:nvGrpSpPr>
-        <p:cNvPr id="1" name=""/>
-        <p:cNvGrpSpPr/>
-        <p:nvPr/>
-      </p:nvGrpSpPr>
-      <p:grpSpPr>
-        <a:xfrm>
-          <a:off x="0" y="0"/>
-          <a:ext cx="0" cy="0"/>
-          <a:chOff x="0" y="0"/>
-          <a:chExt cx="0" cy="0"/>
-        </a:xfrm>
-      </p:grpSpPr>
-      <p:sp>
-        <p:nvSpPr>
-          <p:cNvPr id="19458" name="슬라이드 이미지 개체 틀 1"/>
-          <p:cNvSpPr>
-            <a:spLocks noGrp="1" noRot="1" noChangeAspect="1" noChangeArrowheads="1" noTextEdit="1"/>
-          </p:cNvSpPr>
-          <p:nvPr>
-            <p:ph type="sldImg"/>
-          </p:nvPr>
-        </p:nvSpPr>
-        <p:spPr>
-          <a:xfrm>
-            <a:off x="3228975" y="565150"/>
-            <a:ext cx="3625850" cy="2719388"/>
-          </a:xfrm>
-        </p:spPr>
-      </p:sp>
-      <p:sp>
-        <p:nvSpPr>
-          <p:cNvPr id="31747" name="슬라이드 노트 개체 틀 2">
-            <a:extLst/>
-          </p:cNvPr>
-          <p:cNvSpPr>
-            <a:spLocks noGrp="1"/>
-          </p:cNvSpPr>
-          <p:nvPr>
-            <p:ph type="body" idx="1"/>
-          </p:nvPr>
-        </p:nvSpPr>
-        <p:spPr>
-          <a:ln/>
-          <a:extLst>
-            <a:ext uri="{909E8E84-426E-40DD-AFC4-6F175D3DCCD1}">
-              <a14:hiddenFill xmlns:a14="http://schemas.microsoft.com/office/drawing/2010/main">
-                <a:solidFill>
-                  <a:srgbClr val="FFFFFF"/>
-                </a:solidFill>
-              </a14:hiddenFill>
-            </a:ext>
-            <a:ext uri="{91240B29-F687-4F45-9708-019B960494DF}">
-              <a14:hiddenLine xmlns:a14="http://schemas.microsoft.com/office/drawing/2010/main" w="9525">
-                <a:solidFill>
-                  <a:srgbClr val="000000"/>
-                </a:solidFill>
-                <a:miter lim="800000"/>
-                <a:headEnd/>
-                <a:tailEnd/>
-              </a14:hiddenLine>
-            </a:ext>
-          </a:extLst>
-        </p:spPr>
-        <p:txBody>
-          <a:bodyPr/>
-          <a:lstStyle/>
-          <a:p>
-            <a:pPr>
-              <a:defRPr/>
-            </a:pPr>
-            <a:endParaRPr kumimoji="0" lang="en-US" altLang="ko-KR" b="1" kern="0" dirty="0" smtClean="0">
-              <a:sym typeface="굴림" pitchFamily="50" charset="-127"/>
-            </a:endParaRPr>
-          </a:p>
-        </p:txBody>
-      </p:sp>
-      <p:sp>
-        <p:nvSpPr>
-          <p:cNvPr id="19460" name="슬라이드 번호 개체 틀 3"/>
-          <p:cNvSpPr>
-            <a:spLocks noGrp="1"/>
-          </p:cNvSpPr>
-          <p:nvPr>
-            <p:ph type="sldNum" sz="quarter" idx="5"/>
-          </p:nvPr>
-        </p:nvSpPr>
-        <p:spPr>
-          <a:noFill/>
-          <a:ln/>
-          <a:extLst>
-            <a:ext uri="{909E8E84-426E-40DD-AFC4-6F175D3DCCD1}">
-              <a14:hiddenFill xmlns:a14="http://schemas.microsoft.com/office/drawing/2010/main">
-                <a:solidFill>
-                  <a:srgbClr val="FFFFFF"/>
-                </a:solidFill>
-              </a14:hiddenFill>
-            </a:ext>
-            <a:ext uri="{91240B29-F687-4F45-9708-019B960494DF}">
-              <a14:hiddenLine xmlns:a14="http://schemas.microsoft.com/office/drawing/2010/main" w="9525">
-                <a:solidFill>
-                  <a:srgbClr val="000000"/>
-                </a:solidFill>
-                <a:miter lim="800000"/>
-                <a:headEnd/>
-                <a:tailEnd/>
-              </a14:hiddenLine>
-            </a:ext>
-          </a:extLst>
-        </p:spPr>
-        <p:txBody>
-          <a:bodyPr/>
-          <a:lstStyle>
-            <a:lvl1pPr latinLnBrk="1">
-              <a:spcBef>
-                <a:spcPct val="30000"/>
-              </a:spcBef>
-              <a:defRPr kumimoji="1" sz="1200">
-                <a:solidFill>
-                  <a:schemeClr val="tx1"/>
-                </a:solidFill>
-                <a:latin typeface="Arial" panose="020B0604020202020204" pitchFamily="34" charset="0"/>
-                <a:ea typeface="맑은 고딕" panose="020B0503020000020004" pitchFamily="50" charset="-127"/>
-                <a:cs typeface="Arial" panose="020B0604020202020204" pitchFamily="34" charset="0"/>
-              </a:defRPr>
-            </a:lvl1pPr>
-            <a:lvl2pPr marL="742950" indent="-285750" latinLnBrk="1">
-              <a:spcBef>
-                <a:spcPct val="30000"/>
-              </a:spcBef>
-              <a:defRPr kumimoji="1" sz="1200">
-                <a:solidFill>
-                  <a:schemeClr val="tx1"/>
-                </a:solidFill>
-                <a:latin typeface="Arial" panose="020B0604020202020204" pitchFamily="34" charset="0"/>
-                <a:ea typeface="맑은 고딕" panose="020B0503020000020004" pitchFamily="50" charset="-127"/>
-                <a:cs typeface="Arial" panose="020B0604020202020204" pitchFamily="34" charset="0"/>
-              </a:defRPr>
-            </a:lvl2pPr>
-            <a:lvl3pPr marL="1143000" indent="-228600" latinLnBrk="1">
-              <a:spcBef>
-                <a:spcPct val="30000"/>
-              </a:spcBef>
-              <a:defRPr kumimoji="1" sz="1200">
-                <a:solidFill>
-                  <a:schemeClr val="tx1"/>
-                </a:solidFill>
-                <a:latin typeface="Arial" panose="020B0604020202020204" pitchFamily="34" charset="0"/>
-                <a:ea typeface="맑은 고딕" panose="020B0503020000020004" pitchFamily="50" charset="-127"/>
-                <a:cs typeface="Arial" panose="020B0604020202020204" pitchFamily="34" charset="0"/>
-              </a:defRPr>
-            </a:lvl3pPr>
-            <a:lvl4pPr marL="1600200" indent="-228600" latinLnBrk="1">
-              <a:spcBef>
-                <a:spcPct val="30000"/>
-              </a:spcBef>
-              <a:defRPr kumimoji="1" sz="1200">
-                <a:solidFill>
-                  <a:schemeClr val="tx1"/>
-                </a:solidFill>
-                <a:latin typeface="Arial" panose="020B0604020202020204" pitchFamily="34" charset="0"/>
-                <a:ea typeface="맑은 고딕" panose="020B0503020000020004" pitchFamily="50" charset="-127"/>
-                <a:cs typeface="Arial" panose="020B0604020202020204" pitchFamily="34" charset="0"/>
-              </a:defRPr>
-            </a:lvl4pPr>
-            <a:lvl5pPr marL="2057400" indent="-228600" latinLnBrk="1">
-              <a:spcBef>
-                <a:spcPct val="30000"/>
-              </a:spcBef>
-              <a:defRPr kumimoji="1" sz="1200">
-                <a:solidFill>
-                  <a:schemeClr val="tx1"/>
-                </a:solidFill>
-                <a:latin typeface="Arial" panose="020B0604020202020204" pitchFamily="34" charset="0"/>
-                <a:ea typeface="맑은 고딕" panose="020B0503020000020004" pitchFamily="50" charset="-127"/>
-                <a:cs typeface="Arial" panose="020B0604020202020204" pitchFamily="34" charset="0"/>
-              </a:defRPr>
-            </a:lvl5pPr>
-            <a:lvl6pPr marL="2514600" indent="-228600" eaLnBrk="0" fontAlgn="base" hangingPunct="0">
-              <a:spcBef>
-                <a:spcPct val="30000"/>
-              </a:spcBef>
-              <a:spcAft>
-                <a:spcPct val="0"/>
-              </a:spcAft>
-              <a:defRPr kumimoji="1" sz="1200">
-                <a:solidFill>
-                  <a:schemeClr val="tx1"/>
-                </a:solidFill>
-                <a:latin typeface="Arial" panose="020B0604020202020204" pitchFamily="34" charset="0"/>
-                <a:ea typeface="맑은 고딕" panose="020B0503020000020004" pitchFamily="50" charset="-127"/>
-                <a:cs typeface="Arial" panose="020B0604020202020204" pitchFamily="34" charset="0"/>
-              </a:defRPr>
-            </a:lvl6pPr>
-            <a:lvl7pPr marL="2971800" indent="-228600" eaLnBrk="0" fontAlgn="base" hangingPunct="0">
-              <a:spcBef>
-                <a:spcPct val="30000"/>
-              </a:spcBef>
-              <a:spcAft>
-                <a:spcPct val="0"/>
-              </a:spcAft>
-              <a:defRPr kumimoji="1" sz="1200">
-                <a:solidFill>
-                  <a:schemeClr val="tx1"/>
-                </a:solidFill>
-                <a:latin typeface="Arial" panose="020B0604020202020204" pitchFamily="34" charset="0"/>
-                <a:ea typeface="맑은 고딕" panose="020B0503020000020004" pitchFamily="50" charset="-127"/>
-                <a:cs typeface="Arial" panose="020B0604020202020204" pitchFamily="34" charset="0"/>
-              </a:defRPr>
-            </a:lvl7pPr>
-            <a:lvl8pPr marL="3429000" indent="-228600" eaLnBrk="0" fontAlgn="base" hangingPunct="0">
-              <a:spcBef>
-                <a:spcPct val="30000"/>
-              </a:spcBef>
-              <a:spcAft>
-                <a:spcPct val="0"/>
-              </a:spcAft>
-              <a:defRPr kumimoji="1" sz="1200">
-                <a:solidFill>
-                  <a:schemeClr val="tx1"/>
-                </a:solidFill>
-                <a:latin typeface="Arial" panose="020B0604020202020204" pitchFamily="34" charset="0"/>
-                <a:ea typeface="맑은 고딕" panose="020B0503020000020004" pitchFamily="50" charset="-127"/>
-                <a:cs typeface="Arial" panose="020B0604020202020204" pitchFamily="34" charset="0"/>
-              </a:defRPr>
-            </a:lvl8pPr>
-            <a:lvl9pPr marL="3886200" indent="-228600" eaLnBrk="0" fontAlgn="base" hangingPunct="0">
-              <a:spcBef>
-                <a:spcPct val="30000"/>
-              </a:spcBef>
-              <a:spcAft>
-                <a:spcPct val="0"/>
-              </a:spcAft>
-              <a:defRPr kumimoji="1" sz="1200">
-                <a:solidFill>
-                  <a:schemeClr val="tx1"/>
-                </a:solidFill>
-                <a:latin typeface="Arial" panose="020B0604020202020204" pitchFamily="34" charset="0"/>
-                <a:ea typeface="맑은 고딕" panose="020B0503020000020004" pitchFamily="50" charset="-127"/>
-                <a:cs typeface="Arial" panose="020B0604020202020204" pitchFamily="34" charset="0"/>
-              </a:defRPr>
-            </a:lvl9pPr>
-          </a:lstStyle>
-          <a:p>
-            <a:pPr>
-              <a:spcBef>
-                <a:spcPct val="0"/>
-              </a:spcBef>
-            </a:pPr>
-            <a:fld id="{7312667F-E90D-4859-BB10-E2EFB7627976}" type="slidenum">
-              <a:rPr lang="en-US" altLang="ko-KR" sz="1400" smtClean="0">
-                <a:latin typeface="굴림" panose="020B0600000101010101" pitchFamily="50" charset="-127"/>
-                <a:ea typeface="굴림" panose="020B0600000101010101" pitchFamily="50" charset="-127"/>
-              </a:rPr>
-              <a:pPr>
-                <a:spcBef>
-                  <a:spcPct val="0"/>
-                </a:spcBef>
-              </a:pPr>
-              <a:t>11</a:t>
-            </a:fld>
-            <a:endParaRPr lang="en-US" altLang="ko-KR" sz="1400" smtClean="0">
-              <a:latin typeface="굴림" panose="020B0600000101010101" pitchFamily="50" charset="-127"/>
-              <a:ea typeface="굴림" panose="020B0600000101010101" pitchFamily="50" charset="-127"/>
-            </a:endParaRPr>
-          </a:p>
-        </p:txBody>
-      </p:sp>
-    </p:spTree>
-    <p:extLst>
-      <p:ext uri="{BB962C8B-B14F-4D97-AF65-F5344CB8AC3E}">
-        <p14:creationId xmlns:p14="http://schemas.microsoft.com/office/powerpoint/2010/main" val="288790704"/>
       </p:ext>
     </p:extLst>
   </p:cSld>
@@ -8824,6 +9395,676 @@
       </p:grpSpPr>
       <p:sp>
         <p:nvSpPr>
+          <p:cNvPr id="2" name="제목 1"/>
+          <p:cNvSpPr>
+            <a:spLocks noGrp="1"/>
+          </p:cNvSpPr>
+          <p:nvPr>
+            <p:ph type="title"/>
+          </p:nvPr>
+        </p:nvSpPr>
+        <p:spPr/>
+        <p:txBody>
+          <a:bodyPr/>
+          <a:lstStyle/>
+          <a:p>
+            <a:r>
+              <a:rPr lang="en-US" altLang="ko-KR" dirty="0" smtClean="0"/>
+              <a:t>Q-Learning</a:t>
+            </a:r>
+            <a:endParaRPr lang="ko-KR" altLang="en-US" dirty="0"/>
+          </a:p>
+        </p:txBody>
+      </p:sp>
+      <mc:AlternateContent xmlns:mc="http://schemas.openxmlformats.org/markup-compatibility/2006" xmlns:a14="http://schemas.microsoft.com/office/drawing/2010/main">
+        <mc:Choice Requires="a14">
+          <p:sp>
+            <p:nvSpPr>
+              <p:cNvPr id="3" name="내용 개체 틀 2"/>
+              <p:cNvSpPr>
+                <a:spLocks noGrp="1"/>
+              </p:cNvSpPr>
+              <p:nvPr>
+                <p:ph idx="1"/>
+              </p:nvPr>
+            </p:nvSpPr>
+            <p:spPr>
+              <a:xfrm>
+                <a:off x="467544" y="1052736"/>
+                <a:ext cx="8229600" cy="5184775"/>
+              </a:xfrm>
+            </p:spPr>
+            <p:txBody>
+              <a:bodyPr/>
+              <a:lstStyle/>
+              <a:p>
+                <a:r>
+                  <a:rPr lang="en-US" altLang="ko-KR" dirty="0" smtClean="0"/>
+                  <a:t>Exploitation vs Exploration</a:t>
+                </a:r>
+              </a:p>
+              <a:p>
+                <a:pPr lvl="1"/>
+                <a14:m>
+                  <m:oMath xmlns:m="http://schemas.openxmlformats.org/officeDocument/2006/math">
+                    <m:sSub>
+                      <m:sSubPr>
+                        <m:ctrlPr>
+                          <a:rPr lang="en-US" altLang="ko-KR" i="1">
+                            <a:latin typeface="Cambria Math"/>
+                            <a:ea typeface="Cambria Math"/>
+                          </a:rPr>
+                        </m:ctrlPr>
+                      </m:sSubPr>
+                      <m:e>
+                        <m:r>
+                          <a:rPr lang="en-US" altLang="ko-KR" i="1">
+                            <a:latin typeface="Cambria Math"/>
+                            <a:ea typeface="Cambria Math"/>
+                          </a:rPr>
+                          <m:t>𝑎</m:t>
+                        </m:r>
+                      </m:e>
+                      <m:sub>
+                        <m:r>
+                          <a:rPr lang="en-US" altLang="ko-KR" i="1">
+                            <a:latin typeface="Cambria Math"/>
+                            <a:ea typeface="Cambria Math"/>
+                          </a:rPr>
+                          <m:t>𝑡</m:t>
+                        </m:r>
+                      </m:sub>
+                    </m:sSub>
+                  </m:oMath>
+                </a14:m>
+                <a:r>
+                  <a:rPr lang="en-US" altLang="ko-KR" dirty="0">
+                    <a:ea typeface="Cambria Math"/>
+                  </a:rPr>
+                  <a:t> = </a:t>
+                </a:r>
+                <a14:m>
+                  <m:oMath xmlns:m="http://schemas.openxmlformats.org/officeDocument/2006/math">
+                    <m:func>
+                      <m:funcPr>
+                        <m:ctrlPr>
+                          <a:rPr lang="en-US" altLang="ko-KR" i="1">
+                            <a:latin typeface="Cambria Math"/>
+                            <a:ea typeface="Cambria Math"/>
+                          </a:rPr>
+                        </m:ctrlPr>
+                      </m:funcPr>
+                      <m:fName>
+                        <m:limLow>
+                          <m:limLowPr>
+                            <m:ctrlPr>
+                              <a:rPr lang="en-US" altLang="ko-KR" i="1">
+                                <a:latin typeface="Cambria Math"/>
+                                <a:ea typeface="Cambria Math"/>
+                              </a:rPr>
+                            </m:ctrlPr>
+                          </m:limLowPr>
+                          <m:e>
+                            <m:r>
+                              <m:rPr>
+                                <m:sty m:val="p"/>
+                              </m:rPr>
+                              <a:rPr lang="en-US" altLang="ko-KR">
+                                <a:latin typeface="Cambria Math"/>
+                                <a:ea typeface="Cambria Math"/>
+                              </a:rPr>
+                              <m:t>argmax</m:t>
+                            </m:r>
+                          </m:e>
+                          <m:lim>
+                            <m:r>
+                              <a:rPr lang="en-US" altLang="ko-KR" i="1">
+                                <a:latin typeface="Cambria Math"/>
+                                <a:ea typeface="Cambria Math"/>
+                              </a:rPr>
+                              <m:t>𝑎</m:t>
+                            </m:r>
+                          </m:lim>
+                        </m:limLow>
+                      </m:fName>
+                      <m:e>
+                        <m:r>
+                          <a:rPr lang="en-US" altLang="ko-KR" i="1">
+                            <a:latin typeface="Cambria Math"/>
+                            <a:ea typeface="Cambria Math"/>
+                          </a:rPr>
+                          <m:t>𝑄</m:t>
+                        </m:r>
+                        <m:r>
+                          <a:rPr lang="en-US" altLang="ko-KR" i="1">
+                            <a:latin typeface="Cambria Math"/>
+                            <a:ea typeface="Cambria Math"/>
+                          </a:rPr>
+                          <m:t>(</m:t>
+                        </m:r>
+                        <m:sSub>
+                          <m:sSubPr>
+                            <m:ctrlPr>
+                              <a:rPr lang="en-US" altLang="ko-KR" i="1">
+                                <a:latin typeface="Cambria Math"/>
+                                <a:ea typeface="Cambria Math"/>
+                              </a:rPr>
+                            </m:ctrlPr>
+                          </m:sSubPr>
+                          <m:e>
+                            <m:r>
+                              <a:rPr lang="en-US" altLang="ko-KR" i="1">
+                                <a:latin typeface="Cambria Math"/>
+                                <a:ea typeface="Cambria Math"/>
+                              </a:rPr>
+                              <m:t>𝑒</m:t>
+                            </m:r>
+                          </m:e>
+                          <m:sub>
+                            <m:r>
+                              <a:rPr lang="en-US" altLang="ko-KR" i="1">
+                                <a:latin typeface="Cambria Math"/>
+                                <a:ea typeface="Cambria Math"/>
+                              </a:rPr>
+                              <m:t>𝑡</m:t>
+                            </m:r>
+                            <m:r>
+                              <a:rPr lang="en-US" altLang="ko-KR" i="1">
+                                <a:latin typeface="Cambria Math"/>
+                                <a:ea typeface="Cambria Math"/>
+                              </a:rPr>
+                              <m:t>+1</m:t>
+                            </m:r>
+                          </m:sub>
+                        </m:sSub>
+                        <m:r>
+                          <a:rPr lang="en-US" altLang="ko-KR" i="1">
+                            <a:latin typeface="Cambria Math"/>
+                            <a:ea typeface="Cambria Math"/>
+                          </a:rPr>
+                          <m:t>,</m:t>
+                        </m:r>
+                        <m:acc>
+                          <m:accPr>
+                            <m:chr m:val="⃑"/>
+                            <m:ctrlPr>
+                              <a:rPr lang="en-US" altLang="ko-KR" i="1">
+                                <a:latin typeface="Cambria Math"/>
+                                <a:ea typeface="Cambria Math"/>
+                              </a:rPr>
+                            </m:ctrlPr>
+                          </m:accPr>
+                          <m:e>
+                            <m:r>
+                              <a:rPr lang="en-US" altLang="ko-KR" i="1">
+                                <a:latin typeface="Cambria Math"/>
+                                <a:ea typeface="Cambria Math"/>
+                              </a:rPr>
+                              <m:t>𝑎</m:t>
+                            </m:r>
+                          </m:e>
+                        </m:acc>
+                        <m:r>
+                          <a:rPr lang="en-US" altLang="ko-KR" i="1">
+                            <a:latin typeface="Cambria Math"/>
+                            <a:ea typeface="Cambria Math"/>
+                          </a:rPr>
+                          <m:t>)</m:t>
+                        </m:r>
+                      </m:e>
+                    </m:func>
+                  </m:oMath>
+                </a14:m>
+                <a:endParaRPr lang="en-US" altLang="ko-KR" i="1" dirty="0" smtClean="0">
+                  <a:latin typeface="Cambria Math"/>
+                  <a:ea typeface="Cambria Math"/>
+                </a:endParaRPr>
+              </a:p>
+              <a:p>
+                <a:pPr lvl="1"/>
+                <a14:m>
+                  <m:oMath xmlns:m="http://schemas.openxmlformats.org/officeDocument/2006/math">
+                    <m:sSub>
+                      <m:sSubPr>
+                        <m:ctrlPr>
+                          <a:rPr lang="en-US" altLang="ko-KR" i="1">
+                            <a:latin typeface="Cambria Math"/>
+                            <a:ea typeface="Cambria Math"/>
+                          </a:rPr>
+                        </m:ctrlPr>
+                      </m:sSubPr>
+                      <m:e>
+                        <m:r>
+                          <a:rPr lang="en-US" altLang="ko-KR" i="1">
+                            <a:latin typeface="Cambria Math"/>
+                            <a:ea typeface="Cambria Math"/>
+                          </a:rPr>
+                          <m:t>𝑎</m:t>
+                        </m:r>
+                      </m:e>
+                      <m:sub>
+                        <m:r>
+                          <a:rPr lang="en-US" altLang="ko-KR" i="1">
+                            <a:latin typeface="Cambria Math"/>
+                            <a:ea typeface="Cambria Math"/>
+                          </a:rPr>
+                          <m:t>𝑡</m:t>
+                        </m:r>
+                      </m:sub>
+                    </m:sSub>
+                  </m:oMath>
+                </a14:m>
+                <a:r>
+                  <a:rPr lang="en-US" altLang="ko-KR" dirty="0">
+                    <a:ea typeface="Cambria Math"/>
+                  </a:rPr>
+                  <a:t> = rand(</a:t>
+                </a:r>
+                <a14:m>
+                  <m:oMath xmlns:m="http://schemas.openxmlformats.org/officeDocument/2006/math">
+                    <m:acc>
+                      <m:accPr>
+                        <m:chr m:val="⃑"/>
+                        <m:ctrlPr>
+                          <a:rPr lang="en-US" altLang="ko-KR" i="1">
+                            <a:latin typeface="Cambria Math"/>
+                            <a:ea typeface="Cambria Math"/>
+                          </a:rPr>
+                        </m:ctrlPr>
+                      </m:accPr>
+                      <m:e>
+                        <m:r>
+                          <a:rPr lang="en-US" altLang="ko-KR" i="1">
+                            <a:latin typeface="Cambria Math"/>
+                            <a:ea typeface="Cambria Math"/>
+                          </a:rPr>
+                          <m:t>𝑎</m:t>
+                        </m:r>
+                      </m:e>
+                    </m:acc>
+                  </m:oMath>
+                </a14:m>
+                <a:r>
+                  <a:rPr lang="en-US" altLang="ko-KR" dirty="0">
+                    <a:ea typeface="Cambria Math"/>
+                  </a:rPr>
+                  <a:t>)</a:t>
+                </a:r>
+                <a:endParaRPr lang="en-US" altLang="ko-KR" dirty="0" smtClean="0">
+                  <a:solidFill>
+                    <a:srgbClr val="000000"/>
+                  </a:solidFill>
+                  <a:cs typeface="Tahoma" panose="020B0604030504040204" pitchFamily="34" charset="0"/>
+                </a:endParaRPr>
+              </a:p>
+              <a:p>
+                <a:pPr lvl="1"/>
+                <a:endParaRPr lang="en-US" altLang="ko-KR" dirty="0" smtClean="0"/>
+              </a:p>
+            </p:txBody>
+          </p:sp>
+        </mc:Choice>
+        <mc:Fallback xmlns="">
+          <p:sp>
+            <p:nvSpPr>
+              <p:cNvPr id="3" name="내용 개체 틀 2"/>
+              <p:cNvSpPr>
+                <a:spLocks noGrp="1" noRot="1" noChangeAspect="1" noMove="1" noResize="1" noEditPoints="1" noAdjustHandles="1" noChangeArrowheads="1" noChangeShapeType="1" noTextEdit="1"/>
+              </p:cNvSpPr>
+              <p:nvPr>
+                <p:ph idx="1"/>
+              </p:nvPr>
+            </p:nvSpPr>
+            <p:spPr>
+              <a:xfrm>
+                <a:off x="467544" y="1052736"/>
+                <a:ext cx="8229600" cy="5184775"/>
+              </a:xfrm>
+              <a:blipFill rotWithShape="1">
+                <a:blip r:embed="rId3"/>
+                <a:stretch>
+                  <a:fillRect l="-593" t="-941"/>
+                </a:stretch>
+              </a:blipFill>
+            </p:spPr>
+            <p:txBody>
+              <a:bodyPr/>
+              <a:lstStyle/>
+              <a:p>
+                <a:r>
+                  <a:rPr lang="ko-KR" altLang="en-US">
+                    <a:noFill/>
+                  </a:rPr>
+                  <a:t> </a:t>
+                </a:r>
+              </a:p>
+            </p:txBody>
+          </p:sp>
+        </mc:Fallback>
+      </mc:AlternateContent>
+      <p:sp>
+        <p:nvSpPr>
+          <p:cNvPr id="4" name="슬라이드 번호 개체 틀 3"/>
+          <p:cNvSpPr>
+            <a:spLocks noGrp="1"/>
+          </p:cNvSpPr>
+          <p:nvPr>
+            <p:ph type="sldNum" sz="quarter" idx="10"/>
+          </p:nvPr>
+        </p:nvSpPr>
+        <p:spPr/>
+        <p:txBody>
+          <a:bodyPr/>
+          <a:lstStyle/>
+          <a:p>
+            <a:pPr>
+              <a:defRPr/>
+            </a:pPr>
+            <a:fld id="{3AC61161-2E5C-46D0-95EC-509A5D61BACE}" type="slidenum">
+              <a:rPr lang="en-US" altLang="ko-KR" smtClean="0"/>
+              <a:pPr>
+                <a:defRPr/>
+              </a:pPr>
+              <a:t>10</a:t>
+            </a:fld>
+            <a:endParaRPr lang="en-US" altLang="ko-KR" dirty="0"/>
+          </a:p>
+        </p:txBody>
+      </p:sp>
+      <p:pic>
+        <p:nvPicPr>
+          <p:cNvPr id="5" name="그림 4"/>
+          <p:cNvPicPr>
+            <a:picLocks noChangeAspect="1"/>
+          </p:cNvPicPr>
+          <p:nvPr/>
+        </p:nvPicPr>
+        <p:blipFill>
+          <a:blip r:embed="rId4"/>
+          <a:stretch>
+            <a:fillRect/>
+          </a:stretch>
+        </p:blipFill>
+        <p:spPr>
+          <a:xfrm>
+            <a:off x="4860032" y="3060587"/>
+            <a:ext cx="3782695" cy="2216712"/>
+          </a:xfrm>
+          <a:prstGeom prst="rect">
+            <a:avLst/>
+          </a:prstGeom>
+        </p:spPr>
+      </p:pic>
+      <p:sp>
+        <p:nvSpPr>
+          <p:cNvPr id="6" name="TextBox 1"/>
+          <p:cNvSpPr txBox="1">
+            <a:spLocks noChangeArrowheads="1"/>
+          </p:cNvSpPr>
+          <p:nvPr/>
+        </p:nvSpPr>
+        <p:spPr bwMode="auto">
+          <a:xfrm>
+            <a:off x="3317485" y="5415027"/>
+            <a:ext cx="2545889" cy="246221"/>
+          </a:xfrm>
+          <a:prstGeom prst="rect">
+            <a:avLst/>
+          </a:prstGeom>
+          <a:noFill/>
+          <a:ln>
+            <a:noFill/>
+          </a:ln>
+          <a:extLst>
+            <a:ext uri="{909E8E84-426E-40DD-AFC4-6F175D3DCCD1}">
+              <a14:hiddenFill xmlns:a14="http://schemas.microsoft.com/office/drawing/2010/main">
+                <a:solidFill>
+                  <a:srgbClr val="FFFFFF"/>
+                </a:solidFill>
+              </a14:hiddenFill>
+            </a:ext>
+            <a:ext uri="{91240B29-F687-4F45-9708-019B960494DF}">
+              <a14:hiddenLine xmlns:a14="http://schemas.microsoft.com/office/drawing/2010/main" w="9525">
+                <a:solidFill>
+                  <a:srgbClr val="000000"/>
+                </a:solidFill>
+                <a:miter lim="800000"/>
+                <a:headEnd/>
+                <a:tailEnd/>
+              </a14:hiddenLine>
+            </a:ext>
+          </a:extLst>
+        </p:spPr>
+        <p:txBody>
+          <a:bodyPr wrap="none">
+            <a:spAutoFit/>
+          </a:bodyPr>
+          <a:lstStyle>
+            <a:lvl1pPr fontAlgn="t">
+              <a:spcBef>
+                <a:spcPct val="20000"/>
+              </a:spcBef>
+              <a:buSzPct val="80000"/>
+              <a:buFont typeface="Wingdings" panose="05000000000000000000" pitchFamily="2" charset="2"/>
+              <a:buChar char="q"/>
+              <a:defRPr kumimoji="1" sz="2000">
+                <a:solidFill>
+                  <a:schemeClr val="tx1"/>
+                </a:solidFill>
+                <a:latin typeface="Arial" panose="020B0604020202020204" pitchFamily="34" charset="0"/>
+                <a:ea typeface="굴림" panose="020B0600000101010101" pitchFamily="50" charset="-127"/>
+              </a:defRPr>
+            </a:lvl1pPr>
+            <a:lvl2pPr marL="742950" indent="-285750" fontAlgn="t">
+              <a:spcBef>
+                <a:spcPct val="20000"/>
+              </a:spcBef>
+              <a:buSzPct val="80000"/>
+              <a:buFont typeface="Wingdings" panose="05000000000000000000" pitchFamily="2" charset="2"/>
+              <a:buChar char="l"/>
+              <a:defRPr kumimoji="1" sz="2800">
+                <a:solidFill>
+                  <a:schemeClr val="tx1"/>
+                </a:solidFill>
+                <a:latin typeface="Arial" panose="020B0604020202020204" pitchFamily="34" charset="0"/>
+                <a:ea typeface="굴림" panose="020B0600000101010101" pitchFamily="50" charset="-127"/>
+              </a:defRPr>
+            </a:lvl2pPr>
+            <a:lvl3pPr marL="1143000" indent="-228600" fontAlgn="t">
+              <a:spcBef>
+                <a:spcPct val="20000"/>
+              </a:spcBef>
+              <a:buFont typeface="굴림" panose="020B0600000101010101" pitchFamily="50" charset="-127"/>
+              <a:buChar char="‒"/>
+              <a:defRPr kumimoji="1" sz="2400">
+                <a:solidFill>
+                  <a:schemeClr val="tx1"/>
+                </a:solidFill>
+                <a:latin typeface="Arial" panose="020B0604020202020204" pitchFamily="34" charset="0"/>
+                <a:ea typeface="굴림" panose="020B0600000101010101" pitchFamily="50" charset="-127"/>
+              </a:defRPr>
+            </a:lvl3pPr>
+            <a:lvl4pPr marL="1600200" indent="-228600" fontAlgn="t">
+              <a:spcBef>
+                <a:spcPct val="20000"/>
+              </a:spcBef>
+              <a:buSzPct val="80000"/>
+              <a:buFont typeface="Wingdings" panose="05000000000000000000" pitchFamily="2" charset="2"/>
+              <a:buChar char="ú"/>
+              <a:defRPr kumimoji="1" sz="1600">
+                <a:solidFill>
+                  <a:schemeClr val="tx1"/>
+                </a:solidFill>
+                <a:latin typeface="Arial" panose="020B0604020202020204" pitchFamily="34" charset="0"/>
+                <a:ea typeface="굴림" panose="020B0600000101010101" pitchFamily="50" charset="-127"/>
+              </a:defRPr>
+            </a:lvl4pPr>
+            <a:lvl5pPr marL="2057400" indent="-228600" fontAlgn="t">
+              <a:spcBef>
+                <a:spcPct val="20000"/>
+              </a:spcBef>
+              <a:buFont typeface="Wingdings" panose="05000000000000000000" pitchFamily="2" charset="2"/>
+              <a:buChar char=" "/>
+              <a:defRPr kumimoji="1" sz="1600">
+                <a:solidFill>
+                  <a:schemeClr val="tx1"/>
+                </a:solidFill>
+                <a:latin typeface="Arial" panose="020B0604020202020204" pitchFamily="34" charset="0"/>
+                <a:ea typeface="굴림" panose="020B0600000101010101" pitchFamily="50" charset="-127"/>
+              </a:defRPr>
+            </a:lvl5pPr>
+            <a:lvl6pPr marL="2514600" indent="-228600" eaLnBrk="0" fontAlgn="t" hangingPunct="0">
+              <a:spcBef>
+                <a:spcPct val="20000"/>
+              </a:spcBef>
+              <a:spcAft>
+                <a:spcPct val="0"/>
+              </a:spcAft>
+              <a:buFont typeface="Wingdings" panose="05000000000000000000" pitchFamily="2" charset="2"/>
+              <a:buChar char=" "/>
+              <a:defRPr kumimoji="1" sz="1600">
+                <a:solidFill>
+                  <a:schemeClr val="tx1"/>
+                </a:solidFill>
+                <a:latin typeface="Arial" panose="020B0604020202020204" pitchFamily="34" charset="0"/>
+                <a:ea typeface="굴림" panose="020B0600000101010101" pitchFamily="50" charset="-127"/>
+              </a:defRPr>
+            </a:lvl6pPr>
+            <a:lvl7pPr marL="2971800" indent="-228600" eaLnBrk="0" fontAlgn="t" hangingPunct="0">
+              <a:spcBef>
+                <a:spcPct val="20000"/>
+              </a:spcBef>
+              <a:spcAft>
+                <a:spcPct val="0"/>
+              </a:spcAft>
+              <a:buFont typeface="Wingdings" panose="05000000000000000000" pitchFamily="2" charset="2"/>
+              <a:buChar char=" "/>
+              <a:defRPr kumimoji="1" sz="1600">
+                <a:solidFill>
+                  <a:schemeClr val="tx1"/>
+                </a:solidFill>
+                <a:latin typeface="Arial" panose="020B0604020202020204" pitchFamily="34" charset="0"/>
+                <a:ea typeface="굴림" panose="020B0600000101010101" pitchFamily="50" charset="-127"/>
+              </a:defRPr>
+            </a:lvl7pPr>
+            <a:lvl8pPr marL="3429000" indent="-228600" eaLnBrk="0" fontAlgn="t" hangingPunct="0">
+              <a:spcBef>
+                <a:spcPct val="20000"/>
+              </a:spcBef>
+              <a:spcAft>
+                <a:spcPct val="0"/>
+              </a:spcAft>
+              <a:buFont typeface="Wingdings" panose="05000000000000000000" pitchFamily="2" charset="2"/>
+              <a:buChar char=" "/>
+              <a:defRPr kumimoji="1" sz="1600">
+                <a:solidFill>
+                  <a:schemeClr val="tx1"/>
+                </a:solidFill>
+                <a:latin typeface="Arial" panose="020B0604020202020204" pitchFamily="34" charset="0"/>
+                <a:ea typeface="굴림" panose="020B0600000101010101" pitchFamily="50" charset="-127"/>
+              </a:defRPr>
+            </a:lvl8pPr>
+            <a:lvl9pPr marL="3886200" indent="-228600" eaLnBrk="0" fontAlgn="t" hangingPunct="0">
+              <a:spcBef>
+                <a:spcPct val="20000"/>
+              </a:spcBef>
+              <a:spcAft>
+                <a:spcPct val="0"/>
+              </a:spcAft>
+              <a:buFont typeface="Wingdings" panose="05000000000000000000" pitchFamily="2" charset="2"/>
+              <a:buChar char=" "/>
+              <a:defRPr kumimoji="1" sz="1600">
+                <a:solidFill>
+                  <a:schemeClr val="tx1"/>
+                </a:solidFill>
+                <a:latin typeface="Arial" panose="020B0604020202020204" pitchFamily="34" charset="0"/>
+                <a:ea typeface="굴림" panose="020B0600000101010101" pitchFamily="50" charset="-127"/>
+              </a:defRPr>
+            </a:lvl9pPr>
+          </a:lstStyle>
+          <a:p>
+            <a:pPr algn="ctr" fontAlgn="base">
+              <a:spcBef>
+                <a:spcPct val="0"/>
+              </a:spcBef>
+              <a:buSzTx/>
+              <a:buFontTx/>
+              <a:buNone/>
+            </a:pPr>
+            <a:r>
+              <a:rPr lang="en-US" altLang="ko-KR" sz="1000" dirty="0"/>
+              <a:t>&lt; </a:t>
+            </a:r>
+            <a:r>
+              <a:rPr lang="en-US" altLang="ko-KR" sz="1000" dirty="0" smtClean="0">
+                <a:hlinkClick r:id="rId5"/>
+              </a:rPr>
+              <a:t>https://hunkim.github.io/ml/RL/rl03.pdf</a:t>
+            </a:r>
+            <a:r>
+              <a:rPr lang="en-US" altLang="ko-KR" sz="1000" dirty="0" smtClean="0"/>
+              <a:t> &gt;</a:t>
+            </a:r>
+            <a:endParaRPr lang="ko-KR" altLang="en-US" sz="1000" dirty="0"/>
+          </a:p>
+        </p:txBody>
+      </p:sp>
+      <p:pic>
+        <p:nvPicPr>
+          <p:cNvPr id="8" name="그림 7"/>
+          <p:cNvPicPr>
+            <a:picLocks noChangeAspect="1"/>
+          </p:cNvPicPr>
+          <p:nvPr/>
+        </p:nvPicPr>
+        <p:blipFill>
+          <a:blip r:embed="rId6"/>
+          <a:stretch>
+            <a:fillRect/>
+          </a:stretch>
+        </p:blipFill>
+        <p:spPr>
+          <a:xfrm>
+            <a:off x="550464" y="3038763"/>
+            <a:ext cx="3805512" cy="2238536"/>
+          </a:xfrm>
+          <a:prstGeom prst="rect">
+            <a:avLst/>
+          </a:prstGeom>
+        </p:spPr>
+      </p:pic>
+    </p:spTree>
+    <p:extLst>
+      <p:ext uri="{BB962C8B-B14F-4D97-AF65-F5344CB8AC3E}">
+        <p14:creationId xmlns:p14="http://schemas.microsoft.com/office/powerpoint/2010/main" val="1428062848"/>
+      </p:ext>
+    </p:extLst>
+  </p:cSld>
+  <p:clrMapOvr>
+    <a:masterClrMapping/>
+  </p:clrMapOvr>
+</p:sld>
+</file>
+
+<file path=ppt/slides/slide11.xml><?xml version="1.0" encoding="utf-8"?>
+<p:sld xmlns:a="http://schemas.openxmlformats.org/drawingml/2006/main" xmlns:r="http://schemas.openxmlformats.org/officeDocument/2006/relationships" xmlns:p="http://schemas.openxmlformats.org/presentationml/2006/main">
+  <p:cSld>
+    <p:spTree>
+      <p:nvGrpSpPr>
+        <p:cNvPr id="1" name=""/>
+        <p:cNvGrpSpPr/>
+        <p:nvPr/>
+      </p:nvGrpSpPr>
+      <p:grpSpPr>
+        <a:xfrm>
+          <a:off x="0" y="0"/>
+          <a:ext cx="0" cy="0"/>
+          <a:chOff x="0" y="0"/>
+          <a:chExt cx="0" cy="0"/>
+        </a:xfrm>
+      </p:grpSpPr>
+      <p:sp>
+        <p:nvSpPr>
           <p:cNvPr id="6146" name="제목 2">
             <a:extLst/>
           </p:cNvPr>
@@ -9046,7 +10287,7 @@
                 <a:buFontTx/>
                 <a:buNone/>
               </a:pPr>
-              <a:t>10</a:t>
+              <a:t>11</a:t>
             </a:fld>
             <a:endParaRPr lang="en-US" altLang="ko-KR" sz="1200" dirty="0" smtClean="0"/>
           </a:p>
@@ -10874,7 +12115,7 @@
 </p:sld>
 </file>
 
-<file path=ppt/slides/slide11.xml><?xml version="1.0" encoding="utf-8"?>
+<file path=ppt/slides/slide12.xml><?xml version="1.0" encoding="utf-8"?>
 <p:sld xmlns:a="http://schemas.openxmlformats.org/drawingml/2006/main" xmlns:r="http://schemas.openxmlformats.org/officeDocument/2006/relationships" xmlns:p="http://schemas.openxmlformats.org/presentationml/2006/main">
   <p:cSld>
     <p:spTree>
@@ -11115,7 +12356,7 @@
                 <a:buFontTx/>
                 <a:buNone/>
               </a:pPr>
-              <a:t>11</a:t>
+              <a:t>12</a:t>
             </a:fld>
             <a:endParaRPr lang="en-US" altLang="ko-KR" sz="1200" dirty="0" smtClean="0"/>
           </a:p>
@@ -11272,7 +12513,7 @@
 </p:sld>
 </file>
 
-<file path=ppt/slides/slide12.xml><?xml version="1.0" encoding="utf-8"?>
+<file path=ppt/slides/slide13.xml><?xml version="1.0" encoding="utf-8"?>
 <p:sld xmlns:a="http://schemas.openxmlformats.org/drawingml/2006/main" xmlns:r="http://schemas.openxmlformats.org/officeDocument/2006/relationships" xmlns:p="http://schemas.openxmlformats.org/presentationml/2006/main">
   <p:cSld>
     <p:spTree>
@@ -11513,7 +12754,7 @@
                 <a:buFontTx/>
                 <a:buNone/>
               </a:pPr>
-              <a:t>12</a:t>
+              <a:t>13</a:t>
             </a:fld>
             <a:endParaRPr lang="en-US" altLang="ko-KR" sz="1200" dirty="0" smtClean="0"/>
           </a:p>
@@ -13592,14 +14833,14 @@
                     <a:gridCol w="1728791">
                       <a:extLst>
                         <a:ext uri="{9D8B030D-6E8A-4147-A177-3AD203B41FA5}">
-                          <a16:colId xmlns:a16="http://schemas.microsoft.com/office/drawing/2014/main" xmlns="" val="20000"/>
+                          <a16:colId xmlns="" xmlns:a16="http://schemas.microsoft.com/office/drawing/2014/main" val="20000"/>
                         </a:ext>
                       </a:extLst>
                     </a:gridCol>
                     <a:gridCol w="2884347">
                       <a:extLst>
                         <a:ext uri="{9D8B030D-6E8A-4147-A177-3AD203B41FA5}">
-                          <a16:colId xmlns:a16="http://schemas.microsoft.com/office/drawing/2014/main" xmlns="" val="20001"/>
+                          <a16:colId xmlns="" xmlns:a16="http://schemas.microsoft.com/office/drawing/2014/main" val="20001"/>
                         </a:ext>
                       </a:extLst>
                     </a:gridCol>
@@ -13645,7 +14886,7 @@
                     </a:tc>
                     <a:extLst>
                       <a:ext uri="{0D108BD9-81ED-4DB2-BD59-A6C34878D82A}">
-                        <a16:rowId xmlns:a16="http://schemas.microsoft.com/office/drawing/2014/main" xmlns="" val="10000"/>
+                        <a16:rowId xmlns="" xmlns:a16="http://schemas.microsoft.com/office/drawing/2014/main" val="10000"/>
                       </a:ext>
                     </a:extLst>
                   </a:tr>
@@ -13746,7 +14987,7 @@
                     </a:tc>
                     <a:extLst>
                       <a:ext uri="{0D108BD9-81ED-4DB2-BD59-A6C34878D82A}">
-                        <a16:rowId xmlns:a16="http://schemas.microsoft.com/office/drawing/2014/main" xmlns="" val="10001"/>
+                        <a16:rowId xmlns="" xmlns:a16="http://schemas.microsoft.com/office/drawing/2014/main" val="10001"/>
                       </a:ext>
                     </a:extLst>
                   </a:tr>
@@ -14549,7 +15790,7 @@
                     </a:tc>
                     <a:extLst>
                       <a:ext uri="{0D108BD9-81ED-4DB2-BD59-A6C34878D82A}">
-                        <a16:rowId xmlns:a16="http://schemas.microsoft.com/office/drawing/2014/main" xmlns="" val="10004"/>
+                        <a16:rowId xmlns="" xmlns:a16="http://schemas.microsoft.com/office/drawing/2014/main" val="10004"/>
                       </a:ext>
                     </a:extLst>
                   </a:tr>
@@ -14880,7 +16121,7 @@
                     </a:tc>
                     <a:extLst>
                       <a:ext uri="{0D108BD9-81ED-4DB2-BD59-A6C34878D82A}">
-                        <a16:rowId xmlns:a16="http://schemas.microsoft.com/office/drawing/2014/main" xmlns="" val="10006"/>
+                        <a16:rowId xmlns="" xmlns:a16="http://schemas.microsoft.com/office/drawing/2014/main" val="10006"/>
                       </a:ext>
                     </a:extLst>
                   </a:tr>
@@ -15016,7 +16257,7 @@
                     </a:tc>
                     <a:extLst>
                       <a:ext uri="{0D108BD9-81ED-4DB2-BD59-A6C34878D82A}">
-                        <a16:rowId xmlns:a16="http://schemas.microsoft.com/office/drawing/2014/main" xmlns="" val="10007"/>
+                        <a16:rowId xmlns="" xmlns:a16="http://schemas.microsoft.com/office/drawing/2014/main" val="10007"/>
                       </a:ext>
                     </a:extLst>
                   </a:tr>
@@ -15860,119 +17101,6 @@
           <a:bodyPr/>
           <a:lstStyle/>
           <a:p>
-            <a:endParaRPr lang="ko-KR" altLang="en-US"/>
-          </a:p>
-        </p:txBody>
-      </p:sp>
-      <p:sp>
-        <p:nvSpPr>
-          <p:cNvPr id="3" name="내용 개체 틀 2"/>
-          <p:cNvSpPr>
-            <a:spLocks noGrp="1"/>
-          </p:cNvSpPr>
-          <p:nvPr>
-            <p:ph idx="1"/>
-          </p:nvPr>
-        </p:nvSpPr>
-        <p:spPr/>
-        <p:txBody>
-          <a:bodyPr/>
-          <a:lstStyle/>
-          <a:p>
-            <a:r>
-              <a:rPr lang="en-US" altLang="ko-KR" dirty="0" smtClean="0"/>
-              <a:t>Problem Formulation</a:t>
-            </a:r>
-            <a:r>
-              <a:rPr lang="ko-KR" altLang="en-US" dirty="0" smtClean="0"/>
-              <a:t>에서 제약조건 </a:t>
-            </a:r>
-            <a:r>
-              <a:rPr lang="en-US" altLang="ko-KR" dirty="0" smtClean="0"/>
-              <a:t>1</a:t>
-            </a:r>
-            <a:r>
-              <a:rPr lang="ko-KR" altLang="en-US" dirty="0" smtClean="0"/>
-              <a:t>에 대한 설명하기</a:t>
-            </a:r>
-            <a:endParaRPr lang="ko-KR" altLang="en-US" dirty="0"/>
-          </a:p>
-        </p:txBody>
-      </p:sp>
-      <p:sp>
-        <p:nvSpPr>
-          <p:cNvPr id="4" name="슬라이드 번호 개체 틀 3"/>
-          <p:cNvSpPr>
-            <a:spLocks noGrp="1"/>
-          </p:cNvSpPr>
-          <p:nvPr>
-            <p:ph type="sldNum" sz="quarter" idx="10"/>
-          </p:nvPr>
-        </p:nvSpPr>
-        <p:spPr/>
-        <p:txBody>
-          <a:bodyPr/>
-          <a:lstStyle/>
-          <a:p>
-            <a:pPr>
-              <a:defRPr/>
-            </a:pPr>
-            <a:fld id="{3AC61161-2E5C-46D0-95EC-509A5D61BACE}" type="slidenum">
-              <a:rPr lang="en-US" altLang="ko-KR" smtClean="0"/>
-              <a:pPr>
-                <a:defRPr/>
-              </a:pPr>
-              <a:t>4</a:t>
-            </a:fld>
-            <a:endParaRPr lang="en-US" altLang="ko-KR" dirty="0"/>
-          </a:p>
-        </p:txBody>
-      </p:sp>
-    </p:spTree>
-    <p:extLst>
-      <p:ext uri="{BB962C8B-B14F-4D97-AF65-F5344CB8AC3E}">
-        <p14:creationId xmlns:p14="http://schemas.microsoft.com/office/powerpoint/2010/main" val="221600315"/>
-      </p:ext>
-    </p:extLst>
-  </p:cSld>
-  <p:clrMapOvr>
-    <a:masterClrMapping/>
-  </p:clrMapOvr>
-</p:sld>
-</file>
-
-<file path=ppt/slides/slide5.xml><?xml version="1.0" encoding="utf-8"?>
-<p:sld xmlns:a="http://schemas.openxmlformats.org/drawingml/2006/main" xmlns:r="http://schemas.openxmlformats.org/officeDocument/2006/relationships" xmlns:p="http://schemas.openxmlformats.org/presentationml/2006/main">
-  <p:cSld>
-    <p:spTree>
-      <p:nvGrpSpPr>
-        <p:cNvPr id="1" name=""/>
-        <p:cNvGrpSpPr/>
-        <p:nvPr/>
-      </p:nvGrpSpPr>
-      <p:grpSpPr>
-        <a:xfrm>
-          <a:off x="0" y="0"/>
-          <a:ext cx="0" cy="0"/>
-          <a:chOff x="0" y="0"/>
-          <a:chExt cx="0" cy="0"/>
-        </a:xfrm>
-      </p:grpSpPr>
-      <p:sp>
-        <p:nvSpPr>
-          <p:cNvPr id="2" name="제목 1"/>
-          <p:cNvSpPr>
-            <a:spLocks noGrp="1"/>
-          </p:cNvSpPr>
-          <p:nvPr>
-            <p:ph type="title"/>
-          </p:nvPr>
-        </p:nvSpPr>
-        <p:spPr/>
-        <p:txBody>
-          <a:bodyPr/>
-          <a:lstStyle/>
-          <a:p>
             <a:r>
               <a:rPr lang="en-US" altLang="ko-KR" dirty="0" smtClean="0"/>
               <a:t>MDP</a:t>
@@ -16165,7 +17293,7 @@
               <a:pPr>
                 <a:defRPr/>
               </a:pPr>
-              <a:t>5</a:t>
+              <a:t>4</a:t>
             </a:fld>
             <a:endParaRPr lang="en-US" altLang="ko-KR" dirty="0"/>
           </a:p>
@@ -16184,7 +17312,7 @@
 </p:sld>
 </file>
 
-<file path=ppt/slides/slide6.xml><?xml version="1.0" encoding="utf-8"?>
+<file path=ppt/slides/slide5.xml><?xml version="1.0" encoding="utf-8"?>
 <p:sld xmlns:a="http://schemas.openxmlformats.org/drawingml/2006/main" xmlns:r="http://schemas.openxmlformats.org/officeDocument/2006/relationships" xmlns:p="http://schemas.openxmlformats.org/presentationml/2006/main">
   <p:cSld>
     <p:spTree>
@@ -16425,7 +17553,7 @@
                 <a:buFontTx/>
                 <a:buNone/>
               </a:pPr>
-              <a:t>6</a:t>
+              <a:t>5</a:t>
             </a:fld>
             <a:endParaRPr lang="en-US" altLang="ko-KR" sz="1200" dirty="0" smtClean="0"/>
           </a:p>
@@ -16537,14 +17665,14 @@
                     <a:gridCol w="2906052">
                       <a:extLst>
                         <a:ext uri="{9D8B030D-6E8A-4147-A177-3AD203B41FA5}">
-                          <a16:colId xmlns="" xmlns:a16="http://schemas.microsoft.com/office/drawing/2014/main" val="20000"/>
+                          <a16:colId xmlns:a16="http://schemas.microsoft.com/office/drawing/2014/main" xmlns="" val="20000"/>
                         </a:ext>
                       </a:extLst>
                     </a:gridCol>
                     <a:gridCol w="4848513">
                       <a:extLst>
                         <a:ext uri="{9D8B030D-6E8A-4147-A177-3AD203B41FA5}">
-                          <a16:colId xmlns="" xmlns:a16="http://schemas.microsoft.com/office/drawing/2014/main" val="20001"/>
+                          <a16:colId xmlns:a16="http://schemas.microsoft.com/office/drawing/2014/main" xmlns="" val="20001"/>
                         </a:ext>
                       </a:extLst>
                     </a:gridCol>
@@ -16590,7 +17718,7 @@
                     </a:tc>
                     <a:extLst>
                       <a:ext uri="{0D108BD9-81ED-4DB2-BD59-A6C34878D82A}">
-                        <a16:rowId xmlns="" xmlns:a16="http://schemas.microsoft.com/office/drawing/2014/main" val="10000"/>
+                        <a16:rowId xmlns:a16="http://schemas.microsoft.com/office/drawing/2014/main" xmlns="" val="10000"/>
                       </a:ext>
                     </a:extLst>
                   </a:tr>
@@ -17043,7 +18171,7 @@
                     </a:tc>
                     <a:extLst>
                       <a:ext uri="{0D108BD9-81ED-4DB2-BD59-A6C34878D82A}">
-                        <a16:rowId xmlns="" xmlns:a16="http://schemas.microsoft.com/office/drawing/2014/main" val="10001"/>
+                        <a16:rowId xmlns:a16="http://schemas.microsoft.com/office/drawing/2014/main" xmlns="" val="10001"/>
                       </a:ext>
                     </a:extLst>
                   </a:tr>
@@ -17237,7 +18365,7 @@
                     </a:tc>
                     <a:extLst>
                       <a:ext uri="{0D108BD9-81ED-4DB2-BD59-A6C34878D82A}">
-                        <a16:rowId xmlns="" xmlns:a16="http://schemas.microsoft.com/office/drawing/2014/main" val="10004"/>
+                        <a16:rowId xmlns:a16="http://schemas.microsoft.com/office/drawing/2014/main" xmlns="" val="10004"/>
                       </a:ext>
                     </a:extLst>
                   </a:tr>
@@ -17572,7 +18700,7 @@
                     </a:tc>
                     <a:extLst>
                       <a:ext uri="{0D108BD9-81ED-4DB2-BD59-A6C34878D82A}">
-                        <a16:rowId xmlns="" xmlns:a16="http://schemas.microsoft.com/office/drawing/2014/main" val="10003"/>
+                        <a16:rowId xmlns:a16="http://schemas.microsoft.com/office/drawing/2014/main" xmlns="" val="10003"/>
                       </a:ext>
                     </a:extLst>
                   </a:tr>
@@ -17636,7 +18764,7 @@
                     </a:tc>
                     <a:extLst>
                       <a:ext uri="{0D108BD9-81ED-4DB2-BD59-A6C34878D82A}">
-                        <a16:rowId xmlns="" xmlns:a16="http://schemas.microsoft.com/office/drawing/2014/main" val="10006"/>
+                        <a16:rowId xmlns:a16="http://schemas.microsoft.com/office/drawing/2014/main" xmlns="" val="10006"/>
                       </a:ext>
                     </a:extLst>
                   </a:tr>
@@ -18001,7 +19129,7 @@
                     </a:tc>
                     <a:extLst>
                       <a:ext uri="{0D108BD9-81ED-4DB2-BD59-A6C34878D82A}">
-                        <a16:rowId xmlns="" xmlns:a16="http://schemas.microsoft.com/office/drawing/2014/main" val="10005"/>
+                        <a16:rowId xmlns:a16="http://schemas.microsoft.com/office/drawing/2014/main" xmlns="" val="10005"/>
                       </a:ext>
                     </a:extLst>
                   </a:tr>
@@ -18084,7 +19212,7 @@
                     </a:tc>
                     <a:extLst>
                       <a:ext uri="{0D108BD9-81ED-4DB2-BD59-A6C34878D82A}">
-                        <a16:rowId xmlns="" xmlns:a16="http://schemas.microsoft.com/office/drawing/2014/main" val="10007"/>
+                        <a16:rowId xmlns:a16="http://schemas.microsoft.com/office/drawing/2014/main" xmlns="" val="10007"/>
                       </a:ext>
                     </a:extLst>
                   </a:tr>
@@ -18530,7 +19658,7 @@
                     </a:tc>
                     <a:extLst>
                       <a:ext uri="{0D108BD9-81ED-4DB2-BD59-A6C34878D82A}">
-                        <a16:rowId xmlns="" xmlns:a16="http://schemas.microsoft.com/office/drawing/2014/main" val="10008"/>
+                        <a16:rowId xmlns:a16="http://schemas.microsoft.com/office/drawing/2014/main" xmlns="" val="10008"/>
                       </a:ext>
                     </a:extLst>
                   </a:tr>
@@ -19035,7 +20163,7 @@
 </p:sld>
 </file>
 
-<file path=ppt/slides/slide7.xml><?xml version="1.0" encoding="utf-8"?>
+<file path=ppt/slides/slide6.xml><?xml version="1.0" encoding="utf-8"?>
 <p:sld xmlns:a="http://schemas.openxmlformats.org/drawingml/2006/main" xmlns:r="http://schemas.openxmlformats.org/officeDocument/2006/relationships" xmlns:p="http://schemas.openxmlformats.org/presentationml/2006/main">
   <p:cSld>
     <p:spTree>
@@ -19276,7 +20404,7 @@
                 <a:buFontTx/>
                 <a:buNone/>
               </a:pPr>
-              <a:t>7</a:t>
+              <a:t>6</a:t>
             </a:fld>
             <a:endParaRPr lang="en-US" altLang="ko-KR" sz="1200" dirty="0" smtClean="0"/>
           </a:p>
@@ -20558,7 +21686,7 @@
               <a:buChar char="l"/>
             </a:pPr>
             <a:r>
-              <a:rPr lang="en-US" altLang="ko-KR" sz="2000" kern="0" smtClean="0">
+              <a:rPr lang="en-US" altLang="ko-KR" sz="2000" kern="0" dirty="0" smtClean="0">
                 <a:solidFill>
                   <a:srgbClr val="000000"/>
                 </a:solidFill>
@@ -20566,7 +21694,18 @@
                 <a:ea typeface="굴림"/>
                 <a:cs typeface="Tahoma" panose="020B0604030504040204" pitchFamily="34" charset="0"/>
               </a:rPr>
-              <a:t>Number of APs</a:t>
+              <a:t>Number of </a:t>
+            </a:r>
+            <a:r>
+              <a:rPr lang="en-US" altLang="ko-KR" sz="2000" kern="0" dirty="0" smtClean="0">
+                <a:solidFill>
+                  <a:srgbClr val="000000"/>
+                </a:solidFill>
+                <a:latin typeface="Arial"/>
+                <a:ea typeface="굴림"/>
+                <a:cs typeface="Tahoma" panose="020B0604030504040204" pitchFamily="34" charset="0"/>
+              </a:rPr>
+              <a:t>UEs</a:t>
             </a:r>
             <a:endParaRPr lang="en-US" altLang="ko-KR" sz="1200" kern="0" dirty="0" smtClean="0">
               <a:latin typeface="Arial"/>
@@ -20627,7 +21766,7 @@
     </p:spTree>
     <p:extLst>
       <p:ext uri="{BB962C8B-B14F-4D97-AF65-F5344CB8AC3E}">
-        <p14:creationId xmlns:p14="http://schemas.microsoft.com/office/powerpoint/2010/main" val="1729642913"/>
+        <p14:creationId xmlns:p14="http://schemas.microsoft.com/office/powerpoint/2010/main" val="1313949150"/>
       </p:ext>
     </p:extLst>
   </p:cSld>
@@ -20644,7 +21783,7 @@
 </p:sld>
 </file>
 
-<file path=ppt/slides/slide8.xml><?xml version="1.0" encoding="utf-8"?>
+<file path=ppt/slides/slide7.xml><?xml version="1.0" encoding="utf-8"?>
 <p:sld xmlns:a="http://schemas.openxmlformats.org/drawingml/2006/main" xmlns:r="http://schemas.openxmlformats.org/officeDocument/2006/relationships" xmlns:p="http://schemas.openxmlformats.org/presentationml/2006/main">
   <p:cSld>
     <p:spTree>
@@ -20892,14 +22031,14 @@
                 <a:buFontTx/>
                 <a:buNone/>
               </a:pPr>
-              <a:t>8</a:t>
+              <a:t>7</a:t>
             </a:fld>
             <a:endParaRPr lang="en-US" altLang="ko-KR" sz="1200" dirty="0" smtClean="0"/>
           </a:p>
         </p:txBody>
       </p:sp>
-      <mc:AlternateContent xmlns:mc="http://schemas.openxmlformats.org/markup-compatibility/2006" xmlns:a14="http://schemas.microsoft.com/office/drawing/2010/main">
-        <mc:Choice Requires="a14">
+      <mc:AlternateContent xmlns:mc="http://schemas.openxmlformats.org/markup-compatibility/2006">
+        <mc:Choice xmlns:a14="http://schemas.microsoft.com/office/drawing/2010/main" Requires="a14">
           <p:sp>
             <p:nvSpPr>
               <p:cNvPr id="49" name="직사각형 48"/>
@@ -21271,19 +22410,16 @@
                     <a:ea typeface="굴림"/>
                     <a:cs typeface="Tahoma" panose="020B0604030504040204" pitchFamily="34" charset="0"/>
                   </a:rPr>
-                  <a:t>Multiple </a:t>
+                  <a:t>Number of UEs</a:t>
                 </a:r>
-                <a:r>
-                  <a:rPr lang="en-US" altLang="ko-KR" kern="0" dirty="0">
-                    <a:solidFill>
-                      <a:srgbClr val="000000"/>
-                    </a:solidFill>
-                    <a:latin typeface="Arial"/>
-                    <a:ea typeface="굴림"/>
-                    <a:cs typeface="Tahoma" panose="020B0604030504040204" pitchFamily="34" charset="0"/>
-                  </a:rPr>
-                  <a:t>APs</a:t>
-                </a:r>
+                <a:endParaRPr lang="en-US" altLang="ko-KR" kern="0" dirty="0">
+                  <a:solidFill>
+                    <a:srgbClr val="000000"/>
+                  </a:solidFill>
+                  <a:latin typeface="Arial"/>
+                  <a:ea typeface="굴림"/>
+                  <a:cs typeface="Tahoma" panose="020B0604030504040204" pitchFamily="34" charset="0"/>
+                </a:endParaRPr>
               </a:p>
               <a:p>
                 <a:pPr marL="342900" lvl="1" indent="-342900" fontAlgn="t">
@@ -21498,7 +22634,7 @@
             </p:txBody>
           </p:sp>
         </mc:Choice>
-        <mc:Fallback xmlns="">
+        <mc:Fallback>
           <p:sp>
             <p:nvSpPr>
               <p:cNvPr id="49" name="직사각형 48"/>
@@ -21699,10 +22835,745 @@
           </a:extLst>
         </p:spPr>
       </p:pic>
+      <p:sp>
+        <p:nvSpPr>
+          <p:cNvPr id="2" name="직사각형 1"/>
+          <p:cNvSpPr/>
+          <p:nvPr/>
+        </p:nvSpPr>
+        <p:spPr>
+          <a:xfrm>
+            <a:off x="2267744" y="4039832"/>
+            <a:ext cx="4572000" cy="246221"/>
+          </a:xfrm>
+          <a:prstGeom prst="rect">
+            <a:avLst/>
+          </a:prstGeom>
+        </p:spPr>
+        <p:txBody>
+          <a:bodyPr>
+            <a:spAutoFit/>
+          </a:bodyPr>
+          <a:lstStyle/>
+          <a:p>
+            <a:pPr algn="ctr"/>
+            <a:r>
+              <a:rPr lang="en-US" altLang="ko-KR" sz="1000" dirty="0" smtClean="0"/>
+              <a:t>&lt; An </a:t>
+            </a:r>
+            <a:r>
+              <a:rPr lang="en-US" altLang="ko-KR" sz="1000" dirty="0"/>
+              <a:t>SDN Platform for Traffic </a:t>
+            </a:r>
+            <a:r>
+              <a:rPr lang="en-US" altLang="ko-KR" sz="1000" dirty="0" smtClean="0"/>
+              <a:t>Offloading &gt;</a:t>
+            </a:r>
+            <a:endParaRPr lang="ko-KR" altLang="en-US" sz="1000" dirty="0"/>
+          </a:p>
+        </p:txBody>
+      </p:sp>
+      <p:sp>
+        <p:nvSpPr>
+          <p:cNvPr id="10" name="직사각형 9"/>
+          <p:cNvSpPr/>
+          <p:nvPr/>
+        </p:nvSpPr>
+        <p:spPr>
+          <a:xfrm>
+            <a:off x="2381424" y="6512526"/>
+            <a:ext cx="4572000" cy="246221"/>
+          </a:xfrm>
+          <a:prstGeom prst="rect">
+            <a:avLst/>
+          </a:prstGeom>
+          <a:solidFill>
+            <a:schemeClr val="bg1"/>
+          </a:solidFill>
+        </p:spPr>
+        <p:txBody>
+          <a:bodyPr>
+            <a:spAutoFit/>
+          </a:bodyPr>
+          <a:lstStyle/>
+          <a:p>
+            <a:pPr algn="ctr"/>
+            <a:r>
+              <a:rPr lang="en-US" altLang="ko-KR" sz="1000" dirty="0" smtClean="0"/>
+              <a:t>&lt; An </a:t>
+            </a:r>
+            <a:r>
+              <a:rPr lang="en-US" altLang="ko-KR" sz="1000" dirty="0"/>
+              <a:t>SDN Platform for Traffic </a:t>
+            </a:r>
+            <a:r>
+              <a:rPr lang="en-US" altLang="ko-KR" sz="1000" dirty="0" smtClean="0"/>
+              <a:t>Offloading &gt;</a:t>
+            </a:r>
+            <a:endParaRPr lang="ko-KR" altLang="en-US" sz="1000" dirty="0"/>
+          </a:p>
+        </p:txBody>
+      </p:sp>
     </p:spTree>
     <p:extLst>
       <p:ext uri="{BB962C8B-B14F-4D97-AF65-F5344CB8AC3E}">
-        <p14:creationId xmlns:p14="http://schemas.microsoft.com/office/powerpoint/2010/main" val="1366003151"/>
+        <p14:creationId xmlns:p14="http://schemas.microsoft.com/office/powerpoint/2010/main" val="1639577506"/>
+      </p:ext>
+    </p:extLst>
+  </p:cSld>
+  <p:clrMapOvr>
+    <a:masterClrMapping/>
+  </p:clrMapOvr>
+  <p:timing>
+    <p:tnLst>
+      <p:par>
+        <p:cTn id="1" dur="indefinite" restart="never" nodeType="tmRoot"/>
+      </p:par>
+    </p:tnLst>
+  </p:timing>
+</p:sld>
+</file>
+
+<file path=ppt/slides/slide8.xml><?xml version="1.0" encoding="utf-8"?>
+<p:sld xmlns:a="http://schemas.openxmlformats.org/drawingml/2006/main" xmlns:r="http://schemas.openxmlformats.org/officeDocument/2006/relationships" xmlns:p="http://schemas.openxmlformats.org/presentationml/2006/main">
+  <p:cSld>
+    <p:spTree>
+      <p:nvGrpSpPr>
+        <p:cNvPr id="1" name=""/>
+        <p:cNvGrpSpPr/>
+        <p:nvPr/>
+      </p:nvGrpSpPr>
+      <p:grpSpPr>
+        <a:xfrm>
+          <a:off x="0" y="0"/>
+          <a:ext cx="0" cy="0"/>
+          <a:chOff x="0" y="0"/>
+          <a:chExt cx="0" cy="0"/>
+        </a:xfrm>
+      </p:grpSpPr>
+      <p:sp>
+        <p:nvSpPr>
+          <p:cNvPr id="6146" name="제목 2">
+            <a:extLst/>
+          </p:cNvPr>
+          <p:cNvSpPr>
+            <a:spLocks noGrp="1"/>
+          </p:cNvSpPr>
+          <p:nvPr>
+            <p:ph type="title"/>
+          </p:nvPr>
+        </p:nvSpPr>
+        <p:spPr/>
+        <p:txBody>
+          <a:bodyPr/>
+          <a:lstStyle/>
+          <a:p>
+            <a:pPr marL="342900" indent="-342900" fontAlgn="t">
+              <a:spcBef>
+                <a:spcPct val="20000"/>
+              </a:spcBef>
+            </a:pPr>
+            <a:r>
+              <a:rPr lang="en-US" altLang="ko-KR" dirty="0"/>
+              <a:t>An SDN Platform for Traffic Offloading</a:t>
+            </a:r>
+            <a:endParaRPr lang="en-US" altLang="ko-KR" sz="2800" dirty="0">
+              <a:solidFill>
+                <a:srgbClr val="000000"/>
+              </a:solidFill>
+              <a:cs typeface="Tahoma" panose="020B0604030504040204" pitchFamily="34" charset="0"/>
+            </a:endParaRPr>
+          </a:p>
+        </p:txBody>
+      </p:sp>
+      <p:sp>
+        <p:nvSpPr>
+          <p:cNvPr id="18437" name="슬라이드 번호 개체 틀 1"/>
+          <p:cNvSpPr>
+            <a:spLocks noGrp="1"/>
+          </p:cNvSpPr>
+          <p:nvPr>
+            <p:ph type="sldNum" sz="quarter" idx="10"/>
+          </p:nvPr>
+        </p:nvSpPr>
+        <p:spPr bwMode="auto">
+          <a:noFill/>
+          <a:extLst>
+            <a:ext uri="{909E8E84-426E-40DD-AFC4-6F175D3DCCD1}">
+              <a14:hiddenFill xmlns:a14="http://schemas.microsoft.com/office/drawing/2010/main">
+                <a:solidFill>
+                  <a:srgbClr val="FFFFFF"/>
+                </a:solidFill>
+              </a14:hiddenFill>
+            </a:ext>
+            <a:ext uri="{91240B29-F687-4F45-9708-019B960494DF}">
+              <a14:hiddenLine xmlns:a14="http://schemas.microsoft.com/office/drawing/2010/main" w="9525">
+                <a:solidFill>
+                  <a:srgbClr val="000000"/>
+                </a:solidFill>
+                <a:miter lim="800000"/>
+                <a:headEnd/>
+                <a:tailEnd/>
+              </a14:hiddenLine>
+            </a:ext>
+          </a:extLst>
+        </p:spPr>
+        <p:txBody>
+          <a:bodyPr/>
+          <a:lstStyle>
+            <a:lvl1pPr fontAlgn="t">
+              <a:spcBef>
+                <a:spcPct val="20000"/>
+              </a:spcBef>
+              <a:buSzPct val="80000"/>
+              <a:buFont typeface="Wingdings" panose="05000000000000000000" pitchFamily="2" charset="2"/>
+              <a:buChar char="q"/>
+              <a:defRPr kumimoji="1" sz="2000">
+                <a:solidFill>
+                  <a:schemeClr val="tx1"/>
+                </a:solidFill>
+                <a:latin typeface="Arial" panose="020B0604020202020204" pitchFamily="34" charset="0"/>
+                <a:ea typeface="굴림" panose="020B0600000101010101" pitchFamily="50" charset="-127"/>
+              </a:defRPr>
+            </a:lvl1pPr>
+            <a:lvl2pPr marL="742950" indent="-285750" fontAlgn="t">
+              <a:spcBef>
+                <a:spcPct val="20000"/>
+              </a:spcBef>
+              <a:buSzPct val="80000"/>
+              <a:buFont typeface="Wingdings" panose="05000000000000000000" pitchFamily="2" charset="2"/>
+              <a:buChar char="l"/>
+              <a:defRPr kumimoji="1" sz="2800">
+                <a:solidFill>
+                  <a:schemeClr val="tx1"/>
+                </a:solidFill>
+                <a:latin typeface="Arial" panose="020B0604020202020204" pitchFamily="34" charset="0"/>
+                <a:ea typeface="굴림" panose="020B0600000101010101" pitchFamily="50" charset="-127"/>
+              </a:defRPr>
+            </a:lvl2pPr>
+            <a:lvl3pPr marL="1143000" indent="-228600" fontAlgn="t">
+              <a:spcBef>
+                <a:spcPct val="20000"/>
+              </a:spcBef>
+              <a:buFont typeface="굴림" panose="020B0600000101010101" pitchFamily="50" charset="-127"/>
+              <a:buChar char="‒"/>
+              <a:defRPr kumimoji="1" sz="2400">
+                <a:solidFill>
+                  <a:schemeClr val="tx1"/>
+                </a:solidFill>
+                <a:latin typeface="Arial" panose="020B0604020202020204" pitchFamily="34" charset="0"/>
+                <a:ea typeface="굴림" panose="020B0600000101010101" pitchFamily="50" charset="-127"/>
+              </a:defRPr>
+            </a:lvl3pPr>
+            <a:lvl4pPr marL="1600200" indent="-228600" fontAlgn="t">
+              <a:spcBef>
+                <a:spcPct val="20000"/>
+              </a:spcBef>
+              <a:buSzPct val="80000"/>
+              <a:buFont typeface="Wingdings" panose="05000000000000000000" pitchFamily="2" charset="2"/>
+              <a:buChar char="ú"/>
+              <a:defRPr kumimoji="1" sz="1600">
+                <a:solidFill>
+                  <a:schemeClr val="tx1"/>
+                </a:solidFill>
+                <a:latin typeface="Arial" panose="020B0604020202020204" pitchFamily="34" charset="0"/>
+                <a:ea typeface="굴림" panose="020B0600000101010101" pitchFamily="50" charset="-127"/>
+              </a:defRPr>
+            </a:lvl4pPr>
+            <a:lvl5pPr marL="2057400" indent="-228600" fontAlgn="t">
+              <a:spcBef>
+                <a:spcPct val="20000"/>
+              </a:spcBef>
+              <a:buFont typeface="Wingdings" panose="05000000000000000000" pitchFamily="2" charset="2"/>
+              <a:buChar char=" "/>
+              <a:defRPr kumimoji="1" sz="1600">
+                <a:solidFill>
+                  <a:schemeClr val="tx1"/>
+                </a:solidFill>
+                <a:latin typeface="Arial" panose="020B0604020202020204" pitchFamily="34" charset="0"/>
+                <a:ea typeface="굴림" panose="020B0600000101010101" pitchFamily="50" charset="-127"/>
+              </a:defRPr>
+            </a:lvl5pPr>
+            <a:lvl6pPr marL="2514600" indent="-228600" eaLnBrk="0" fontAlgn="t" hangingPunct="0">
+              <a:spcBef>
+                <a:spcPct val="20000"/>
+              </a:spcBef>
+              <a:spcAft>
+                <a:spcPct val="0"/>
+              </a:spcAft>
+              <a:buFont typeface="Wingdings" panose="05000000000000000000" pitchFamily="2" charset="2"/>
+              <a:buChar char=" "/>
+              <a:defRPr kumimoji="1" sz="1600">
+                <a:solidFill>
+                  <a:schemeClr val="tx1"/>
+                </a:solidFill>
+                <a:latin typeface="Arial" panose="020B0604020202020204" pitchFamily="34" charset="0"/>
+                <a:ea typeface="굴림" panose="020B0600000101010101" pitchFamily="50" charset="-127"/>
+              </a:defRPr>
+            </a:lvl6pPr>
+            <a:lvl7pPr marL="2971800" indent="-228600" eaLnBrk="0" fontAlgn="t" hangingPunct="0">
+              <a:spcBef>
+                <a:spcPct val="20000"/>
+              </a:spcBef>
+              <a:spcAft>
+                <a:spcPct val="0"/>
+              </a:spcAft>
+              <a:buFont typeface="Wingdings" panose="05000000000000000000" pitchFamily="2" charset="2"/>
+              <a:buChar char=" "/>
+              <a:defRPr kumimoji="1" sz="1600">
+                <a:solidFill>
+                  <a:schemeClr val="tx1"/>
+                </a:solidFill>
+                <a:latin typeface="Arial" panose="020B0604020202020204" pitchFamily="34" charset="0"/>
+                <a:ea typeface="굴림" panose="020B0600000101010101" pitchFamily="50" charset="-127"/>
+              </a:defRPr>
+            </a:lvl7pPr>
+            <a:lvl8pPr marL="3429000" indent="-228600" eaLnBrk="0" fontAlgn="t" hangingPunct="0">
+              <a:spcBef>
+                <a:spcPct val="20000"/>
+              </a:spcBef>
+              <a:spcAft>
+                <a:spcPct val="0"/>
+              </a:spcAft>
+              <a:buFont typeface="Wingdings" panose="05000000000000000000" pitchFamily="2" charset="2"/>
+              <a:buChar char=" "/>
+              <a:defRPr kumimoji="1" sz="1600">
+                <a:solidFill>
+                  <a:schemeClr val="tx1"/>
+                </a:solidFill>
+                <a:latin typeface="Arial" panose="020B0604020202020204" pitchFamily="34" charset="0"/>
+                <a:ea typeface="굴림" panose="020B0600000101010101" pitchFamily="50" charset="-127"/>
+              </a:defRPr>
+            </a:lvl8pPr>
+            <a:lvl9pPr marL="3886200" indent="-228600" eaLnBrk="0" fontAlgn="t" hangingPunct="0">
+              <a:spcBef>
+                <a:spcPct val="20000"/>
+              </a:spcBef>
+              <a:spcAft>
+                <a:spcPct val="0"/>
+              </a:spcAft>
+              <a:buFont typeface="Wingdings" panose="05000000000000000000" pitchFamily="2" charset="2"/>
+              <a:buChar char=" "/>
+              <a:defRPr kumimoji="1" sz="1600">
+                <a:solidFill>
+                  <a:schemeClr val="tx1"/>
+                </a:solidFill>
+                <a:latin typeface="Arial" panose="020B0604020202020204" pitchFamily="34" charset="0"/>
+                <a:ea typeface="굴림" panose="020B0600000101010101" pitchFamily="50" charset="-127"/>
+              </a:defRPr>
+            </a:lvl9pPr>
+          </a:lstStyle>
+          <a:p>
+            <a:pPr fontAlgn="base">
+              <a:spcBef>
+                <a:spcPct val="0"/>
+              </a:spcBef>
+              <a:buSzTx/>
+              <a:buFontTx/>
+              <a:buNone/>
+            </a:pPr>
+            <a:fld id="{D46D02F3-C324-467B-BFC8-2B1C2F6D4D99}" type="slidenum">
+              <a:rPr lang="en-US" altLang="ko-KR" sz="1200" smtClean="0"/>
+              <a:pPr fontAlgn="base">
+                <a:spcBef>
+                  <a:spcPct val="0"/>
+                </a:spcBef>
+                <a:buSzTx/>
+                <a:buFontTx/>
+                <a:buNone/>
+              </a:pPr>
+              <a:t>8</a:t>
+            </a:fld>
+            <a:endParaRPr lang="en-US" altLang="ko-KR" sz="1200" dirty="0" smtClean="0"/>
+          </a:p>
+        </p:txBody>
+      </p:sp>
+      <p:sp>
+        <p:nvSpPr>
+          <p:cNvPr id="49" name="직사각형 48"/>
+          <p:cNvSpPr/>
+          <p:nvPr/>
+        </p:nvSpPr>
+        <p:spPr>
+          <a:xfrm>
+            <a:off x="395535" y="1135063"/>
+            <a:ext cx="8208913" cy="2382191"/>
+          </a:xfrm>
+          <a:prstGeom prst="rect">
+            <a:avLst/>
+          </a:prstGeom>
+        </p:spPr>
+        <p:txBody>
+          <a:bodyPr wrap="square">
+            <a:spAutoFit/>
+          </a:bodyPr>
+          <a:lstStyle/>
+          <a:p>
+            <a:pPr marL="342900" indent="-342900" fontAlgn="t">
+              <a:spcBef>
+                <a:spcPct val="20000"/>
+              </a:spcBef>
+              <a:buClr>
+                <a:srgbClr val="A20000"/>
+              </a:buClr>
+              <a:buSzPct val="100000"/>
+              <a:buFont typeface="Wingdings" panose="05000000000000000000" pitchFamily="2" charset="2"/>
+              <a:buChar char=""/>
+            </a:pPr>
+            <a:r>
+              <a:rPr lang="en-US" altLang="ko-KR" dirty="0" smtClean="0"/>
+              <a:t>Set Total Bandwidth</a:t>
+            </a:r>
+            <a:endParaRPr lang="en-US" altLang="ko-KR" dirty="0" smtClean="0"/>
+          </a:p>
+          <a:p>
+            <a:pPr marL="648000" lvl="1" indent="-285750" fontAlgn="t">
+              <a:spcBef>
+                <a:spcPct val="20000"/>
+              </a:spcBef>
+              <a:buClr>
+                <a:srgbClr val="A20000"/>
+              </a:buClr>
+              <a:buSzPct val="100000"/>
+              <a:buFont typeface="Wingdings" pitchFamily="2" charset="2"/>
+              <a:buChar char="l"/>
+            </a:pPr>
+            <a:r>
+              <a:rPr lang="en-US" altLang="ko-KR" sz="2000" b="0" kern="0" dirty="0" smtClean="0">
+                <a:solidFill>
+                  <a:srgbClr val="000000"/>
+                </a:solidFill>
+                <a:ea typeface="굴림"/>
+                <a:cs typeface="Tahoma" panose="020B0604030504040204" pitchFamily="34" charset="0"/>
+              </a:rPr>
+              <a:t>Using “</a:t>
+            </a:r>
+            <a:r>
+              <a:rPr lang="en-US" altLang="ko-KR" sz="2000" b="0" kern="0" dirty="0" err="1" smtClean="0">
+                <a:solidFill>
+                  <a:srgbClr val="000000"/>
+                </a:solidFill>
+                <a:ea typeface="굴림"/>
+                <a:cs typeface="Tahoma" panose="020B0604030504040204" pitchFamily="34" charset="0"/>
+              </a:rPr>
+              <a:t>tc</a:t>
+            </a:r>
+            <a:r>
+              <a:rPr lang="en-US" altLang="ko-KR" sz="2000" b="0" kern="0" dirty="0" smtClean="0">
+                <a:solidFill>
+                  <a:srgbClr val="000000"/>
+                </a:solidFill>
+                <a:ea typeface="굴림"/>
+                <a:cs typeface="Tahoma" panose="020B0604030504040204" pitchFamily="34" charset="0"/>
+              </a:rPr>
+              <a:t>” command</a:t>
+            </a:r>
+            <a:endParaRPr lang="en-US" altLang="ko-KR" sz="2000" kern="0" dirty="0" smtClean="0">
+              <a:solidFill>
+                <a:srgbClr val="000000"/>
+              </a:solidFill>
+              <a:latin typeface="Arial"/>
+              <a:ea typeface="굴림"/>
+              <a:cs typeface="Tahoma" panose="020B0604030504040204" pitchFamily="34" charset="0"/>
+            </a:endParaRPr>
+          </a:p>
+          <a:p>
+            <a:pPr marL="800100" lvl="2" indent="-342900" fontAlgn="t">
+              <a:spcBef>
+                <a:spcPct val="20000"/>
+              </a:spcBef>
+              <a:buClr>
+                <a:srgbClr val="A20000"/>
+              </a:buClr>
+              <a:buSzPct val="100000"/>
+              <a:buFont typeface="Wingdings" panose="05000000000000000000" pitchFamily="2" charset="2"/>
+              <a:buChar char=""/>
+            </a:pPr>
+            <a:endParaRPr lang="en-US" altLang="ko-KR" kern="0" dirty="0" smtClean="0">
+              <a:solidFill>
+                <a:srgbClr val="000000"/>
+              </a:solidFill>
+              <a:latin typeface="Arial"/>
+              <a:ea typeface="굴림"/>
+              <a:cs typeface="Tahoma" panose="020B0604030504040204" pitchFamily="34" charset="0"/>
+            </a:endParaRPr>
+          </a:p>
+          <a:p>
+            <a:pPr marL="342900" lvl="1" indent="-342900" fontAlgn="t">
+              <a:spcBef>
+                <a:spcPct val="20000"/>
+              </a:spcBef>
+              <a:buClr>
+                <a:srgbClr val="A20000"/>
+              </a:buClr>
+              <a:buSzPct val="100000"/>
+              <a:buFont typeface="Wingdings" panose="05000000000000000000" pitchFamily="2" charset="2"/>
+              <a:buChar char=""/>
+            </a:pPr>
+            <a:endParaRPr lang="en-US" altLang="ko-KR" sz="2000" kern="0" dirty="0" smtClean="0">
+              <a:solidFill>
+                <a:srgbClr val="000000"/>
+              </a:solidFill>
+              <a:latin typeface="Arial"/>
+              <a:ea typeface="굴림"/>
+              <a:cs typeface="Tahoma" panose="020B0604030504040204" pitchFamily="34" charset="0"/>
+            </a:endParaRPr>
+          </a:p>
+          <a:p>
+            <a:pPr marL="342900" lvl="1" indent="-342900" fontAlgn="t">
+              <a:spcBef>
+                <a:spcPct val="20000"/>
+              </a:spcBef>
+              <a:buClr>
+                <a:srgbClr val="A20000"/>
+              </a:buClr>
+              <a:buSzPct val="100000"/>
+              <a:buFont typeface="Wingdings" panose="05000000000000000000" pitchFamily="2" charset="2"/>
+              <a:buChar char=""/>
+            </a:pPr>
+            <a:endParaRPr lang="en-US" altLang="ko-KR" sz="2000" kern="0" dirty="0">
+              <a:solidFill>
+                <a:srgbClr val="000000"/>
+              </a:solidFill>
+              <a:latin typeface="Arial"/>
+              <a:ea typeface="굴림"/>
+              <a:cs typeface="Tahoma" panose="020B0604030504040204" pitchFamily="34" charset="0"/>
+            </a:endParaRPr>
+          </a:p>
+          <a:p>
+            <a:pPr marL="0" lvl="1" fontAlgn="t">
+              <a:spcBef>
+                <a:spcPct val="20000"/>
+              </a:spcBef>
+              <a:buClr>
+                <a:srgbClr val="A20000"/>
+              </a:buClr>
+              <a:buSzPct val="100000"/>
+            </a:pPr>
+            <a:endParaRPr lang="en-US" altLang="ko-KR" sz="2000" kern="0" dirty="0" smtClean="0">
+              <a:solidFill>
+                <a:srgbClr val="000000"/>
+              </a:solidFill>
+              <a:latin typeface="Arial"/>
+              <a:ea typeface="굴림"/>
+              <a:cs typeface="Tahoma" panose="020B0604030504040204" pitchFamily="34" charset="0"/>
+            </a:endParaRPr>
+          </a:p>
+        </p:txBody>
+      </p:sp>
+      <p:pic>
+        <p:nvPicPr>
+          <p:cNvPr id="1026" name="Picture 2"/>
+          <p:cNvPicPr>
+            <a:picLocks noChangeAspect="1" noChangeArrowheads="1"/>
+          </p:cNvPicPr>
+          <p:nvPr/>
+        </p:nvPicPr>
+        <p:blipFill>
+          <a:blip r:embed="rId3">
+            <a:extLst>
+              <a:ext uri="{28A0092B-C50C-407E-A947-70E740481C1C}">
+                <a14:useLocalDpi xmlns:a14="http://schemas.microsoft.com/office/drawing/2010/main" val="0"/>
+              </a:ext>
+            </a:extLst>
+          </a:blip>
+          <a:srcRect/>
+          <a:stretch>
+            <a:fillRect/>
+          </a:stretch>
+        </p:blipFill>
+        <p:spPr bwMode="auto">
+          <a:xfrm>
+            <a:off x="1115616" y="1974979"/>
+            <a:ext cx="6800850" cy="971550"/>
+          </a:xfrm>
+          <a:prstGeom prst="rect">
+            <a:avLst/>
+          </a:prstGeom>
+          <a:noFill/>
+          <a:ln>
+            <a:noFill/>
+          </a:ln>
+          <a:extLst>
+            <a:ext uri="{909E8E84-426E-40DD-AFC4-6F175D3DCCD1}">
+              <a14:hiddenFill xmlns:a14="http://schemas.microsoft.com/office/drawing/2010/main">
+                <a:solidFill>
+                  <a:schemeClr val="accent1"/>
+                </a:solidFill>
+              </a14:hiddenFill>
+            </a:ext>
+            <a:ext uri="{91240B29-F687-4F45-9708-019B960494DF}">
+              <a14:hiddenLine xmlns:a14="http://schemas.microsoft.com/office/drawing/2010/main" w="9525">
+                <a:solidFill>
+                  <a:schemeClr val="tx1"/>
+                </a:solidFill>
+                <a:miter lim="800000"/>
+                <a:headEnd/>
+                <a:tailEnd/>
+              </a14:hiddenLine>
+            </a:ext>
+          </a:extLst>
+        </p:spPr>
+      </p:pic>
+      <p:sp>
+        <p:nvSpPr>
+          <p:cNvPr id="10" name="직사각형 9"/>
+          <p:cNvSpPr/>
+          <p:nvPr/>
+        </p:nvSpPr>
+        <p:spPr>
+          <a:xfrm>
+            <a:off x="2267744" y="2996952"/>
+            <a:ext cx="4572000" cy="246221"/>
+          </a:xfrm>
+          <a:prstGeom prst="rect">
+            <a:avLst/>
+          </a:prstGeom>
+        </p:spPr>
+        <p:txBody>
+          <a:bodyPr>
+            <a:spAutoFit/>
+          </a:bodyPr>
+          <a:lstStyle/>
+          <a:p>
+            <a:pPr algn="ctr"/>
+            <a:r>
+              <a:rPr lang="en-US" altLang="ko-KR" sz="1000" dirty="0"/>
+              <a:t>&lt; http://skylit.tistory.com/217 &gt;</a:t>
+            </a:r>
+            <a:endParaRPr lang="ko-KR" altLang="en-US" sz="1000" dirty="0"/>
+          </a:p>
+        </p:txBody>
+      </p:sp>
+      <p:sp>
+        <p:nvSpPr>
+          <p:cNvPr id="13" name="직사각형 12"/>
+          <p:cNvSpPr/>
+          <p:nvPr/>
+        </p:nvSpPr>
+        <p:spPr>
+          <a:xfrm>
+            <a:off x="2267744" y="4622939"/>
+            <a:ext cx="4572000" cy="246221"/>
+          </a:xfrm>
+          <a:prstGeom prst="rect">
+            <a:avLst/>
+          </a:prstGeom>
+        </p:spPr>
+        <p:txBody>
+          <a:bodyPr>
+            <a:spAutoFit/>
+          </a:bodyPr>
+          <a:lstStyle/>
+          <a:p>
+            <a:pPr algn="ctr"/>
+            <a:r>
+              <a:rPr lang="en-US" altLang="ko-KR" sz="1000" dirty="0" smtClean="0"/>
+              <a:t>&lt; An </a:t>
+            </a:r>
+            <a:r>
+              <a:rPr lang="en-US" altLang="ko-KR" sz="1000" dirty="0"/>
+              <a:t>SDN Platform for Traffic </a:t>
+            </a:r>
+            <a:r>
+              <a:rPr lang="en-US" altLang="ko-KR" sz="1000" dirty="0" smtClean="0"/>
+              <a:t>Offloading &gt;</a:t>
+            </a:r>
+            <a:endParaRPr lang="ko-KR" altLang="en-US" sz="1000" dirty="0"/>
+          </a:p>
+        </p:txBody>
+      </p:sp>
+      <p:pic>
+        <p:nvPicPr>
+          <p:cNvPr id="1029" name="Picture 5" descr="bandwitdh_hostmeca_07"/>
+          <p:cNvPicPr>
+            <a:picLocks noChangeAspect="1" noChangeArrowheads="1"/>
+          </p:cNvPicPr>
+          <p:nvPr/>
+        </p:nvPicPr>
+        <p:blipFill>
+          <a:blip r:embed="rId4">
+            <a:extLst>
+              <a:ext uri="{28A0092B-C50C-407E-A947-70E740481C1C}">
+                <a14:useLocalDpi xmlns:a14="http://schemas.microsoft.com/office/drawing/2010/main" val="0"/>
+              </a:ext>
+            </a:extLst>
+          </a:blip>
+          <a:srcRect/>
+          <a:stretch>
+            <a:fillRect/>
+          </a:stretch>
+        </p:blipFill>
+        <p:spPr bwMode="auto">
+          <a:xfrm>
+            <a:off x="2339752" y="3356992"/>
+            <a:ext cx="4392488" cy="2397208"/>
+          </a:xfrm>
+          <a:prstGeom prst="rect">
+            <a:avLst/>
+          </a:prstGeom>
+          <a:noFill/>
+          <a:extLst>
+            <a:ext uri="{909E8E84-426E-40DD-AFC4-6F175D3DCCD1}">
+              <a14:hiddenFill xmlns:a14="http://schemas.microsoft.com/office/drawing/2010/main">
+                <a:solidFill>
+                  <a:srgbClr val="FFFFFF"/>
+                </a:solidFill>
+              </a14:hiddenFill>
+            </a:ext>
+          </a:extLst>
+        </p:spPr>
+      </p:pic>
+      <p:sp>
+        <p:nvSpPr>
+          <p:cNvPr id="9" name="직사각형 8"/>
+          <p:cNvSpPr/>
+          <p:nvPr/>
+        </p:nvSpPr>
+        <p:spPr>
+          <a:xfrm>
+            <a:off x="0" y="5847075"/>
+            <a:ext cx="9144000" cy="230832"/>
+          </a:xfrm>
+          <a:prstGeom prst="rect">
+            <a:avLst/>
+          </a:prstGeom>
+        </p:spPr>
+        <p:txBody>
+          <a:bodyPr wrap="square">
+            <a:spAutoFit/>
+          </a:bodyPr>
+          <a:lstStyle/>
+          <a:p>
+            <a:pPr algn="ctr"/>
+            <a:r>
+              <a:rPr lang="en-US" altLang="ko-KR" sz="900" dirty="0"/>
+              <a:t>&lt; </a:t>
+            </a:r>
+            <a:r>
+              <a:rPr lang="en-US" altLang="ko-KR" sz="900" dirty="0">
+                <a:hlinkClick r:id="rId5"/>
+              </a:rPr>
+              <a:t>http://blog.naver.com/PostView.nhn?blogId=dme1004&amp;logNo=220942689584&amp;beginTime=0&amp;jumpingVid=&amp;</a:t>
+            </a:r>
+            <a:r>
+              <a:rPr lang="en-US" altLang="ko-KR" sz="900" dirty="0" smtClean="0">
+                <a:hlinkClick r:id="rId5"/>
+              </a:rPr>
+              <a:t>from=section&amp;redirect=Log&amp;widgetTypeCall=true</a:t>
+            </a:r>
+            <a:r>
+              <a:rPr lang="en-US" altLang="ko-KR" sz="900" dirty="0" smtClean="0"/>
+              <a:t> &gt;</a:t>
+            </a:r>
+            <a:endParaRPr lang="ko-KR" altLang="en-US" sz="900" dirty="0"/>
+          </a:p>
+        </p:txBody>
+      </p:sp>
+    </p:spTree>
+    <p:extLst>
+      <p:ext uri="{BB962C8B-B14F-4D97-AF65-F5344CB8AC3E}">
+        <p14:creationId xmlns:p14="http://schemas.microsoft.com/office/powerpoint/2010/main" val="3815353914"/>
       </p:ext>
     </p:extLst>
   </p:cSld>
@@ -21738,7 +23609,9 @@
       </p:grpSpPr>
       <p:sp>
         <p:nvSpPr>
-          <p:cNvPr id="2" name="제목 1"/>
+          <p:cNvPr id="6146" name="제목 2">
+            <a:extLst/>
+          </p:cNvPr>
           <p:cNvSpPr>
             <a:spLocks noGrp="1"/>
           </p:cNvSpPr>
@@ -21751,322 +23624,1150 @@
           <a:bodyPr/>
           <a:lstStyle/>
           <a:p>
+            <a:pPr marL="342900" indent="-342900" fontAlgn="t">
+              <a:spcBef>
+                <a:spcPct val="20000"/>
+              </a:spcBef>
+            </a:pPr>
             <a:r>
-              <a:rPr lang="en-US" altLang="ko-KR" dirty="0" smtClean="0"/>
-              <a:t>Q-Learning</a:t>
+              <a:rPr lang="en-US" altLang="ko-KR" dirty="0"/>
+              <a:t>An SDN Platform for Traffic Offloading</a:t>
             </a:r>
-            <a:endParaRPr lang="ko-KR" altLang="en-US" dirty="0"/>
+            <a:endParaRPr lang="en-US" altLang="ko-KR" sz="2800" dirty="0">
+              <a:solidFill>
+                <a:srgbClr val="000000"/>
+              </a:solidFill>
+              <a:cs typeface="Tahoma" panose="020B0604030504040204" pitchFamily="34" charset="0"/>
+            </a:endParaRPr>
           </a:p>
         </p:txBody>
       </p:sp>
-      <mc:AlternateContent xmlns:mc="http://schemas.openxmlformats.org/markup-compatibility/2006" xmlns:a14="http://schemas.microsoft.com/office/drawing/2010/main">
-        <mc:Choice Requires="a14">
+      <p:sp>
+        <p:nvSpPr>
+          <p:cNvPr id="18437" name="슬라이드 번호 개체 틀 1"/>
+          <p:cNvSpPr>
+            <a:spLocks noGrp="1"/>
+          </p:cNvSpPr>
+          <p:nvPr>
+            <p:ph type="sldNum" sz="quarter" idx="10"/>
+          </p:nvPr>
+        </p:nvSpPr>
+        <p:spPr bwMode="auto">
+          <a:noFill/>
+          <a:extLst>
+            <a:ext uri="{909E8E84-426E-40DD-AFC4-6F175D3DCCD1}">
+              <a14:hiddenFill xmlns:a14="http://schemas.microsoft.com/office/drawing/2010/main">
+                <a:solidFill>
+                  <a:srgbClr val="FFFFFF"/>
+                </a:solidFill>
+              </a14:hiddenFill>
+            </a:ext>
+            <a:ext uri="{91240B29-F687-4F45-9708-019B960494DF}">
+              <a14:hiddenLine xmlns:a14="http://schemas.microsoft.com/office/drawing/2010/main" w="9525">
+                <a:solidFill>
+                  <a:srgbClr val="000000"/>
+                </a:solidFill>
+                <a:miter lim="800000"/>
+                <a:headEnd/>
+                <a:tailEnd/>
+              </a14:hiddenLine>
+            </a:ext>
+          </a:extLst>
+        </p:spPr>
+        <p:txBody>
+          <a:bodyPr/>
+          <a:lstStyle>
+            <a:lvl1pPr fontAlgn="t">
+              <a:spcBef>
+                <a:spcPct val="20000"/>
+              </a:spcBef>
+              <a:buSzPct val="80000"/>
+              <a:buFont typeface="Wingdings" panose="05000000000000000000" pitchFamily="2" charset="2"/>
+              <a:buChar char="q"/>
+              <a:defRPr kumimoji="1" sz="2000">
+                <a:solidFill>
+                  <a:schemeClr val="tx1"/>
+                </a:solidFill>
+                <a:latin typeface="Arial" panose="020B0604020202020204" pitchFamily="34" charset="0"/>
+                <a:ea typeface="굴림" panose="020B0600000101010101" pitchFamily="50" charset="-127"/>
+              </a:defRPr>
+            </a:lvl1pPr>
+            <a:lvl2pPr marL="742950" indent="-285750" fontAlgn="t">
+              <a:spcBef>
+                <a:spcPct val="20000"/>
+              </a:spcBef>
+              <a:buSzPct val="80000"/>
+              <a:buFont typeface="Wingdings" panose="05000000000000000000" pitchFamily="2" charset="2"/>
+              <a:buChar char="l"/>
+              <a:defRPr kumimoji="1" sz="2800">
+                <a:solidFill>
+                  <a:schemeClr val="tx1"/>
+                </a:solidFill>
+                <a:latin typeface="Arial" panose="020B0604020202020204" pitchFamily="34" charset="0"/>
+                <a:ea typeface="굴림" panose="020B0600000101010101" pitchFamily="50" charset="-127"/>
+              </a:defRPr>
+            </a:lvl2pPr>
+            <a:lvl3pPr marL="1143000" indent="-228600" fontAlgn="t">
+              <a:spcBef>
+                <a:spcPct val="20000"/>
+              </a:spcBef>
+              <a:buFont typeface="굴림" panose="020B0600000101010101" pitchFamily="50" charset="-127"/>
+              <a:buChar char="‒"/>
+              <a:defRPr kumimoji="1" sz="2400">
+                <a:solidFill>
+                  <a:schemeClr val="tx1"/>
+                </a:solidFill>
+                <a:latin typeface="Arial" panose="020B0604020202020204" pitchFamily="34" charset="0"/>
+                <a:ea typeface="굴림" panose="020B0600000101010101" pitchFamily="50" charset="-127"/>
+              </a:defRPr>
+            </a:lvl3pPr>
+            <a:lvl4pPr marL="1600200" indent="-228600" fontAlgn="t">
+              <a:spcBef>
+                <a:spcPct val="20000"/>
+              </a:spcBef>
+              <a:buSzPct val="80000"/>
+              <a:buFont typeface="Wingdings" panose="05000000000000000000" pitchFamily="2" charset="2"/>
+              <a:buChar char="ú"/>
+              <a:defRPr kumimoji="1" sz="1600">
+                <a:solidFill>
+                  <a:schemeClr val="tx1"/>
+                </a:solidFill>
+                <a:latin typeface="Arial" panose="020B0604020202020204" pitchFamily="34" charset="0"/>
+                <a:ea typeface="굴림" panose="020B0600000101010101" pitchFamily="50" charset="-127"/>
+              </a:defRPr>
+            </a:lvl4pPr>
+            <a:lvl5pPr marL="2057400" indent="-228600" fontAlgn="t">
+              <a:spcBef>
+                <a:spcPct val="20000"/>
+              </a:spcBef>
+              <a:buFont typeface="Wingdings" panose="05000000000000000000" pitchFamily="2" charset="2"/>
+              <a:buChar char=" "/>
+              <a:defRPr kumimoji="1" sz="1600">
+                <a:solidFill>
+                  <a:schemeClr val="tx1"/>
+                </a:solidFill>
+                <a:latin typeface="Arial" panose="020B0604020202020204" pitchFamily="34" charset="0"/>
+                <a:ea typeface="굴림" panose="020B0600000101010101" pitchFamily="50" charset="-127"/>
+              </a:defRPr>
+            </a:lvl5pPr>
+            <a:lvl6pPr marL="2514600" indent="-228600" eaLnBrk="0" fontAlgn="t" hangingPunct="0">
+              <a:spcBef>
+                <a:spcPct val="20000"/>
+              </a:spcBef>
+              <a:spcAft>
+                <a:spcPct val="0"/>
+              </a:spcAft>
+              <a:buFont typeface="Wingdings" panose="05000000000000000000" pitchFamily="2" charset="2"/>
+              <a:buChar char=" "/>
+              <a:defRPr kumimoji="1" sz="1600">
+                <a:solidFill>
+                  <a:schemeClr val="tx1"/>
+                </a:solidFill>
+                <a:latin typeface="Arial" panose="020B0604020202020204" pitchFamily="34" charset="0"/>
+                <a:ea typeface="굴림" panose="020B0600000101010101" pitchFamily="50" charset="-127"/>
+              </a:defRPr>
+            </a:lvl6pPr>
+            <a:lvl7pPr marL="2971800" indent="-228600" eaLnBrk="0" fontAlgn="t" hangingPunct="0">
+              <a:spcBef>
+                <a:spcPct val="20000"/>
+              </a:spcBef>
+              <a:spcAft>
+                <a:spcPct val="0"/>
+              </a:spcAft>
+              <a:buFont typeface="Wingdings" panose="05000000000000000000" pitchFamily="2" charset="2"/>
+              <a:buChar char=" "/>
+              <a:defRPr kumimoji="1" sz="1600">
+                <a:solidFill>
+                  <a:schemeClr val="tx1"/>
+                </a:solidFill>
+                <a:latin typeface="Arial" panose="020B0604020202020204" pitchFamily="34" charset="0"/>
+                <a:ea typeface="굴림" panose="020B0600000101010101" pitchFamily="50" charset="-127"/>
+              </a:defRPr>
+            </a:lvl7pPr>
+            <a:lvl8pPr marL="3429000" indent="-228600" eaLnBrk="0" fontAlgn="t" hangingPunct="0">
+              <a:spcBef>
+                <a:spcPct val="20000"/>
+              </a:spcBef>
+              <a:spcAft>
+                <a:spcPct val="0"/>
+              </a:spcAft>
+              <a:buFont typeface="Wingdings" panose="05000000000000000000" pitchFamily="2" charset="2"/>
+              <a:buChar char=" "/>
+              <a:defRPr kumimoji="1" sz="1600">
+                <a:solidFill>
+                  <a:schemeClr val="tx1"/>
+                </a:solidFill>
+                <a:latin typeface="Arial" panose="020B0604020202020204" pitchFamily="34" charset="0"/>
+                <a:ea typeface="굴림" panose="020B0600000101010101" pitchFamily="50" charset="-127"/>
+              </a:defRPr>
+            </a:lvl8pPr>
+            <a:lvl9pPr marL="3886200" indent="-228600" eaLnBrk="0" fontAlgn="t" hangingPunct="0">
+              <a:spcBef>
+                <a:spcPct val="20000"/>
+              </a:spcBef>
+              <a:spcAft>
+                <a:spcPct val="0"/>
+              </a:spcAft>
+              <a:buFont typeface="Wingdings" panose="05000000000000000000" pitchFamily="2" charset="2"/>
+              <a:buChar char=" "/>
+              <a:defRPr kumimoji="1" sz="1600">
+                <a:solidFill>
+                  <a:schemeClr val="tx1"/>
+                </a:solidFill>
+                <a:latin typeface="Arial" panose="020B0604020202020204" pitchFamily="34" charset="0"/>
+                <a:ea typeface="굴림" panose="020B0600000101010101" pitchFamily="50" charset="-127"/>
+              </a:defRPr>
+            </a:lvl9pPr>
+          </a:lstStyle>
+          <a:p>
+            <a:pPr fontAlgn="base">
+              <a:spcBef>
+                <a:spcPct val="0"/>
+              </a:spcBef>
+              <a:buSzTx/>
+              <a:buFontTx/>
+              <a:buNone/>
+            </a:pPr>
+            <a:fld id="{D46D02F3-C324-467B-BFC8-2B1C2F6D4D99}" type="slidenum">
+              <a:rPr lang="en-US" altLang="ko-KR" sz="1200" smtClean="0"/>
+              <a:pPr fontAlgn="base">
+                <a:spcBef>
+                  <a:spcPct val="0"/>
+                </a:spcBef>
+                <a:buSzTx/>
+                <a:buFontTx/>
+                <a:buNone/>
+              </a:pPr>
+              <a:t>9</a:t>
+            </a:fld>
+            <a:endParaRPr lang="en-US" altLang="ko-KR" sz="1200" dirty="0" smtClean="0"/>
+          </a:p>
+        </p:txBody>
+      </p:sp>
+      <mc:AlternateContent xmlns:mc="http://schemas.openxmlformats.org/markup-compatibility/2006">
+        <mc:Choice xmlns:a14="http://schemas.microsoft.com/office/drawing/2010/main" Requires="a14">
           <p:sp>
             <p:nvSpPr>
-              <p:cNvPr id="3" name="내용 개체 틀 2"/>
-              <p:cNvSpPr>
-                <a:spLocks noGrp="1"/>
-              </p:cNvSpPr>
-              <p:nvPr>
-                <p:ph idx="1"/>
-              </p:nvPr>
+              <p:cNvPr id="49" name="직사각형 48"/>
+              <p:cNvSpPr/>
+              <p:nvPr/>
             </p:nvSpPr>
             <p:spPr>
               <a:xfrm>
-                <a:off x="467544" y="1052736"/>
-                <a:ext cx="8229600" cy="5184775"/>
+                <a:off x="395535" y="1135063"/>
+                <a:ext cx="8208913" cy="4368760"/>
               </a:xfrm>
+              <a:prstGeom prst="rect">
+                <a:avLst/>
+              </a:prstGeom>
             </p:spPr>
             <p:txBody>
-              <a:bodyPr/>
+              <a:bodyPr wrap="square">
+                <a:spAutoFit/>
+              </a:bodyPr>
               <a:lstStyle/>
               <a:p>
+                <a:pPr marL="342900" indent="-342900" fontAlgn="t">
+                  <a:spcBef>
+                    <a:spcPct val="20000"/>
+                  </a:spcBef>
+                  <a:buClr>
+                    <a:srgbClr val="A20000"/>
+                  </a:buClr>
+                  <a:buSzPct val="100000"/>
+                  <a:buFont typeface="Wingdings" panose="05000000000000000000" pitchFamily="2" charset="2"/>
+                  <a:buChar char=""/>
+                </a:pPr>
                 <a:r>
-                  <a:rPr lang="en-US" altLang="ko-KR" dirty="0" smtClean="0"/>
-                  <a:t>Exploitation vs Exploration</a:t>
+                  <a:rPr lang="en-US" altLang="ko-KR" kern="0" dirty="0" smtClean="0">
+                    <a:solidFill>
+                      <a:srgbClr val="000000"/>
+                    </a:solidFill>
+                    <a:latin typeface="Arial"/>
+                    <a:ea typeface="굴림"/>
+                    <a:cs typeface="Tahoma" panose="020B0604030504040204" pitchFamily="34" charset="0"/>
+                  </a:rPr>
+                  <a:t>Mathematical Model</a:t>
                 </a:r>
+                <a:endParaRPr lang="en-US" altLang="ko-KR" dirty="0"/>
               </a:p>
               <a:p>
-                <a:pPr lvl="1"/>
+                <a:pPr marL="648000" lvl="1" indent="-285750" fontAlgn="t">
+                  <a:spcBef>
+                    <a:spcPct val="20000"/>
+                  </a:spcBef>
+                  <a:buClr>
+                    <a:srgbClr val="A20000"/>
+                  </a:buClr>
+                  <a:buSzPct val="100000"/>
+                  <a:buFont typeface="Wingdings" pitchFamily="2" charset="2"/>
+                  <a:buChar char="l"/>
+                </a:pPr>
                 <a14:m>
                   <m:oMath xmlns:m="http://schemas.openxmlformats.org/officeDocument/2006/math">
                     <m:sSub>
                       <m:sSubPr>
                         <m:ctrlPr>
-                          <a:rPr lang="en-US" altLang="ko-KR" i="1">
+                          <a:rPr lang="en-US" altLang="ko-KR" sz="2000" i="1" kern="0" smtClean="0">
+                            <a:solidFill>
+                              <a:srgbClr val="000000"/>
+                            </a:solidFill>
                             <a:latin typeface="Cambria Math"/>
-                            <a:ea typeface="Cambria Math"/>
+                            <a:ea typeface="굴림"/>
+                            <a:cs typeface="Tahoma" panose="020B0604030504040204" pitchFamily="34" charset="0"/>
                           </a:rPr>
                         </m:ctrlPr>
                       </m:sSubPr>
                       <m:e>
                         <m:r>
-                          <a:rPr lang="en-US" altLang="ko-KR" i="1">
+                          <a:rPr lang="en-US" altLang="ko-KR" sz="2000" b="0" i="1" kern="0" smtClean="0">
+                            <a:solidFill>
+                              <a:srgbClr val="000000"/>
+                            </a:solidFill>
                             <a:latin typeface="Cambria Math"/>
-                            <a:ea typeface="Cambria Math"/>
+                            <a:ea typeface="굴림"/>
+                            <a:cs typeface="Tahoma" panose="020B0604030504040204" pitchFamily="34" charset="0"/>
                           </a:rPr>
-                          <m:t>𝑎</m:t>
+                          <m:t>𝑐</m:t>
                         </m:r>
                       </m:e>
                       <m:sub>
                         <m:r>
-                          <a:rPr lang="en-US" altLang="ko-KR" i="1">
+                          <a:rPr lang="en-US" altLang="ko-KR" sz="2000" b="0" i="1" kern="0" smtClean="0">
+                            <a:solidFill>
+                              <a:srgbClr val="000000"/>
+                            </a:solidFill>
                             <a:latin typeface="Cambria Math"/>
-                            <a:ea typeface="Cambria Math"/>
+                            <a:ea typeface="굴림"/>
+                            <a:cs typeface="Tahoma" panose="020B0604030504040204" pitchFamily="34" charset="0"/>
                           </a:rPr>
-                          <m:t>𝑡</m:t>
+                          <m:t>0</m:t>
                         </m:r>
                       </m:sub>
                     </m:sSub>
-                  </m:oMath>
-                </a14:m>
-                <a:r>
-                  <a:rPr lang="en-US" altLang="ko-KR" dirty="0">
-                    <a:ea typeface="Cambria Math"/>
-                  </a:rPr>
-                  <a:t> = </a:t>
-                </a:r>
-                <a14:m>
-                  <m:oMath xmlns:m="http://schemas.openxmlformats.org/officeDocument/2006/math">
-                    <m:func>
-                      <m:funcPr>
+                    <m:r>
+                      <a:rPr lang="en-US" altLang="ko-KR" sz="2000" i="1" kern="0" smtClean="0">
+                        <a:solidFill>
+                          <a:srgbClr val="000000"/>
+                        </a:solidFill>
+                        <a:latin typeface="Cambria Math"/>
+                        <a:ea typeface="Cambria Math"/>
+                        <a:cs typeface="Tahoma" panose="020B0604030504040204" pitchFamily="34" charset="0"/>
+                      </a:rPr>
+                      <m:t>∙</m:t>
+                    </m:r>
+                    <m:r>
+                      <a:rPr lang="ko-KR" altLang="en-US" sz="2000" i="1" kern="0" smtClean="0">
+                        <a:solidFill>
+                          <a:srgbClr val="000000"/>
+                        </a:solidFill>
+                        <a:latin typeface="Cambria Math"/>
+                        <a:ea typeface="굴림"/>
+                        <a:cs typeface="Tahoma" panose="020B0604030504040204" pitchFamily="34" charset="0"/>
+                      </a:rPr>
+                      <m:t>𝜇</m:t>
+                    </m:r>
+                    <m:r>
+                      <a:rPr lang="ko-KR" altLang="en-US" sz="2000" i="1" kern="0" smtClean="0">
+                        <a:solidFill>
+                          <a:srgbClr val="000000"/>
+                        </a:solidFill>
+                        <a:latin typeface="Cambria Math"/>
+                        <a:ea typeface="굴림"/>
+                        <a:cs typeface="Tahoma" panose="020B0604030504040204" pitchFamily="34" charset="0"/>
+                      </a:rPr>
+                      <m:t>∙</m:t>
+                    </m:r>
+                    <m:d>
+                      <m:dPr>
                         <m:ctrlPr>
-                          <a:rPr lang="en-US" altLang="ko-KR" i="1">
+                          <a:rPr lang="en-US" altLang="ko-KR" sz="2000" b="0" i="1" kern="0" smtClean="0">
+                            <a:solidFill>
+                              <a:srgbClr val="000000"/>
+                            </a:solidFill>
+                            <a:latin typeface="Cambria Math"/>
+                            <a:ea typeface="굴림"/>
+                            <a:cs typeface="Tahoma" panose="020B0604030504040204" pitchFamily="34" charset="0"/>
+                          </a:rPr>
+                        </m:ctrlPr>
+                      </m:dPr>
+                      <m:e>
+                        <m:r>
+                          <a:rPr lang="en-US" altLang="ko-KR" sz="2000" i="1" kern="0">
+                            <a:solidFill>
+                              <a:srgbClr val="000000"/>
+                            </a:solidFill>
+                            <a:latin typeface="Cambria Math"/>
+                            <a:ea typeface="굴림"/>
+                            <a:cs typeface="Tahoma" panose="020B0604030504040204" pitchFamily="34" charset="0"/>
+                          </a:rPr>
+                          <m:t>1−</m:t>
+                        </m:r>
+                        <m:sSup>
+                          <m:sSupPr>
+                            <m:ctrlPr>
+                              <a:rPr lang="en-US" altLang="ko-KR" sz="2000" i="1" kern="0">
+                                <a:solidFill>
+                                  <a:srgbClr val="000000"/>
+                                </a:solidFill>
+                                <a:latin typeface="Cambria Math"/>
+                                <a:ea typeface="굴림"/>
+                                <a:cs typeface="Tahoma" panose="020B0604030504040204" pitchFamily="34" charset="0"/>
+                              </a:rPr>
+                            </m:ctrlPr>
+                          </m:sSupPr>
+                          <m:e>
+                            <m:r>
+                              <a:rPr lang="en-US" altLang="ko-KR" sz="2000" i="1" kern="0">
+                                <a:solidFill>
+                                  <a:srgbClr val="000000"/>
+                                </a:solidFill>
+                                <a:latin typeface="Cambria Math"/>
+                                <a:ea typeface="굴림"/>
+                                <a:cs typeface="Tahoma" panose="020B0604030504040204" pitchFamily="34" charset="0"/>
+                              </a:rPr>
+                              <m:t>𝑒</m:t>
+                            </m:r>
+                          </m:e>
+                          <m:sup>
+                            <m:r>
+                              <a:rPr lang="en-US" altLang="ko-KR" sz="2000" i="1" kern="0">
+                                <a:solidFill>
+                                  <a:srgbClr val="000000"/>
+                                </a:solidFill>
+                                <a:latin typeface="Cambria Math"/>
+                                <a:ea typeface="굴림"/>
+                                <a:cs typeface="Tahoma" panose="020B0604030504040204" pitchFamily="34" charset="0"/>
+                              </a:rPr>
+                              <m:t>−</m:t>
+                            </m:r>
+                            <m:sSub>
+                              <m:sSubPr>
+                                <m:ctrlPr>
+                                  <a:rPr lang="en-US" altLang="ko-KR" sz="2000" i="1" kern="0">
+                                    <a:solidFill>
+                                      <a:srgbClr val="000000"/>
+                                    </a:solidFill>
+                                    <a:latin typeface="Cambria Math"/>
+                                    <a:ea typeface="굴림"/>
+                                    <a:cs typeface="Tahoma" panose="020B0604030504040204" pitchFamily="34" charset="0"/>
+                                  </a:rPr>
+                                </m:ctrlPr>
+                              </m:sSubPr>
+                              <m:e>
+                                <m:r>
+                                  <a:rPr lang="en-US" altLang="ko-KR" sz="2000" i="1" kern="0">
+                                    <a:solidFill>
+                                      <a:srgbClr val="000000"/>
+                                    </a:solidFill>
+                                    <a:latin typeface="Cambria Math"/>
+                                    <a:ea typeface="굴림"/>
+                                    <a:cs typeface="Tahoma" panose="020B0604030504040204" pitchFamily="34" charset="0"/>
+                                  </a:rPr>
+                                  <m:t>𝑘</m:t>
+                                </m:r>
+                              </m:e>
+                              <m:sub>
+                                <m:r>
+                                  <a:rPr lang="en-US" altLang="ko-KR" sz="2000" i="1" kern="0">
+                                    <a:solidFill>
+                                      <a:srgbClr val="000000"/>
+                                    </a:solidFill>
+                                    <a:latin typeface="Cambria Math"/>
+                                    <a:ea typeface="굴림"/>
+                                    <a:cs typeface="Tahoma" panose="020B0604030504040204" pitchFamily="34" charset="0"/>
+                                  </a:rPr>
+                                  <m:t>0</m:t>
+                                </m:r>
+                              </m:sub>
+                            </m:sSub>
+                            <m:r>
+                              <a:rPr lang="en-US" altLang="ko-KR" sz="2000" i="1" kern="0">
+                                <a:solidFill>
+                                  <a:srgbClr val="000000"/>
+                                </a:solidFill>
+                                <a:latin typeface="Cambria Math"/>
+                                <a:ea typeface="Cambria Math"/>
+                                <a:cs typeface="Tahoma" panose="020B0604030504040204" pitchFamily="34" charset="0"/>
+                              </a:rPr>
+                              <m:t>∙(</m:t>
+                            </m:r>
+                            <m:r>
+                              <a:rPr lang="en-US" altLang="ko-KR" sz="2000" i="1" kern="0">
+                                <a:solidFill>
+                                  <a:srgbClr val="000000"/>
+                                </a:solidFill>
+                                <a:latin typeface="Cambria Math"/>
+                                <a:ea typeface="Cambria Math"/>
+                                <a:cs typeface="Tahoma" panose="020B0604030504040204" pitchFamily="34" charset="0"/>
+                              </a:rPr>
+                              <m:t>𝑆</m:t>
+                            </m:r>
+                            <m:r>
+                              <a:rPr lang="en-US" altLang="ko-KR" sz="2000" i="1" kern="0">
+                                <a:solidFill>
+                                  <a:srgbClr val="000000"/>
+                                </a:solidFill>
+                                <a:latin typeface="Cambria Math"/>
+                                <a:ea typeface="Cambria Math"/>
+                                <a:cs typeface="Tahoma" panose="020B0604030504040204" pitchFamily="34" charset="0"/>
+                              </a:rPr>
+                              <m:t>−</m:t>
+                            </m:r>
+                            <m:sSub>
+                              <m:sSubPr>
+                                <m:ctrlPr>
+                                  <a:rPr lang="en-US" altLang="ko-KR" sz="2000" i="1" kern="0">
+                                    <a:solidFill>
+                                      <a:srgbClr val="000000"/>
+                                    </a:solidFill>
+                                    <a:latin typeface="Cambria Math"/>
+                                    <a:ea typeface="굴림"/>
+                                    <a:cs typeface="Tahoma" panose="020B0604030504040204" pitchFamily="34" charset="0"/>
+                                  </a:rPr>
+                                </m:ctrlPr>
+                              </m:sSubPr>
+                              <m:e>
+                                <m:r>
+                                  <a:rPr lang="en-US" altLang="ko-KR" sz="2000" i="1" kern="0">
+                                    <a:solidFill>
+                                      <a:srgbClr val="000000"/>
+                                    </a:solidFill>
+                                    <a:latin typeface="Cambria Math"/>
+                                    <a:ea typeface="굴림"/>
+                                    <a:cs typeface="Tahoma" panose="020B0604030504040204" pitchFamily="34" charset="0"/>
+                                  </a:rPr>
+                                  <m:t>𝑘</m:t>
+                                </m:r>
+                              </m:e>
+                              <m:sub>
+                                <m:r>
+                                  <a:rPr lang="en-US" altLang="ko-KR" sz="2000" i="1" kern="0">
+                                    <a:solidFill>
+                                      <a:srgbClr val="000000"/>
+                                    </a:solidFill>
+                                    <a:latin typeface="Cambria Math"/>
+                                    <a:ea typeface="굴림"/>
+                                    <a:cs typeface="Tahoma" panose="020B0604030504040204" pitchFamily="34" charset="0"/>
+                                  </a:rPr>
+                                  <m:t>1)</m:t>
+                                </m:r>
+                              </m:sub>
+                            </m:sSub>
+                          </m:sup>
+                        </m:sSup>
+                      </m:e>
+                    </m:d>
+                    <m:r>
+                      <a:rPr lang="en-US" altLang="ko-KR" sz="2000" b="0" i="1" kern="0" smtClean="0">
+                        <a:solidFill>
+                          <a:srgbClr val="000000"/>
+                        </a:solidFill>
+                        <a:latin typeface="Cambria Math"/>
+                        <a:ea typeface="Cambria Math"/>
+                        <a:cs typeface="Tahoma" panose="020B0604030504040204" pitchFamily="34" charset="0"/>
+                      </a:rPr>
+                      <m:t>∙</m:t>
+                    </m:r>
+                    <m:f>
+                      <m:fPr>
+                        <m:ctrlPr>
+                          <a:rPr lang="en-US" altLang="ko-KR" sz="2000" b="0" i="1" kern="0" smtClean="0">
+                            <a:solidFill>
+                              <a:srgbClr val="000000"/>
+                            </a:solidFill>
                             <a:latin typeface="Cambria Math"/>
                             <a:ea typeface="Cambria Math"/>
+                            <a:cs typeface="Tahoma" panose="020B0604030504040204" pitchFamily="34" charset="0"/>
                           </a:rPr>
                         </m:ctrlPr>
-                      </m:funcPr>
-                      <m:fName>
-                        <m:limLow>
-                          <m:limLowPr>
-                            <m:ctrlPr>
-                              <a:rPr lang="en-US" altLang="ko-KR" i="1">
-                                <a:latin typeface="Cambria Math"/>
-                                <a:ea typeface="Cambria Math"/>
-                              </a:rPr>
-                            </m:ctrlPr>
-                          </m:limLowPr>
-                          <m:e>
-                            <m:r>
-                              <m:rPr>
-                                <m:sty m:val="p"/>
-                              </m:rPr>
-                              <a:rPr lang="en-US" altLang="ko-KR">
-                                <a:latin typeface="Cambria Math"/>
-                                <a:ea typeface="Cambria Math"/>
-                              </a:rPr>
-                              <m:t>argmax</m:t>
-                            </m:r>
-                          </m:e>
-                          <m:lim>
-                            <m:r>
-                              <a:rPr lang="en-US" altLang="ko-KR" i="1">
-                                <a:latin typeface="Cambria Math"/>
-                                <a:ea typeface="Cambria Math"/>
-                              </a:rPr>
-                              <m:t>𝑎</m:t>
-                            </m:r>
-                          </m:lim>
-                        </m:limLow>
-                      </m:fName>
-                      <m:e>
+                      </m:fPr>
+                      <m:num>
                         <m:r>
-                          <a:rPr lang="en-US" altLang="ko-KR" i="1">
+                          <a:rPr lang="en-US" altLang="ko-KR" sz="2000" b="0" i="1" kern="0" smtClean="0">
+                            <a:solidFill>
+                              <a:srgbClr val="000000"/>
+                            </a:solidFill>
                             <a:latin typeface="Cambria Math"/>
                             <a:ea typeface="Cambria Math"/>
+                            <a:cs typeface="Tahoma" panose="020B0604030504040204" pitchFamily="34" charset="0"/>
                           </a:rPr>
-                          <m:t>𝑄</m:t>
-                        </m:r>
-                        <m:r>
-                          <a:rPr lang="en-US" altLang="ko-KR" i="1">
-                            <a:latin typeface="Cambria Math"/>
-                            <a:ea typeface="Cambria Math"/>
-                          </a:rPr>
-                          <m:t>(</m:t>
+                          <m:t>𝑒𝑠𝑡𝑖𝑚𝑎𝑡𝑒𝑑</m:t>
                         </m:r>
                         <m:sSub>
                           <m:sSubPr>
                             <m:ctrlPr>
-                              <a:rPr lang="en-US" altLang="ko-KR" i="1">
+                              <a:rPr lang="en-US" altLang="ko-KR" sz="2000" b="0" i="1" kern="0" smtClean="0">
+                                <a:solidFill>
+                                  <a:srgbClr val="000000"/>
+                                </a:solidFill>
                                 <a:latin typeface="Cambria Math"/>
                                 <a:ea typeface="Cambria Math"/>
+                                <a:cs typeface="Tahoma" panose="020B0604030504040204" pitchFamily="34" charset="0"/>
                               </a:rPr>
                             </m:ctrlPr>
                           </m:sSubPr>
                           <m:e>
                             <m:r>
-                              <a:rPr lang="en-US" altLang="ko-KR" i="1">
+                              <a:rPr lang="en-US" altLang="ko-KR" sz="2000" b="0" i="1" kern="0" smtClean="0">
+                                <a:solidFill>
+                                  <a:srgbClr val="000000"/>
+                                </a:solidFill>
                                 <a:latin typeface="Cambria Math"/>
                                 <a:ea typeface="Cambria Math"/>
+                                <a:cs typeface="Tahoma" panose="020B0604030504040204" pitchFamily="34" charset="0"/>
                               </a:rPr>
-                              <m:t>𝑒</m:t>
+                              <m:t>𝐵</m:t>
                             </m:r>
                           </m:e>
                           <m:sub>
                             <m:r>
-                              <a:rPr lang="en-US" altLang="ko-KR" i="1">
+                              <a:rPr lang="en-US" altLang="ko-KR" sz="2000" b="0" i="1" kern="0" smtClean="0">
+                                <a:solidFill>
+                                  <a:srgbClr val="000000"/>
+                                </a:solidFill>
                                 <a:latin typeface="Cambria Math"/>
                                 <a:ea typeface="Cambria Math"/>
+                                <a:cs typeface="Tahoma" panose="020B0604030504040204" pitchFamily="34" charset="0"/>
                               </a:rPr>
-                              <m:t>𝑡</m:t>
+                              <m:t>𝑎</m:t>
                             </m:r>
-                            <m:r>
-                              <a:rPr lang="en-US" altLang="ko-KR" i="1">
+                          </m:sub>
+                        </m:sSub>
+                      </m:num>
+                      <m:den>
+                        <m:sSub>
+                          <m:sSubPr>
+                            <m:ctrlPr>
+                              <a:rPr lang="en-US" altLang="ko-KR" sz="2000" i="1" kern="0">
+                                <a:solidFill>
+                                  <a:srgbClr val="000000"/>
+                                </a:solidFill>
                                 <a:latin typeface="Cambria Math"/>
                                 <a:ea typeface="Cambria Math"/>
+                                <a:cs typeface="Tahoma" panose="020B0604030504040204" pitchFamily="34" charset="0"/>
                               </a:rPr>
-                              <m:t>+1</m:t>
+                            </m:ctrlPr>
+                          </m:sSubPr>
+                          <m:e>
+                            <m:r>
+                              <a:rPr lang="en-US" altLang="ko-KR" sz="2000" b="0" i="1" kern="0" smtClean="0">
+                                <a:solidFill>
+                                  <a:srgbClr val="000000"/>
+                                </a:solidFill>
+                                <a:latin typeface="Cambria Math"/>
+                                <a:ea typeface="Cambria Math"/>
+                                <a:cs typeface="Tahoma" panose="020B0604030504040204" pitchFamily="34" charset="0"/>
+                              </a:rPr>
+                              <m:t>𝑎𝑟𝑔𝑚𝑎𝑥</m:t>
+                            </m:r>
+                          </m:e>
+                          <m:sub>
+                            <m:r>
+                              <a:rPr lang="en-US" altLang="ko-KR" sz="2000" i="1" kern="0">
+                                <a:solidFill>
+                                  <a:srgbClr val="000000"/>
+                                </a:solidFill>
+                                <a:latin typeface="Cambria Math"/>
+                                <a:ea typeface="Cambria Math"/>
+                                <a:cs typeface="Tahoma" panose="020B0604030504040204" pitchFamily="34" charset="0"/>
+                              </a:rPr>
+                              <m:t>𝑎</m:t>
                             </m:r>
                           </m:sub>
                         </m:sSub>
                         <m:r>
-                          <a:rPr lang="en-US" altLang="ko-KR" i="1">
+                          <a:rPr lang="en-US" altLang="ko-KR" sz="2000" i="1" kern="0">
+                            <a:solidFill>
+                              <a:srgbClr val="000000"/>
+                            </a:solidFill>
                             <a:latin typeface="Cambria Math"/>
                             <a:ea typeface="Cambria Math"/>
+                            <a:cs typeface="Tahoma" panose="020B0604030504040204" pitchFamily="34" charset="0"/>
                           </a:rPr>
-                          <m:t>,</m:t>
+                          <m:t>𝑒𝑠𝑡𝑖𝑚𝑎𝑡𝑒𝑑</m:t>
                         </m:r>
-                        <m:acc>
-                          <m:accPr>
-                            <m:chr m:val="⃑"/>
+                        <m:sSub>
+                          <m:sSubPr>
                             <m:ctrlPr>
-                              <a:rPr lang="en-US" altLang="ko-KR" i="1">
+                              <a:rPr lang="en-US" altLang="ko-KR" sz="2000" i="1" kern="0">
+                                <a:solidFill>
+                                  <a:srgbClr val="000000"/>
+                                </a:solidFill>
                                 <a:latin typeface="Cambria Math"/>
                                 <a:ea typeface="Cambria Math"/>
+                                <a:cs typeface="Tahoma" panose="020B0604030504040204" pitchFamily="34" charset="0"/>
                               </a:rPr>
                             </m:ctrlPr>
-                          </m:accPr>
+                          </m:sSubPr>
                           <m:e>
                             <m:r>
-                              <a:rPr lang="en-US" altLang="ko-KR" i="1">
+                              <a:rPr lang="en-US" altLang="ko-KR" sz="2000" i="1" kern="0">
+                                <a:solidFill>
+                                  <a:srgbClr val="000000"/>
+                                </a:solidFill>
                                 <a:latin typeface="Cambria Math"/>
                                 <a:ea typeface="Cambria Math"/>
+                                <a:cs typeface="Tahoma" panose="020B0604030504040204" pitchFamily="34" charset="0"/>
+                              </a:rPr>
+                              <m:t>𝐵</m:t>
+                            </m:r>
+                          </m:e>
+                          <m:sub>
+                            <m:r>
+                              <a:rPr lang="en-US" altLang="ko-KR" sz="2000" i="1" kern="0">
+                                <a:solidFill>
+                                  <a:srgbClr val="000000"/>
+                                </a:solidFill>
+                                <a:latin typeface="Cambria Math"/>
+                                <a:ea typeface="Cambria Math"/>
+                                <a:cs typeface="Tahoma" panose="020B0604030504040204" pitchFamily="34" charset="0"/>
                               </a:rPr>
                               <m:t>𝑎</m:t>
                             </m:r>
-                          </m:e>
-                        </m:acc>
-                        <m:r>
-                          <a:rPr lang="en-US" altLang="ko-KR" i="1">
+                          </m:sub>
+                        </m:sSub>
+                      </m:den>
+                    </m:f>
+                    <m:r>
+                      <a:rPr lang="en-US" altLang="ko-KR" sz="2000" b="0" i="1" kern="0" smtClean="0">
+                        <a:solidFill>
+                          <a:srgbClr val="000000"/>
+                        </a:solidFill>
+                        <a:latin typeface="Cambria Math"/>
+                        <a:ea typeface="Cambria Math"/>
+                        <a:cs typeface="Tahoma" panose="020B0604030504040204" pitchFamily="34" charset="0"/>
+                      </a:rPr>
+                      <m:t>∙</m:t>
+                    </m:r>
+                    <m:f>
+                      <m:fPr>
+                        <m:ctrlPr>
+                          <a:rPr lang="en-US" altLang="ko-KR" sz="2000" b="0" i="1" kern="0" smtClean="0">
+                            <a:solidFill>
+                              <a:srgbClr val="000000"/>
+                            </a:solidFill>
                             <a:latin typeface="Cambria Math"/>
                             <a:ea typeface="Cambria Math"/>
+                            <a:cs typeface="Tahoma" panose="020B0604030504040204" pitchFamily="34" charset="0"/>
                           </a:rPr>
-                          <m:t>)</m:t>
+                        </m:ctrlPr>
+                      </m:fPr>
+                      <m:num>
+                        <m:r>
+                          <a:rPr lang="en-US" altLang="ko-KR" sz="2000" b="0" i="1" kern="0" smtClean="0">
+                            <a:solidFill>
+                              <a:srgbClr val="000000"/>
+                            </a:solidFill>
+                            <a:latin typeface="Cambria Math"/>
+                            <a:ea typeface="Cambria Math"/>
+                            <a:cs typeface="Tahoma" panose="020B0604030504040204" pitchFamily="34" charset="0"/>
+                          </a:rPr>
+                          <m:t>𝑟𝑒𝑠𝑡</m:t>
                         </m:r>
-                      </m:e>
-                    </m:func>
-                  </m:oMath>
-                </a14:m>
-                <a:endParaRPr lang="en-US" altLang="ko-KR" i="1" dirty="0" smtClean="0">
-                  <a:latin typeface="Cambria Math"/>
-                  <a:ea typeface="Cambria Math"/>
-                </a:endParaRPr>
-              </a:p>
-              <a:p>
-                <a:pPr lvl="1"/>
-                <a14:m>
-                  <m:oMath xmlns:m="http://schemas.openxmlformats.org/officeDocument/2006/math">
+                        <m:sSub>
+                          <m:sSubPr>
+                            <m:ctrlPr>
+                              <a:rPr lang="en-US" altLang="ko-KR" sz="2000" i="1" kern="0">
+                                <a:solidFill>
+                                  <a:srgbClr val="000000"/>
+                                </a:solidFill>
+                                <a:latin typeface="Cambria Math"/>
+                                <a:ea typeface="Cambria Math"/>
+                                <a:cs typeface="Tahoma" panose="020B0604030504040204" pitchFamily="34" charset="0"/>
+                              </a:rPr>
+                            </m:ctrlPr>
+                          </m:sSubPr>
+                          <m:e>
+                            <m:r>
+                              <a:rPr lang="en-US" altLang="ko-KR" sz="2000" i="1" kern="0">
+                                <a:solidFill>
+                                  <a:srgbClr val="000000"/>
+                                </a:solidFill>
+                                <a:latin typeface="Cambria Math"/>
+                                <a:ea typeface="Cambria Math"/>
+                                <a:cs typeface="Tahoma" panose="020B0604030504040204" pitchFamily="34" charset="0"/>
+                              </a:rPr>
+                              <m:t>𝐵</m:t>
+                            </m:r>
+                          </m:e>
+                          <m:sub>
+                            <m:r>
+                              <a:rPr lang="en-US" altLang="ko-KR" sz="2000" i="1" kern="0">
+                                <a:solidFill>
+                                  <a:srgbClr val="000000"/>
+                                </a:solidFill>
+                                <a:latin typeface="Cambria Math"/>
+                                <a:ea typeface="Cambria Math"/>
+                                <a:cs typeface="Tahoma" panose="020B0604030504040204" pitchFamily="34" charset="0"/>
+                              </a:rPr>
+                              <m:t>𝑎</m:t>
+                            </m:r>
+                          </m:sub>
+                        </m:sSub>
+                      </m:num>
+                      <m:den>
+                        <m:r>
+                          <a:rPr lang="en-US" altLang="ko-KR" sz="2000" b="0" i="1" kern="0" smtClean="0">
+                            <a:solidFill>
+                              <a:srgbClr val="000000"/>
+                            </a:solidFill>
+                            <a:latin typeface="Cambria Math"/>
+                            <a:ea typeface="Cambria Math"/>
+                            <a:cs typeface="Tahoma" panose="020B0604030504040204" pitchFamily="34" charset="0"/>
+                          </a:rPr>
+                          <m:t>𝑡𝑜𝑡𝑎𝑙</m:t>
+                        </m:r>
+                        <m:sSub>
+                          <m:sSubPr>
+                            <m:ctrlPr>
+                              <a:rPr lang="en-US" altLang="ko-KR" sz="2000" i="1" kern="0">
+                                <a:solidFill>
+                                  <a:srgbClr val="000000"/>
+                                </a:solidFill>
+                                <a:latin typeface="Cambria Math"/>
+                                <a:ea typeface="Cambria Math"/>
+                                <a:cs typeface="Tahoma" panose="020B0604030504040204" pitchFamily="34" charset="0"/>
+                              </a:rPr>
+                            </m:ctrlPr>
+                          </m:sSubPr>
+                          <m:e>
+                            <m:r>
+                              <a:rPr lang="en-US" altLang="ko-KR" sz="2000" i="1" kern="0">
+                                <a:solidFill>
+                                  <a:srgbClr val="000000"/>
+                                </a:solidFill>
+                                <a:latin typeface="Cambria Math"/>
+                                <a:ea typeface="Cambria Math"/>
+                                <a:cs typeface="Tahoma" panose="020B0604030504040204" pitchFamily="34" charset="0"/>
+                              </a:rPr>
+                              <m:t>𝐵</m:t>
+                            </m:r>
+                          </m:e>
+                          <m:sub>
+                            <m:r>
+                              <a:rPr lang="en-US" altLang="ko-KR" sz="2000" i="1" kern="0">
+                                <a:solidFill>
+                                  <a:srgbClr val="000000"/>
+                                </a:solidFill>
+                                <a:latin typeface="Cambria Math"/>
+                                <a:ea typeface="Cambria Math"/>
+                                <a:cs typeface="Tahoma" panose="020B0604030504040204" pitchFamily="34" charset="0"/>
+                              </a:rPr>
+                              <m:t>𝑎</m:t>
+                            </m:r>
+                          </m:sub>
+                        </m:sSub>
+                      </m:den>
+                    </m:f>
+                    <m:r>
+                      <a:rPr lang="en-US" altLang="ko-KR" sz="2000" b="0" i="1" kern="0" smtClean="0">
+                        <a:solidFill>
+                          <a:srgbClr val="000000"/>
+                        </a:solidFill>
+                        <a:latin typeface="Cambria Math"/>
+                        <a:ea typeface="Cambria Math"/>
+                        <a:cs typeface="Tahoma" panose="020B0604030504040204" pitchFamily="34" charset="0"/>
+                      </a:rPr>
+                      <m:t>−</m:t>
+                    </m:r>
                     <m:sSub>
                       <m:sSubPr>
                         <m:ctrlPr>
-                          <a:rPr lang="en-US" altLang="ko-KR" i="1">
+                          <a:rPr lang="en-US" altLang="ko-KR" sz="2000" i="1" kern="0">
+                            <a:solidFill>
+                              <a:srgbClr val="000000"/>
+                            </a:solidFill>
                             <a:latin typeface="Cambria Math"/>
-                            <a:ea typeface="Cambria Math"/>
+                            <a:ea typeface="굴림"/>
+                            <a:cs typeface="Tahoma" panose="020B0604030504040204" pitchFamily="34" charset="0"/>
                           </a:rPr>
                         </m:ctrlPr>
                       </m:sSubPr>
                       <m:e>
                         <m:r>
-                          <a:rPr lang="en-US" altLang="ko-KR" i="1">
+                          <a:rPr lang="en-US" altLang="ko-KR" sz="2000" i="1" kern="0">
+                            <a:solidFill>
+                              <a:srgbClr val="000000"/>
+                            </a:solidFill>
                             <a:latin typeface="Cambria Math"/>
-                            <a:ea typeface="Cambria Math"/>
+                            <a:ea typeface="굴림"/>
+                            <a:cs typeface="Tahoma" panose="020B0604030504040204" pitchFamily="34" charset="0"/>
                           </a:rPr>
-                          <m:t>𝑎</m:t>
+                          <m:t>𝑐</m:t>
                         </m:r>
                       </m:e>
                       <m:sub>
                         <m:r>
-                          <a:rPr lang="en-US" altLang="ko-KR" i="1">
+                          <a:rPr lang="en-US" altLang="ko-KR" sz="2000" i="1" kern="0">
+                            <a:solidFill>
+                              <a:srgbClr val="000000"/>
+                            </a:solidFill>
                             <a:latin typeface="Cambria Math"/>
-                            <a:ea typeface="Cambria Math"/>
+                            <a:ea typeface="굴림"/>
+                            <a:cs typeface="Tahoma" panose="020B0604030504040204" pitchFamily="34" charset="0"/>
                           </a:rPr>
-                          <m:t>𝑡</m:t>
+                          <m:t>0</m:t>
                         </m:r>
                       </m:sub>
                     </m:sSub>
+                    <m:r>
+                      <a:rPr lang="en-US" altLang="ko-KR" sz="2000" i="1" kern="0" smtClean="0">
+                        <a:solidFill>
+                          <a:srgbClr val="000000"/>
+                        </a:solidFill>
+                        <a:latin typeface="Cambria Math"/>
+                        <a:ea typeface="Cambria Math"/>
+                        <a:cs typeface="Tahoma" panose="020B0604030504040204" pitchFamily="34" charset="0"/>
+                      </a:rPr>
+                      <m:t>∙</m:t>
+                    </m:r>
+                    <m:r>
+                      <a:rPr lang="en-US" altLang="ko-KR" sz="2000" b="0" i="1" kern="0" smtClean="0">
+                        <a:solidFill>
+                          <a:srgbClr val="000000"/>
+                        </a:solidFill>
+                        <a:latin typeface="Cambria Math"/>
+                        <a:ea typeface="Cambria Math"/>
+                        <a:cs typeface="Tahoma" panose="020B0604030504040204" pitchFamily="34" charset="0"/>
+                      </a:rPr>
+                      <m:t>𝐼</m:t>
+                    </m:r>
+                    <m:r>
+                      <a:rPr lang="ko-KR" altLang="en-US" sz="2000" i="1" kern="0" smtClean="0">
+                        <a:solidFill>
+                          <a:srgbClr val="000000"/>
+                        </a:solidFill>
+                        <a:latin typeface="Cambria Math"/>
+                        <a:ea typeface="Cambria Math"/>
+                        <a:cs typeface="Tahoma" panose="020B0604030504040204" pitchFamily="34" charset="0"/>
+                      </a:rPr>
+                      <m:t>𝜔</m:t>
+                    </m:r>
                   </m:oMath>
                 </a14:m>
-                <a:r>
-                  <a:rPr lang="en-US" altLang="ko-KR" dirty="0">
-                    <a:ea typeface="Cambria Math"/>
-                  </a:rPr>
-                  <a:t> = rand(</a:t>
-                </a:r>
-                <a14:m>
-                  <m:oMath xmlns:m="http://schemas.openxmlformats.org/officeDocument/2006/math">
-                    <m:acc>
-                      <m:accPr>
-                        <m:chr m:val="⃑"/>
-                        <m:ctrlPr>
-                          <a:rPr lang="en-US" altLang="ko-KR" i="1">
-                            <a:latin typeface="Cambria Math"/>
-                            <a:ea typeface="Cambria Math"/>
-                          </a:rPr>
-                        </m:ctrlPr>
-                      </m:accPr>
-                      <m:e>
-                        <m:r>
-                          <a:rPr lang="en-US" altLang="ko-KR" i="1">
-                            <a:latin typeface="Cambria Math"/>
-                            <a:ea typeface="Cambria Math"/>
-                          </a:rPr>
-                          <m:t>𝑎</m:t>
-                        </m:r>
-                      </m:e>
-                    </m:acc>
-                  </m:oMath>
-                </a14:m>
-                <a:r>
-                  <a:rPr lang="en-US" altLang="ko-KR" dirty="0">
-                    <a:ea typeface="Cambria Math"/>
-                  </a:rPr>
-                  <a:t>)</a:t>
-                </a:r>
-                <a:endParaRPr lang="en-US" altLang="ko-KR" dirty="0" smtClean="0">
+                <a:endParaRPr lang="en-US" altLang="ko-KR" sz="2000" kern="0" dirty="0" smtClean="0">
                   <a:solidFill>
                     <a:srgbClr val="000000"/>
                   </a:solidFill>
+                  <a:latin typeface="Arial"/>
+                  <a:ea typeface="굴림"/>
                   <a:cs typeface="Tahoma" panose="020B0604030504040204" pitchFamily="34" charset="0"/>
                 </a:endParaRPr>
               </a:p>
               <a:p>
-                <a:pPr lvl="1"/>
-                <a:endParaRPr lang="en-US" altLang="ko-KR" dirty="0" smtClean="0"/>
+                <a:pPr marL="648000" lvl="1" indent="-285750" fontAlgn="t">
+                  <a:spcBef>
+                    <a:spcPct val="20000"/>
+                  </a:spcBef>
+                  <a:buClr>
+                    <a:srgbClr val="A20000"/>
+                  </a:buClr>
+                  <a:buSzPct val="100000"/>
+                  <a:buFont typeface="Wingdings" pitchFamily="2" charset="2"/>
+                  <a:buChar char="l"/>
+                </a:pPr>
+                <a:endParaRPr lang="en-US" altLang="ko-KR" sz="2000" kern="0" dirty="0">
+                  <a:solidFill>
+                    <a:srgbClr val="000000"/>
+                  </a:solidFill>
+                  <a:latin typeface="Arial"/>
+                  <a:ea typeface="굴림"/>
+                  <a:cs typeface="Tahoma" panose="020B0604030504040204" pitchFamily="34" charset="0"/>
+                </a:endParaRPr>
+              </a:p>
+              <a:p>
+                <a:pPr marL="648000" lvl="1" indent="-285750" fontAlgn="t">
+                  <a:spcBef>
+                    <a:spcPct val="20000"/>
+                  </a:spcBef>
+                  <a:buClr>
+                    <a:srgbClr val="A20000"/>
+                  </a:buClr>
+                  <a:buSzPct val="100000"/>
+                  <a:buFont typeface="Wingdings" pitchFamily="2" charset="2"/>
+                  <a:buChar char="l"/>
+                </a:pPr>
+                <a:endParaRPr lang="en-US" altLang="ko-KR" sz="2000" kern="0" dirty="0" smtClean="0">
+                  <a:solidFill>
+                    <a:srgbClr val="000000"/>
+                  </a:solidFill>
+                  <a:latin typeface="Arial"/>
+                  <a:ea typeface="굴림"/>
+                  <a:cs typeface="Tahoma" panose="020B0604030504040204" pitchFamily="34" charset="0"/>
+                </a:endParaRPr>
+              </a:p>
+              <a:p>
+                <a:pPr marL="648000" lvl="1" indent="-285750" fontAlgn="t">
+                  <a:spcBef>
+                    <a:spcPct val="20000"/>
+                  </a:spcBef>
+                  <a:buClr>
+                    <a:srgbClr val="A20000"/>
+                  </a:buClr>
+                  <a:buSzPct val="100000"/>
+                  <a:buFont typeface="Wingdings" pitchFamily="2" charset="2"/>
+                  <a:buChar char="l"/>
+                </a:pPr>
+                <a:endParaRPr lang="en-US" altLang="ko-KR" sz="2000" kern="0" dirty="0">
+                  <a:solidFill>
+                    <a:srgbClr val="000000"/>
+                  </a:solidFill>
+                  <a:latin typeface="Arial"/>
+                  <a:ea typeface="굴림"/>
+                  <a:cs typeface="Tahoma" panose="020B0604030504040204" pitchFamily="34" charset="0"/>
+                </a:endParaRPr>
+              </a:p>
+              <a:p>
+                <a:pPr marL="648000" lvl="1" indent="-285750" fontAlgn="t">
+                  <a:spcBef>
+                    <a:spcPct val="20000"/>
+                  </a:spcBef>
+                  <a:buClr>
+                    <a:srgbClr val="A20000"/>
+                  </a:buClr>
+                  <a:buSzPct val="100000"/>
+                  <a:buFont typeface="Wingdings" pitchFamily="2" charset="2"/>
+                  <a:buChar char="l"/>
+                </a:pPr>
+                <a:endParaRPr lang="en-US" altLang="ko-KR" sz="2000" kern="0" dirty="0" smtClean="0">
+                  <a:solidFill>
+                    <a:srgbClr val="000000"/>
+                  </a:solidFill>
+                  <a:latin typeface="Arial"/>
+                  <a:ea typeface="굴림"/>
+                  <a:cs typeface="Tahoma" panose="020B0604030504040204" pitchFamily="34" charset="0"/>
+                </a:endParaRPr>
+              </a:p>
+              <a:p>
+                <a:pPr marL="648000" lvl="1" indent="-285750" fontAlgn="t">
+                  <a:spcBef>
+                    <a:spcPct val="20000"/>
+                  </a:spcBef>
+                  <a:buClr>
+                    <a:srgbClr val="A20000"/>
+                  </a:buClr>
+                  <a:buSzPct val="100000"/>
+                  <a:buFont typeface="Wingdings" pitchFamily="2" charset="2"/>
+                  <a:buChar char="l"/>
+                </a:pPr>
+                <a:endParaRPr lang="en-US" altLang="ko-KR" sz="2000" kern="0" dirty="0">
+                  <a:solidFill>
+                    <a:srgbClr val="000000"/>
+                  </a:solidFill>
+                  <a:latin typeface="Arial"/>
+                  <a:ea typeface="굴림"/>
+                  <a:cs typeface="Tahoma" panose="020B0604030504040204" pitchFamily="34" charset="0"/>
+                </a:endParaRPr>
+              </a:p>
+              <a:p>
+                <a:pPr marL="648000" lvl="1" indent="-285750" fontAlgn="t">
+                  <a:spcBef>
+                    <a:spcPct val="20000"/>
+                  </a:spcBef>
+                  <a:buClr>
+                    <a:srgbClr val="A20000"/>
+                  </a:buClr>
+                  <a:buSzPct val="100000"/>
+                  <a:buFont typeface="Wingdings" pitchFamily="2" charset="2"/>
+                  <a:buChar char="l"/>
+                </a:pPr>
+                <a:endParaRPr lang="en-US" altLang="ko-KR" sz="2000" kern="0" dirty="0" smtClean="0">
+                  <a:solidFill>
+                    <a:srgbClr val="000000"/>
+                  </a:solidFill>
+                  <a:latin typeface="Arial"/>
+                  <a:ea typeface="굴림"/>
+                  <a:cs typeface="Tahoma" panose="020B0604030504040204" pitchFamily="34" charset="0"/>
+                </a:endParaRPr>
+              </a:p>
+              <a:p>
+                <a:pPr marL="648000" lvl="1" indent="-285750" fontAlgn="t">
+                  <a:spcBef>
+                    <a:spcPct val="20000"/>
+                  </a:spcBef>
+                  <a:buClr>
+                    <a:srgbClr val="A20000"/>
+                  </a:buClr>
+                  <a:buSzPct val="100000"/>
+                  <a:buFont typeface="Wingdings" pitchFamily="2" charset="2"/>
+                  <a:buChar char="l"/>
+                </a:pPr>
+                <a:endParaRPr lang="en-US" altLang="ko-KR" sz="2000" kern="0" dirty="0">
+                  <a:solidFill>
+                    <a:srgbClr val="000000"/>
+                  </a:solidFill>
+                  <a:latin typeface="Arial"/>
+                  <a:ea typeface="굴림"/>
+                  <a:cs typeface="Tahoma" panose="020B0604030504040204" pitchFamily="34" charset="0"/>
+                </a:endParaRPr>
+              </a:p>
+              <a:p>
+                <a:pPr marL="648000" lvl="1" indent="-285750" fontAlgn="t">
+                  <a:spcBef>
+                    <a:spcPct val="20000"/>
+                  </a:spcBef>
+                  <a:buClr>
+                    <a:srgbClr val="A20000"/>
+                  </a:buClr>
+                  <a:buSzPct val="100000"/>
+                  <a:buFont typeface="Wingdings" pitchFamily="2" charset="2"/>
+                  <a:buChar char="l"/>
+                </a:pPr>
+                <a:endParaRPr lang="en-US" altLang="ko-KR" sz="2000" kern="0" dirty="0" smtClean="0">
+                  <a:solidFill>
+                    <a:srgbClr val="000000"/>
+                  </a:solidFill>
+                  <a:latin typeface="Arial"/>
+                  <a:ea typeface="굴림"/>
+                  <a:cs typeface="Tahoma" panose="020B0604030504040204" pitchFamily="34" charset="0"/>
+                </a:endParaRPr>
+              </a:p>
+              <a:p>
+                <a:pPr marL="648000" lvl="1" indent="-285750" fontAlgn="t">
+                  <a:spcBef>
+                    <a:spcPct val="20000"/>
+                  </a:spcBef>
+                  <a:buClr>
+                    <a:srgbClr val="A20000"/>
+                  </a:buClr>
+                  <a:buSzPct val="100000"/>
+                  <a:buFont typeface="Wingdings" pitchFamily="2" charset="2"/>
+                  <a:buChar char="l"/>
+                </a:pPr>
+                <a:endParaRPr lang="en-US" altLang="ko-KR" sz="2000" kern="0" dirty="0">
+                  <a:solidFill>
+                    <a:srgbClr val="000000"/>
+                  </a:solidFill>
+                  <a:latin typeface="Arial"/>
+                  <a:ea typeface="굴림"/>
+                  <a:cs typeface="Tahoma" panose="020B0604030504040204" pitchFamily="34" charset="0"/>
+                </a:endParaRPr>
               </a:p>
             </p:txBody>
           </p:sp>
         </mc:Choice>
-        <mc:Fallback xmlns="">
+        <mc:Fallback>
           <p:sp>
             <p:nvSpPr>
-              <p:cNvPr id="3" name="내용 개체 틀 2"/>
+              <p:cNvPr id="49" name="직사각형 48"/>
               <p:cNvSpPr>
-                <a:spLocks noGrp="1" noRot="1" noChangeAspect="1" noMove="1" noResize="1" noEditPoints="1" noAdjustHandles="1" noChangeArrowheads="1" noChangeShapeType="1" noTextEdit="1"/>
+                <a:spLocks noRot="1" noChangeAspect="1" noMove="1" noResize="1" noEditPoints="1" noAdjustHandles="1" noChangeArrowheads="1" noChangeShapeType="1" noTextEdit="1"/>
               </p:cNvSpPr>
-              <p:nvPr>
-                <p:ph idx="1"/>
-              </p:nvPr>
+              <p:nvPr/>
             </p:nvSpPr>
             <p:spPr>
               <a:xfrm>
-                <a:off x="467544" y="1052736"/>
-                <a:ext cx="8229600" cy="5184775"/>
+                <a:off x="395535" y="1135063"/>
+                <a:ext cx="8208913" cy="4368760"/>
               </a:xfrm>
+              <a:prstGeom prst="rect">
+                <a:avLst/>
+              </a:prstGeom>
               <a:blipFill rotWithShape="1">
                 <a:blip r:embed="rId3"/>
                 <a:stretch>
-                  <a:fillRect l="-593" t="-941"/>
+                  <a:fillRect l="-1040" t="-1116"/>
                 </a:stretch>
               </a:blipFill>
             </p:spPr>
@@ -22087,305 +24788,59 @@
       </mc:AlternateContent>
       <p:sp>
         <p:nvSpPr>
-          <p:cNvPr id="4" name="슬라이드 번호 개체 틀 3"/>
-          <p:cNvSpPr>
-            <a:spLocks noGrp="1"/>
-          </p:cNvSpPr>
-          <p:nvPr>
-            <p:ph type="sldNum" sz="quarter" idx="10"/>
-          </p:nvPr>
+          <p:cNvPr id="13" name="직사각형 12"/>
+          <p:cNvSpPr/>
+          <p:nvPr/>
         </p:nvSpPr>
-        <p:spPr/>
-        <p:txBody>
-          <a:bodyPr/>
-          <a:lstStyle/>
-          <a:p>
-            <a:pPr>
-              <a:defRPr/>
-            </a:pPr>
-            <a:fld id="{3AC61161-2E5C-46D0-95EC-509A5D61BACE}" type="slidenum">
-              <a:rPr lang="en-US" altLang="ko-KR" smtClean="0"/>
-              <a:pPr>
-                <a:defRPr/>
-              </a:pPr>
-              <a:t>9</a:t>
-            </a:fld>
-            <a:endParaRPr lang="en-US" altLang="ko-KR" dirty="0"/>
-          </a:p>
-        </p:txBody>
-      </p:sp>
-      <p:pic>
-        <p:nvPicPr>
-          <p:cNvPr id="5" name="그림 4"/>
-          <p:cNvPicPr>
-            <a:picLocks noChangeAspect="1"/>
-          </p:cNvPicPr>
-          <p:nvPr/>
-        </p:nvPicPr>
-        <p:blipFill>
-          <a:blip r:embed="rId4"/>
-          <a:stretch>
-            <a:fillRect/>
-          </a:stretch>
-        </p:blipFill>
         <p:spPr>
           <a:xfrm>
-            <a:off x="4860032" y="3060587"/>
-            <a:ext cx="3782695" cy="2216712"/>
+            <a:off x="2267744" y="2276872"/>
+            <a:ext cx="4572000" cy="246221"/>
           </a:xfrm>
           <a:prstGeom prst="rect">
             <a:avLst/>
           </a:prstGeom>
         </p:spPr>
-      </p:pic>
-      <p:sp>
-        <p:nvSpPr>
-          <p:cNvPr id="6" name="TextBox 1"/>
-          <p:cNvSpPr txBox="1">
-            <a:spLocks noChangeArrowheads="1"/>
-          </p:cNvSpPr>
-          <p:nvPr/>
-        </p:nvSpPr>
-        <p:spPr bwMode="auto">
-          <a:xfrm>
-            <a:off x="3317485" y="5415027"/>
-            <a:ext cx="2545889" cy="246221"/>
-          </a:xfrm>
-          <a:prstGeom prst="rect">
-            <a:avLst/>
-          </a:prstGeom>
-          <a:noFill/>
-          <a:ln>
-            <a:noFill/>
-          </a:ln>
-          <a:extLst>
-            <a:ext uri="{909E8E84-426E-40DD-AFC4-6F175D3DCCD1}">
-              <a14:hiddenFill xmlns:a14="http://schemas.microsoft.com/office/drawing/2010/main">
-                <a:solidFill>
-                  <a:srgbClr val="FFFFFF"/>
-                </a:solidFill>
-              </a14:hiddenFill>
-            </a:ext>
-            <a:ext uri="{91240B29-F687-4F45-9708-019B960494DF}">
-              <a14:hiddenLine xmlns:a14="http://schemas.microsoft.com/office/drawing/2010/main" w="9525">
-                <a:solidFill>
-                  <a:srgbClr val="000000"/>
-                </a:solidFill>
-                <a:miter lim="800000"/>
-                <a:headEnd/>
-                <a:tailEnd/>
-              </a14:hiddenLine>
-            </a:ext>
-          </a:extLst>
-        </p:spPr>
         <p:txBody>
-          <a:bodyPr wrap="none">
+          <a:bodyPr>
             <a:spAutoFit/>
           </a:bodyPr>
-          <a:lstStyle>
-            <a:lvl1pPr fontAlgn="t">
-              <a:spcBef>
-                <a:spcPct val="20000"/>
-              </a:spcBef>
-              <a:buSzPct val="80000"/>
-              <a:buFont typeface="Wingdings" panose="05000000000000000000" pitchFamily="2" charset="2"/>
-              <a:buChar char="q"/>
-              <a:defRPr kumimoji="1" sz="2000">
-                <a:solidFill>
-                  <a:schemeClr val="tx1"/>
-                </a:solidFill>
-                <a:latin typeface="Arial" panose="020B0604020202020204" pitchFamily="34" charset="0"/>
-                <a:ea typeface="굴림" panose="020B0600000101010101" pitchFamily="50" charset="-127"/>
-              </a:defRPr>
-            </a:lvl1pPr>
-            <a:lvl2pPr marL="742950" indent="-285750" fontAlgn="t">
-              <a:spcBef>
-                <a:spcPct val="20000"/>
-              </a:spcBef>
-              <a:buSzPct val="80000"/>
-              <a:buFont typeface="Wingdings" panose="05000000000000000000" pitchFamily="2" charset="2"/>
-              <a:buChar char="l"/>
-              <a:defRPr kumimoji="1" sz="2800">
-                <a:solidFill>
-                  <a:schemeClr val="tx1"/>
-                </a:solidFill>
-                <a:latin typeface="Arial" panose="020B0604020202020204" pitchFamily="34" charset="0"/>
-                <a:ea typeface="굴림" panose="020B0600000101010101" pitchFamily="50" charset="-127"/>
-              </a:defRPr>
-            </a:lvl2pPr>
-            <a:lvl3pPr marL="1143000" indent="-228600" fontAlgn="t">
-              <a:spcBef>
-                <a:spcPct val="20000"/>
-              </a:spcBef>
-              <a:buFont typeface="굴림" panose="020B0600000101010101" pitchFamily="50" charset="-127"/>
-              <a:buChar char="‒"/>
-              <a:defRPr kumimoji="1" sz="2400">
-                <a:solidFill>
-                  <a:schemeClr val="tx1"/>
-                </a:solidFill>
-                <a:latin typeface="Arial" panose="020B0604020202020204" pitchFamily="34" charset="0"/>
-                <a:ea typeface="굴림" panose="020B0600000101010101" pitchFamily="50" charset="-127"/>
-              </a:defRPr>
-            </a:lvl3pPr>
-            <a:lvl4pPr marL="1600200" indent="-228600" fontAlgn="t">
-              <a:spcBef>
-                <a:spcPct val="20000"/>
-              </a:spcBef>
-              <a:buSzPct val="80000"/>
-              <a:buFont typeface="Wingdings" panose="05000000000000000000" pitchFamily="2" charset="2"/>
-              <a:buChar char="ú"/>
-              <a:defRPr kumimoji="1" sz="1600">
-                <a:solidFill>
-                  <a:schemeClr val="tx1"/>
-                </a:solidFill>
-                <a:latin typeface="Arial" panose="020B0604020202020204" pitchFamily="34" charset="0"/>
-                <a:ea typeface="굴림" panose="020B0600000101010101" pitchFamily="50" charset="-127"/>
-              </a:defRPr>
-            </a:lvl4pPr>
-            <a:lvl5pPr marL="2057400" indent="-228600" fontAlgn="t">
-              <a:spcBef>
-                <a:spcPct val="20000"/>
-              </a:spcBef>
-              <a:buFont typeface="Wingdings" panose="05000000000000000000" pitchFamily="2" charset="2"/>
-              <a:buChar char=" "/>
-              <a:defRPr kumimoji="1" sz="1600">
-                <a:solidFill>
-                  <a:schemeClr val="tx1"/>
-                </a:solidFill>
-                <a:latin typeface="Arial" panose="020B0604020202020204" pitchFamily="34" charset="0"/>
-                <a:ea typeface="굴림" panose="020B0600000101010101" pitchFamily="50" charset="-127"/>
-              </a:defRPr>
-            </a:lvl5pPr>
-            <a:lvl6pPr marL="2514600" indent="-228600" eaLnBrk="0" fontAlgn="t" hangingPunct="0">
-              <a:spcBef>
-                <a:spcPct val="20000"/>
-              </a:spcBef>
-              <a:spcAft>
-                <a:spcPct val="0"/>
-              </a:spcAft>
-              <a:buFont typeface="Wingdings" panose="05000000000000000000" pitchFamily="2" charset="2"/>
-              <a:buChar char=" "/>
-              <a:defRPr kumimoji="1" sz="1600">
-                <a:solidFill>
-                  <a:schemeClr val="tx1"/>
-                </a:solidFill>
-                <a:latin typeface="Arial" panose="020B0604020202020204" pitchFamily="34" charset="0"/>
-                <a:ea typeface="굴림" panose="020B0600000101010101" pitchFamily="50" charset="-127"/>
-              </a:defRPr>
-            </a:lvl6pPr>
-            <a:lvl7pPr marL="2971800" indent="-228600" eaLnBrk="0" fontAlgn="t" hangingPunct="0">
-              <a:spcBef>
-                <a:spcPct val="20000"/>
-              </a:spcBef>
-              <a:spcAft>
-                <a:spcPct val="0"/>
-              </a:spcAft>
-              <a:buFont typeface="Wingdings" panose="05000000000000000000" pitchFamily="2" charset="2"/>
-              <a:buChar char=" "/>
-              <a:defRPr kumimoji="1" sz="1600">
-                <a:solidFill>
-                  <a:schemeClr val="tx1"/>
-                </a:solidFill>
-                <a:latin typeface="Arial" panose="020B0604020202020204" pitchFamily="34" charset="0"/>
-                <a:ea typeface="굴림" panose="020B0600000101010101" pitchFamily="50" charset="-127"/>
-              </a:defRPr>
-            </a:lvl7pPr>
-            <a:lvl8pPr marL="3429000" indent="-228600" eaLnBrk="0" fontAlgn="t" hangingPunct="0">
-              <a:spcBef>
-                <a:spcPct val="20000"/>
-              </a:spcBef>
-              <a:spcAft>
-                <a:spcPct val="0"/>
-              </a:spcAft>
-              <a:buFont typeface="Wingdings" panose="05000000000000000000" pitchFamily="2" charset="2"/>
-              <a:buChar char=" "/>
-              <a:defRPr kumimoji="1" sz="1600">
-                <a:solidFill>
-                  <a:schemeClr val="tx1"/>
-                </a:solidFill>
-                <a:latin typeface="Arial" panose="020B0604020202020204" pitchFamily="34" charset="0"/>
-                <a:ea typeface="굴림" panose="020B0600000101010101" pitchFamily="50" charset="-127"/>
-              </a:defRPr>
-            </a:lvl8pPr>
-            <a:lvl9pPr marL="3886200" indent="-228600" eaLnBrk="0" fontAlgn="t" hangingPunct="0">
-              <a:spcBef>
-                <a:spcPct val="20000"/>
-              </a:spcBef>
-              <a:spcAft>
-                <a:spcPct val="0"/>
-              </a:spcAft>
-              <a:buFont typeface="Wingdings" panose="05000000000000000000" pitchFamily="2" charset="2"/>
-              <a:buChar char=" "/>
-              <a:defRPr kumimoji="1" sz="1600">
-                <a:solidFill>
-                  <a:schemeClr val="tx1"/>
-                </a:solidFill>
-                <a:latin typeface="Arial" panose="020B0604020202020204" pitchFamily="34" charset="0"/>
-                <a:ea typeface="굴림" panose="020B0600000101010101" pitchFamily="50" charset="-127"/>
-              </a:defRPr>
-            </a:lvl9pPr>
-          </a:lstStyle>
+          <a:lstStyle/>
           <a:p>
-            <a:pPr algn="ctr" fontAlgn="base">
-              <a:spcBef>
-                <a:spcPct val="0"/>
-              </a:spcBef>
-              <a:buSzTx/>
-              <a:buFontTx/>
-              <a:buNone/>
-            </a:pPr>
+            <a:pPr algn="ctr"/>
+            <a:r>
+              <a:rPr lang="en-US" altLang="ko-KR" sz="1000" dirty="0" smtClean="0"/>
+              <a:t>&lt; An </a:t>
+            </a:r>
             <a:r>
               <a:rPr lang="en-US" altLang="ko-KR" sz="1000" dirty="0"/>
-              <a:t>&lt; </a:t>
-            </a:r>
-            <a:r>
-              <a:rPr lang="en-US" altLang="ko-KR" sz="1000" dirty="0" smtClean="0">
-                <a:hlinkClick r:id="rId5"/>
-              </a:rPr>
-              <a:t>https://hunkim.github.io/ml/RL/rl03.pdf</a:t>
+              <a:t>SDN Platform for Traffic </a:t>
             </a:r>
             <a:r>
               <a:rPr lang="en-US" altLang="ko-KR" sz="1000" dirty="0" smtClean="0"/>
-              <a:t> &gt;</a:t>
+              <a:t>Offloading &gt;</a:t>
             </a:r>
             <a:endParaRPr lang="ko-KR" altLang="en-US" sz="1000" dirty="0"/>
           </a:p>
         </p:txBody>
       </p:sp>
-      <p:pic>
-        <p:nvPicPr>
-          <p:cNvPr id="8" name="그림 7"/>
-          <p:cNvPicPr>
-            <a:picLocks noChangeAspect="1"/>
-          </p:cNvPicPr>
-          <p:nvPr/>
-        </p:nvPicPr>
-        <p:blipFill>
-          <a:blip r:embed="rId6"/>
-          <a:stretch>
-            <a:fillRect/>
-          </a:stretch>
-        </p:blipFill>
-        <p:spPr>
-          <a:xfrm>
-            <a:off x="550464" y="3038763"/>
-            <a:ext cx="3805512" cy="2238536"/>
-          </a:xfrm>
-          <a:prstGeom prst="rect">
-            <a:avLst/>
-          </a:prstGeom>
-        </p:spPr>
-      </p:pic>
     </p:spTree>
     <p:extLst>
       <p:ext uri="{BB962C8B-B14F-4D97-AF65-F5344CB8AC3E}">
-        <p14:creationId xmlns:p14="http://schemas.microsoft.com/office/powerpoint/2010/main" val="1428062848"/>
+        <p14:creationId xmlns:p14="http://schemas.microsoft.com/office/powerpoint/2010/main" val="2254366612"/>
       </p:ext>
     </p:extLst>
   </p:cSld>
   <p:clrMapOvr>
     <a:masterClrMapping/>
   </p:clrMapOvr>
+  <p:timing>
+    <p:tnLst>
+      <p:par>
+        <p:cTn id="1" dur="indefinite" restart="never" nodeType="tmRoot"/>
+      </p:par>
+    </p:tnLst>
+  </p:timing>
 </p:sld>
 </file>
 
@@ -23552,7 +26007,7 @@
   <a:extraClrSchemeLst/>
   <a:extLst>
     <a:ext uri="{05A4C25C-085E-4340-85A3-A5531E510DB2}">
-      <thm15:themeFamily xmlns:thm15="http://schemas.microsoft.com/office/thememl/2012/main" xmlns="" name="Office Theme" id="{62F939B6-93AF-4DB8-9C6B-D6C7DFDC589F}" vid="{4A3C46E8-61CC-4603-A589-7422A47A8E4A}"/>
+      <thm15:themeFamily xmlns="" xmlns:thm15="http://schemas.microsoft.com/office/thememl/2012/main" name="Office Theme" id="{62F939B6-93AF-4DB8-9C6B-D6C7DFDC589F}" vid="{4A3C46E8-61CC-4603-A589-7422A47A8E4A}"/>
     </a:ext>
   </a:extLst>
 </a:theme>

--- a/Daily(written_by_Korean)/180727.pptx
+++ b/Daily(written_by_Korean)/180727.pptx
@@ -156,7 +156,7 @@
   </p:defaultTextStyle>
   <p:extLst>
     <p:ext uri="{EFAFB233-063F-42B5-8137-9DF3F51BA10A}">
-      <p15:sldGuideLst xmlns:p15="http://schemas.microsoft.com/office/powerpoint/2012/main" xmlns="">
+      <p15:sldGuideLst xmlns:p15="http://schemas.microsoft.com/office/powerpoint/2012/main">
         <p15:guide id="1" orient="horz" pos="2160">
           <p15:clr>
             <a:srgbClr val="A4A3A4"/>
@@ -273,7 +273,7 @@
               <a:pPr>
                 <a:defRPr/>
               </a:pPr>
-              <a:t>2018-07-26</a:t>
+              <a:t>2018-07-27</a:t>
             </a:fld>
             <a:endParaRPr lang="ko-KR" altLang="en-US"/>
           </a:p>
@@ -9976,8 +9976,8 @@
           </a:p>
         </p:txBody>
       </p:sp>
-      <mc:AlternateContent xmlns:mc="http://schemas.openxmlformats.org/markup-compatibility/2006">
-        <mc:Choice xmlns:a14="http://schemas.microsoft.com/office/drawing/2010/main" Requires="a14">
+      <mc:AlternateContent xmlns:mc="http://schemas.openxmlformats.org/markup-compatibility/2006" xmlns:a14="http://schemas.microsoft.com/office/drawing/2010/main">
+        <mc:Choice Requires="a14">
           <p:sp>
             <p:nvSpPr>
               <p:cNvPr id="49" name="직사각형 48"/>
@@ -10047,7 +10047,7 @@
                             <a:solidFill>
                               <a:srgbClr val="000000"/>
                             </a:solidFill>
-                            <a:latin typeface="Cambria Math"/>
+                            <a:latin typeface="Cambria Math" panose="02040503050406030204" pitchFamily="18" charset="0"/>
                             <a:ea typeface="굴림"/>
                             <a:cs typeface="Tahoma" panose="020B0604030504040204" pitchFamily="34" charset="0"/>
                           </a:rPr>
@@ -10085,7 +10085,7 @@
                                 <a:solidFill>
                                   <a:srgbClr val="000000"/>
                                 </a:solidFill>
-                                <a:latin typeface="Cambria Math"/>
+                                <a:latin typeface="Cambria Math" panose="02040503050406030204" pitchFamily="18" charset="0"/>
                                 <a:ea typeface="굴림"/>
                                 <a:cs typeface="Tahoma" panose="020B0604030504040204" pitchFamily="34" charset="0"/>
                               </a:rPr>
@@ -10520,7 +10520,7 @@
             </p:txBody>
           </p:sp>
         </mc:Choice>
-        <mc:Fallback>
+        <mc:Fallback xmlns="">
           <p:sp>
             <p:nvSpPr>
               <p:cNvPr id="49" name="직사각형 48"/>
@@ -11622,18 +11622,7 @@
                 <a:ea typeface="굴림"/>
                 <a:cs typeface="Tahoma" panose="020B0604030504040204" pitchFamily="34" charset="0"/>
               </a:rPr>
-              <a:t>Number </a:t>
-            </a:r>
-            <a:r>
-              <a:rPr lang="en-US" altLang="ko-KR" kern="0" dirty="0" smtClean="0">
-                <a:solidFill>
-                  <a:srgbClr val="000000"/>
-                </a:solidFill>
-                <a:latin typeface="Arial"/>
-                <a:ea typeface="굴림"/>
-                <a:cs typeface="Tahoma" panose="020B0604030504040204" pitchFamily="34" charset="0"/>
-              </a:rPr>
-              <a:t>of UEs</a:t>
+              <a:t>Number of UEs</a:t>
             </a:r>
             <a:endParaRPr lang="en-US" altLang="ko-KR" kern="0" dirty="0">
               <a:solidFill>
@@ -12100,7 +12089,7 @@
                       <m:sSubPr>
                         <m:ctrlPr>
                           <a:rPr lang="en-US" altLang="ko-KR" i="1">
-                            <a:latin typeface="Cambria Math"/>
+                            <a:latin typeface="Cambria Math" panose="02040503050406030204" pitchFamily="18" charset="0"/>
                             <a:ea typeface="Cambria Math"/>
                           </a:rPr>
                         </m:ctrlPr>
@@ -12138,7 +12127,7 @@
                       <m:funcPr>
                         <m:ctrlPr>
                           <a:rPr lang="en-US" altLang="ko-KR" i="1">
-                            <a:latin typeface="Cambria Math"/>
+                            <a:latin typeface="Cambria Math" panose="02040503050406030204" pitchFamily="18" charset="0"/>
                             <a:ea typeface="Cambria Math"/>
                           </a:rPr>
                         </m:ctrlPr>
@@ -12148,7 +12137,7 @@
                           <m:limLowPr>
                             <m:ctrlPr>
                               <a:rPr lang="en-US" altLang="ko-KR" i="1">
-                                <a:latin typeface="Cambria Math"/>
+                                <a:latin typeface="Cambria Math" panose="02040503050406030204" pitchFamily="18" charset="0"/>
                                 <a:ea typeface="Cambria Math"/>
                               </a:rPr>
                             </m:ctrlPr>
@@ -12195,7 +12184,7 @@
                           <m:sSubPr>
                             <m:ctrlPr>
                               <a:rPr lang="en-US" altLang="ko-KR" i="1">
-                                <a:latin typeface="Cambria Math"/>
+                                <a:latin typeface="Cambria Math" panose="02040503050406030204" pitchFamily="18" charset="0"/>
                                 <a:ea typeface="Cambria Math"/>
                               </a:rPr>
                             </m:ctrlPr>
@@ -12238,7 +12227,7 @@
                             <m:chr m:val="⃑"/>
                             <m:ctrlPr>
                               <a:rPr lang="en-US" altLang="ko-KR" i="1">
-                                <a:latin typeface="Cambria Math"/>
+                                <a:latin typeface="Cambria Math" panose="02040503050406030204" pitchFamily="18" charset="0"/>
                                 <a:ea typeface="Cambria Math"/>
                               </a:rPr>
                             </m:ctrlPr>
@@ -12277,7 +12266,7 @@
                       <m:sSubPr>
                         <m:ctrlPr>
                           <a:rPr lang="en-US" altLang="ko-KR" i="1">
-                            <a:latin typeface="Cambria Math"/>
+                            <a:latin typeface="Cambria Math" panose="02040503050406030204" pitchFamily="18" charset="0"/>
                             <a:ea typeface="Cambria Math"/>
                           </a:rPr>
                         </m:ctrlPr>
@@ -12316,7 +12305,7 @@
                         <m:chr m:val="⃑"/>
                         <m:ctrlPr>
                           <a:rPr lang="en-US" altLang="ko-KR" i="1">
-                            <a:latin typeface="Cambria Math"/>
+                            <a:latin typeface="Cambria Math" panose="02040503050406030204" pitchFamily="18" charset="0"/>
                             <a:ea typeface="Cambria Math"/>
                           </a:rPr>
                         </m:ctrlPr>
@@ -12960,7 +12949,7 @@
             <p:spPr>
               <a:xfrm>
                 <a:off x="395535" y="1135063"/>
-                <a:ext cx="8280921" cy="4990918"/>
+                <a:ext cx="8280921" cy="5760359"/>
               </a:xfrm>
               <a:prstGeom prst="rect">
                 <a:avLst/>
@@ -13230,7 +13219,7 @@
                       <m:sSubPr>
                         <m:ctrlPr>
                           <a:rPr lang="en-US" altLang="ko-KR" sz="1400" i="1">
-                            <a:latin typeface="Cambria Math"/>
+                            <a:latin typeface="Cambria Math" panose="02040503050406030204" pitchFamily="18" charset="0"/>
                             <a:ea typeface="Cambria Math"/>
                           </a:rPr>
                         </m:ctrlPr>
@@ -13273,7 +13262,7 @@
                         <m:chr m:val="⃑"/>
                         <m:ctrlPr>
                           <a:rPr lang="en-US" altLang="ko-KR" sz="1400" i="1">
-                            <a:latin typeface="Cambria Math"/>
+                            <a:latin typeface="Cambria Math" panose="02040503050406030204" pitchFamily="18" charset="0"/>
                             <a:ea typeface="Cambria Math"/>
                           </a:rPr>
                         </m:ctrlPr>
@@ -13306,29 +13295,7 @@
                     <a:ea typeface="굴림"/>
                     <a:cs typeface="Tahoma" panose="020B0604030504040204" pitchFamily="34" charset="0"/>
                   </a:rPr>
-                  <a:t> are </a:t>
-                </a:r>
-                <a:r>
-                  <a:rPr lang="en-US" altLang="ko-KR" sz="1400" kern="0" dirty="0" smtClean="0">
-                    <a:solidFill>
-                      <a:srgbClr val="000000"/>
-                    </a:solidFill>
-                    <a:latin typeface="Arial"/>
-                    <a:ea typeface="굴림"/>
-                    <a:cs typeface="Tahoma" panose="020B0604030504040204" pitchFamily="34" charset="0"/>
-                  </a:rPr>
-                  <a:t>N:</a:t>
-                </a:r>
-                <a:r>
-                  <a:rPr lang="en-US" altLang="ko-KR" sz="1400" kern="0" dirty="0" smtClean="0">
-                    <a:solidFill>
-                      <a:srgbClr val="000000"/>
-                    </a:solidFill>
-                    <a:latin typeface="Arial"/>
-                    <a:ea typeface="굴림"/>
-                    <a:cs typeface="Tahoma" panose="020B0604030504040204" pitchFamily="34" charset="0"/>
-                  </a:rPr>
-                  <a:t>		//There is no Exploration</a:t>
+                  <a:t> are N:		//There is no Exploration</a:t>
                 </a:r>
               </a:p>
               <a:p>
@@ -13349,7 +13316,7 @@
                       <m:sSubPr>
                         <m:ctrlPr>
                           <a:rPr lang="en-US" altLang="ko-KR" sz="1400" i="1">
-                            <a:latin typeface="Cambria Math"/>
+                            <a:latin typeface="Cambria Math" panose="02040503050406030204" pitchFamily="18" charset="0"/>
                             <a:ea typeface="Cambria Math"/>
                           </a:rPr>
                         </m:ctrlPr>
@@ -13394,7 +13361,7 @@
                         <m:chr m:val="⃑"/>
                         <m:ctrlPr>
                           <a:rPr lang="en-US" altLang="ko-KR" sz="1400" i="1">
-                            <a:latin typeface="Cambria Math"/>
+                            <a:latin typeface="Cambria Math" panose="02040503050406030204" pitchFamily="18" charset="0"/>
                             <a:ea typeface="Cambria Math"/>
                           </a:rPr>
                         </m:ctrlPr>
@@ -13482,7 +13449,7 @@
                       <m:sSubPr>
                         <m:ctrlPr>
                           <a:rPr lang="en-US" altLang="ko-KR" sz="1400" i="1" smtClean="0">
-                            <a:latin typeface="Cambria Math"/>
+                            <a:latin typeface="Cambria Math" panose="02040503050406030204" pitchFamily="18" charset="0"/>
                             <a:ea typeface="Cambria Math"/>
                           </a:rPr>
                         </m:ctrlPr>
@@ -13520,7 +13487,7 @@
                       <m:funcPr>
                         <m:ctrlPr>
                           <a:rPr lang="en-US" altLang="ko-KR" sz="1400" i="1">
-                            <a:latin typeface="Cambria Math"/>
+                            <a:latin typeface="Cambria Math" panose="02040503050406030204" pitchFamily="18" charset="0"/>
                             <a:ea typeface="Cambria Math"/>
                           </a:rPr>
                         </m:ctrlPr>
@@ -13530,7 +13497,7 @@
                           <m:limLowPr>
                             <m:ctrlPr>
                               <a:rPr lang="en-US" altLang="ko-KR" sz="1400" i="1">
-                                <a:latin typeface="Cambria Math"/>
+                                <a:latin typeface="Cambria Math" panose="02040503050406030204" pitchFamily="18" charset="0"/>
                                 <a:ea typeface="Cambria Math"/>
                               </a:rPr>
                             </m:ctrlPr>
@@ -13587,7 +13554,7 @@
                           <m:sSubPr>
                             <m:ctrlPr>
                               <a:rPr lang="en-US" altLang="ko-KR" sz="1400" b="0" i="1" smtClean="0">
-                                <a:latin typeface="Cambria Math"/>
+                                <a:latin typeface="Cambria Math" panose="02040503050406030204" pitchFamily="18" charset="0"/>
                                 <a:ea typeface="Cambria Math"/>
                               </a:rPr>
                             </m:ctrlPr>
@@ -13630,7 +13597,7 @@
                             <m:chr m:val="⃑"/>
                             <m:ctrlPr>
                               <a:rPr lang="en-US" altLang="ko-KR" sz="1400" b="0" i="1" smtClean="0">
-                                <a:latin typeface="Cambria Math"/>
+                                <a:latin typeface="Cambria Math" panose="02040503050406030204" pitchFamily="18" charset="0"/>
                                 <a:ea typeface="Cambria Math"/>
                               </a:rPr>
                             </m:ctrlPr>
@@ -13729,7 +13696,7 @@
                       <m:sSubPr>
                         <m:ctrlPr>
                           <a:rPr lang="en-US" altLang="ko-KR" sz="1400" i="1">
-                            <a:latin typeface="Cambria Math"/>
+                            <a:latin typeface="Cambria Math" panose="02040503050406030204" pitchFamily="18" charset="0"/>
                             <a:ea typeface="Cambria Math"/>
                           </a:rPr>
                         </m:ctrlPr>
@@ -13768,7 +13735,7 @@
                         <m:chr m:val="⃑"/>
                         <m:ctrlPr>
                           <a:rPr lang="en-US" altLang="ko-KR" sz="1400" i="1">
-                            <a:latin typeface="Cambria Math"/>
+                            <a:latin typeface="Cambria Math" panose="02040503050406030204" pitchFamily="18" charset="0"/>
                             <a:ea typeface="Cambria Math"/>
                           </a:rPr>
                         </m:ctrlPr>
@@ -13843,7 +13810,7 @@
                       <m:sSubSupPr>
                         <m:ctrlPr>
                           <a:rPr lang="en-US" altLang="ko-KR" sz="1400" i="1" kern="0">
-                            <a:latin typeface="Cambria Math"/>
+                            <a:latin typeface="Cambria Math" panose="02040503050406030204" pitchFamily="18" charset="0"/>
                             <a:ea typeface="Cambria Math"/>
                             <a:cs typeface="Tahoma" panose="020B0604030504040204" pitchFamily="34" charset="0"/>
                           </a:rPr>
@@ -13920,7 +13887,7 @@
                       <m:sSubSupPr>
                         <m:ctrlPr>
                           <a:rPr lang="en-US" altLang="ko-KR" sz="1400" i="1" kern="0">
-                            <a:latin typeface="Cambria Math"/>
+                            <a:latin typeface="Cambria Math" panose="02040503050406030204" pitchFamily="18" charset="0"/>
                             <a:ea typeface="Cambria Math"/>
                             <a:cs typeface="Tahoma" panose="020B0604030504040204" pitchFamily="34" charset="0"/>
                           </a:rPr>
@@ -14033,7 +14000,7 @@
                       <m:sSubPr>
                         <m:ctrlPr>
                           <a:rPr lang="en-US" altLang="ko-KR" sz="1400" i="1">
-                            <a:latin typeface="Cambria Math"/>
+                            <a:latin typeface="Cambria Math" panose="02040503050406030204" pitchFamily="18" charset="0"/>
                             <a:ea typeface="Cambria Math"/>
                           </a:rPr>
                         </m:ctrlPr>
@@ -14069,7 +14036,7 @@
                         <m:chr m:val="∑"/>
                         <m:ctrlPr>
                           <a:rPr lang="ko-KR" altLang="ko-KR" sz="1400" i="1">
-                            <a:latin typeface="Cambria Math"/>
+                            <a:latin typeface="Cambria Math" panose="02040503050406030204" pitchFamily="18" charset="0"/>
                           </a:rPr>
                         </m:ctrlPr>
                       </m:naryPr>
@@ -14112,7 +14079,7 @@
                           <m:sSubSupPr>
                             <m:ctrlPr>
                               <a:rPr lang="ko-KR" altLang="ko-KR" sz="1400" i="1">
-                                <a:latin typeface="Cambria Math"/>
+                                <a:latin typeface="Cambria Math" panose="02040503050406030204" pitchFamily="18" charset="0"/>
                               </a:rPr>
                             </m:ctrlPr>
                           </m:sSubSupPr>
@@ -14157,7 +14124,7 @@
                           <m:dPr>
                             <m:ctrlPr>
                               <a:rPr lang="ko-KR" altLang="ko-KR" sz="1400" i="1">
-                                <a:latin typeface="Cambria Math"/>
+                                <a:latin typeface="Cambria Math" panose="02040503050406030204" pitchFamily="18" charset="0"/>
                               </a:rPr>
                             </m:ctrlPr>
                           </m:dPr>
@@ -14166,7 +14133,7 @@
                               <m:sSubSupPr>
                                 <m:ctrlPr>
                                   <a:rPr lang="ko-KR" altLang="ko-KR" sz="1400" i="1">
-                                    <a:latin typeface="Cambria Math"/>
+                                    <a:latin typeface="Cambria Math" panose="02040503050406030204" pitchFamily="18" charset="0"/>
                                   </a:rPr>
                                 </m:ctrlPr>
                               </m:sSubSupPr>
@@ -14268,7 +14235,7 @@
                 <a14:m>
                   <m:oMath xmlns:m="http://schemas.openxmlformats.org/officeDocument/2006/math">
                     <m:r>
-                      <a:rPr lang="en-US" altLang="ko-KR" sz="1400" i="1">
+                      <a:rPr lang="en-US" altLang="ko-KR" sz="1400" i="1" smtClean="0">
                         <a:latin typeface="Cambria Math"/>
                       </a:rPr>
                       <m:t>𝑄</m:t>
@@ -14277,7 +14244,7 @@
                       <m:dPr>
                         <m:ctrlPr>
                           <a:rPr lang="en-US" altLang="ko-KR" sz="1400" i="1">
-                            <a:latin typeface="Cambria Math"/>
+                            <a:latin typeface="Cambria Math" panose="02040503050406030204" pitchFamily="18" charset="0"/>
                           </a:rPr>
                         </m:ctrlPr>
                       </m:dPr>
@@ -14286,7 +14253,7 @@
                           <m:sSubPr>
                             <m:ctrlPr>
                               <a:rPr lang="en-US" altLang="ko-KR" sz="1400" i="1">
-                                <a:latin typeface="Cambria Math"/>
+                                <a:latin typeface="Cambria Math" panose="02040503050406030204" pitchFamily="18" charset="0"/>
                               </a:rPr>
                             </m:ctrlPr>
                           </m:sSubPr>
@@ -14317,7 +14284,7 @@
                           <m:sSubPr>
                             <m:ctrlPr>
                               <a:rPr lang="en-US" altLang="ko-KR" sz="1400" i="1">
-                                <a:latin typeface="Cambria Math"/>
+                                <a:latin typeface="Cambria Math" panose="02040503050406030204" pitchFamily="18" charset="0"/>
                               </a:rPr>
                             </m:ctrlPr>
                           </m:sSubPr>
@@ -14351,7 +14318,7 @@
                       <m:dPr>
                         <m:ctrlPr>
                           <a:rPr lang="en-US" altLang="ko-KR" sz="1400" i="1">
-                            <a:latin typeface="Cambria Math"/>
+                            <a:latin typeface="Cambria Math" panose="02040503050406030204" pitchFamily="18" charset="0"/>
                             <a:ea typeface="Cambria Math"/>
                           </a:rPr>
                         </m:ctrlPr>
@@ -14391,7 +14358,7 @@
                       <m:dPr>
                         <m:ctrlPr>
                           <a:rPr lang="en-US" altLang="ko-KR" sz="1400" i="1">
-                            <a:latin typeface="Cambria Math"/>
+                            <a:latin typeface="Cambria Math" panose="02040503050406030204" pitchFamily="18" charset="0"/>
                             <a:ea typeface="Cambria Math"/>
                           </a:rPr>
                         </m:ctrlPr>
@@ -14401,7 +14368,7 @@
                           <m:sSubPr>
                             <m:ctrlPr>
                               <a:rPr lang="en-US" altLang="ko-KR" sz="1400" i="1">
-                                <a:latin typeface="Cambria Math"/>
+                                <a:latin typeface="Cambria Math" panose="02040503050406030204" pitchFamily="18" charset="0"/>
                                 <a:ea typeface="Cambria Math"/>
                               </a:rPr>
                             </m:ctrlPr>
@@ -14436,7 +14403,7 @@
                           <m:sSubPr>
                             <m:ctrlPr>
                               <a:rPr lang="en-US" altLang="ko-KR" sz="1400" i="1">
-                                <a:latin typeface="Cambria Math"/>
+                                <a:latin typeface="Cambria Math" panose="02040503050406030204" pitchFamily="18" charset="0"/>
                                 <a:ea typeface="Cambria Math"/>
                               </a:rPr>
                             </m:ctrlPr>
@@ -14487,7 +14454,7 @@
                       <m:sSubPr>
                         <m:ctrlPr>
                           <a:rPr lang="en-US" altLang="ko-KR" sz="1400" i="1">
-                            <a:latin typeface="Cambria Math"/>
+                            <a:latin typeface="Cambria Math" panose="02040503050406030204" pitchFamily="18" charset="0"/>
                             <a:ea typeface="Cambria Math"/>
                           </a:rPr>
                         </m:ctrlPr>
@@ -14536,7 +14503,7 @@
                       <m:funcPr>
                         <m:ctrlPr>
                           <a:rPr lang="en-US" altLang="ko-KR" sz="1400" i="1">
-                            <a:latin typeface="Cambria Math"/>
+                            <a:latin typeface="Cambria Math" panose="02040503050406030204" pitchFamily="18" charset="0"/>
                             <a:ea typeface="Cambria Math"/>
                           </a:rPr>
                         </m:ctrlPr>
@@ -14546,7 +14513,7 @@
                           <m:limLowPr>
                             <m:ctrlPr>
                               <a:rPr lang="en-US" altLang="ko-KR" sz="1400" i="1">
-                                <a:latin typeface="Cambria Math"/>
+                                <a:latin typeface="Cambria Math" panose="02040503050406030204" pitchFamily="18" charset="0"/>
                                 <a:ea typeface="Cambria Math"/>
                               </a:rPr>
                             </m:ctrlPr>
@@ -14593,7 +14560,7 @@
                           <m:sSubPr>
                             <m:ctrlPr>
                               <a:rPr lang="en-US" altLang="ko-KR" sz="1400" i="1">
-                                <a:latin typeface="Cambria Math"/>
+                                <a:latin typeface="Cambria Math" panose="02040503050406030204" pitchFamily="18" charset="0"/>
                                 <a:ea typeface="Cambria Math"/>
                               </a:rPr>
                             </m:ctrlPr>
@@ -14651,8 +14618,134 @@
                 </a14:m>
                 <a:r>
                   <a:rPr lang="en-US" altLang="ko-KR" sz="1400" dirty="0" smtClean="0"/>
-                  <a:t>;	//Update Q Value</a:t>
+                  <a:t>;	//Update Q </a:t>
                 </a:r>
+                <a:r>
+                  <a:rPr lang="en-US" altLang="ko-KR" sz="1400" dirty="0" smtClean="0"/>
+                  <a:t>Value</a:t>
+                </a:r>
+                <a:endParaRPr lang="en-US" altLang="ko-KR" sz="2000" kern="0" dirty="0">
+                  <a:solidFill>
+                    <a:srgbClr val="000000"/>
+                  </a:solidFill>
+                  <a:latin typeface="Arial"/>
+                  <a:ea typeface="굴림"/>
+                  <a:cs typeface="Tahoma" panose="020B0604030504040204" pitchFamily="34" charset="0"/>
+                </a:endParaRPr>
+              </a:p>
+              <a:p>
+                <a:pPr marL="648000" lvl="1" indent="-285750" fontAlgn="t">
+                  <a:spcBef>
+                    <a:spcPct val="20000"/>
+                  </a:spcBef>
+                  <a:buClr>
+                    <a:srgbClr val="A20000"/>
+                  </a:buClr>
+                  <a:buSzPct val="100000"/>
+                  <a:buFont typeface="Wingdings" pitchFamily="2" charset="2"/>
+                  <a:buChar char="l"/>
+                </a:pPr>
+                <a14:m>
+                  <m:oMath xmlns:m="http://schemas.openxmlformats.org/officeDocument/2006/math">
+                    <m:r>
+                      <a:rPr lang="ko-KR" altLang="en-US" sz="1400" i="1">
+                        <a:latin typeface="Cambria Math"/>
+                      </a:rPr>
+                      <m:t>𝜋</m:t>
+                    </m:r>
+                    <m:r>
+                      <a:rPr lang="en-US" altLang="ko-KR" sz="1400" i="1">
+                        <a:latin typeface="Cambria Math"/>
+                      </a:rPr>
+                      <m:t>=</m:t>
+                    </m:r>
+                    <m:acc>
+                      <m:accPr>
+                        <m:chr m:val="⃑"/>
+                        <m:ctrlPr>
+                          <a:rPr lang="en-US" altLang="ko-KR" sz="1400" i="1">
+                            <a:latin typeface="Cambria Math" panose="02040503050406030204" pitchFamily="18" charset="0"/>
+                            <a:ea typeface="Cambria Math"/>
+                          </a:rPr>
+                        </m:ctrlPr>
+                      </m:accPr>
+                      <m:e>
+                        <m:r>
+                          <a:rPr lang="en-US" altLang="ko-KR" sz="1400" i="1">
+                            <a:latin typeface="Cambria Math"/>
+                            <a:ea typeface="Cambria Math"/>
+                          </a:rPr>
+                          <m:t>𝑎</m:t>
+                        </m:r>
+                      </m:e>
+                    </m:acc>
+                  </m:oMath>
+                </a14:m>
+                <a:r>
+                  <a:rPr lang="en-US" altLang="ko-KR" sz="1400" kern="0" dirty="0" smtClean="0">
+                    <a:solidFill>
+                      <a:srgbClr val="000000"/>
+                    </a:solidFill>
+                    <a:latin typeface="Arial"/>
+                    <a:ea typeface="굴림"/>
+                    <a:cs typeface="Tahoma" panose="020B0604030504040204" pitchFamily="34" charset="0"/>
+                  </a:rPr>
+                  <a:t>;</a:t>
+                </a:r>
+                <a:r>
+                  <a:rPr lang="en-US" altLang="ko-KR" sz="1400" kern="0" dirty="0">
+                    <a:solidFill>
+                      <a:srgbClr val="000000"/>
+                    </a:solidFill>
+                    <a:latin typeface="Arial"/>
+                    <a:ea typeface="굴림"/>
+                    <a:cs typeface="Tahoma" panose="020B0604030504040204" pitchFamily="34" charset="0"/>
+                  </a:rPr>
+                  <a:t>				</a:t>
+                </a:r>
+                <a:r>
+                  <a:rPr lang="en-US" altLang="ko-KR" sz="1400" kern="0" dirty="0" smtClean="0">
+                    <a:solidFill>
+                      <a:srgbClr val="000000"/>
+                    </a:solidFill>
+                    <a:latin typeface="Arial"/>
+                    <a:ea typeface="굴림"/>
+                    <a:cs typeface="Tahoma" panose="020B0604030504040204" pitchFamily="34" charset="0"/>
+                  </a:rPr>
+                  <a:t>//</a:t>
+                </a:r>
+                <a:r>
+                  <a:rPr lang="en-US" altLang="ko-KR" sz="1400" kern="0" smtClean="0">
+                    <a:solidFill>
+                      <a:srgbClr val="000000"/>
+                    </a:solidFill>
+                    <a:latin typeface="Arial"/>
+                    <a:ea typeface="굴림"/>
+                    <a:cs typeface="Tahoma" panose="020B0604030504040204" pitchFamily="34" charset="0"/>
+                  </a:rPr>
+                  <a:t>Set Policy</a:t>
+                </a:r>
+                <a:endParaRPr lang="en-US" altLang="ko-KR" sz="1400" kern="0" dirty="0">
+                  <a:solidFill>
+                    <a:srgbClr val="000000"/>
+                  </a:solidFill>
+                  <a:latin typeface="Arial"/>
+                  <a:ea typeface="굴림"/>
+                  <a:cs typeface="Tahoma" panose="020B0604030504040204" pitchFamily="34" charset="0"/>
+                </a:endParaRPr>
+              </a:p>
+              <a:p>
+                <a:pPr marL="1105200" lvl="2" indent="-285750" fontAlgn="t">
+                  <a:spcBef>
+                    <a:spcPct val="20000"/>
+                  </a:spcBef>
+                  <a:buClr>
+                    <a:srgbClr val="A20000"/>
+                  </a:buClr>
+                  <a:buSzPct val="100000"/>
+                  <a:buFont typeface="Wingdings" pitchFamily="2" charset="2"/>
+                  <a:buChar char="l"/>
+                </a:pPr>
                 <a:endParaRPr lang="en-US" altLang="ko-KR" sz="1600" dirty="0"/>
               </a:p>
               <a:p>
@@ -14687,15 +14780,15 @@
             <p:spPr>
               <a:xfrm>
                 <a:off x="395535" y="1135063"/>
-                <a:ext cx="8280921" cy="4990918"/>
+                <a:ext cx="8280921" cy="5760359"/>
               </a:xfrm>
               <a:prstGeom prst="rect">
                 <a:avLst/>
               </a:prstGeom>
-              <a:blipFill rotWithShape="1">
+              <a:blipFill rotWithShape="0">
                 <a:blip r:embed="rId3"/>
                 <a:stretch>
-                  <a:fillRect l="-1031" t="-977"/>
+                  <a:fillRect l="-1031" t="-847"/>
                 </a:stretch>
               </a:blipFill>
             </p:spPr>
@@ -15322,7 +15415,7 @@
         <p:spPr>
           <a:xfrm>
             <a:off x="395535" y="1135063"/>
-            <a:ext cx="8353177" cy="4118050"/>
+            <a:ext cx="8353177" cy="4191917"/>
           </a:xfrm>
           <a:prstGeom prst="rect">
             <a:avLst/>
@@ -15410,8 +15503,20 @@
                 <a:ea typeface="굴림"/>
                 <a:cs typeface="Tahoma" panose="020B0604030504040204" pitchFamily="34" charset="0"/>
               </a:rPr>
-              <a:t>MDP</a:t>
+              <a:t>MDP </a:t>
             </a:r>
+            <a:r>
+              <a:rPr lang="en-US" altLang="ko-KR" sz="2000" dirty="0"/>
+              <a:t> &amp; Q Learning</a:t>
+            </a:r>
+            <a:endParaRPr lang="en-US" altLang="ko-KR" sz="2000" kern="0" dirty="0" smtClean="0">
+              <a:solidFill>
+                <a:srgbClr val="000000"/>
+              </a:solidFill>
+              <a:latin typeface="Arial"/>
+              <a:ea typeface="굴림"/>
+              <a:cs typeface="Tahoma" panose="020B0604030504040204" pitchFamily="34" charset="0"/>
+            </a:endParaRPr>
           </a:p>
           <a:p>
             <a:pPr marL="648000" lvl="1" indent="-285750" fontAlgn="t">
@@ -15884,7 +15989,7 @@
               <p:nvPr>
                 <p:extLst>
                   <p:ext uri="{D42A27DB-BD31-4B8C-83A1-F6EECF244321}">
-                    <p14:modId xmlns:p14="http://schemas.microsoft.com/office/powerpoint/2010/main" val="1719377141"/>
+                    <p14:modId xmlns:p14="http://schemas.microsoft.com/office/powerpoint/2010/main" val="3921757159"/>
                   </p:ext>
                 </p:extLst>
               </p:nvPr>
@@ -15903,14 +16008,14 @@
                     <a:gridCol w="2698525">
                       <a:extLst>
                         <a:ext uri="{9D8B030D-6E8A-4147-A177-3AD203B41FA5}">
-                          <a16:colId xmlns="" xmlns:a16="http://schemas.microsoft.com/office/drawing/2014/main" val="20000"/>
+                          <a16:colId xmlns:a16="http://schemas.microsoft.com/office/drawing/2014/main" xmlns="" val="20000"/>
                         </a:ext>
                       </a:extLst>
                     </a:gridCol>
                     <a:gridCol w="4502275">
                       <a:extLst>
                         <a:ext uri="{9D8B030D-6E8A-4147-A177-3AD203B41FA5}">
-                          <a16:colId xmlns="" xmlns:a16="http://schemas.microsoft.com/office/drawing/2014/main" val="20001"/>
+                          <a16:colId xmlns:a16="http://schemas.microsoft.com/office/drawing/2014/main" xmlns="" val="20001"/>
                         </a:ext>
                       </a:extLst>
                     </a:gridCol>
@@ -15956,7 +16061,7 @@
                     </a:tc>
                     <a:extLst>
                       <a:ext uri="{0D108BD9-81ED-4DB2-BD59-A6C34878D82A}">
-                        <a16:rowId xmlns="" xmlns:a16="http://schemas.microsoft.com/office/drawing/2014/main" val="10000"/>
+                        <a16:rowId xmlns:a16="http://schemas.microsoft.com/office/drawing/2014/main" xmlns="" val="10000"/>
                       </a:ext>
                     </a:extLst>
                   </a:tr>
@@ -16057,7 +16162,7 @@
                     </a:tc>
                     <a:extLst>
                       <a:ext uri="{0D108BD9-81ED-4DB2-BD59-A6C34878D82A}">
-                        <a16:rowId xmlns="" xmlns:a16="http://schemas.microsoft.com/office/drawing/2014/main" val="10001"/>
+                        <a16:rowId xmlns:a16="http://schemas.microsoft.com/office/drawing/2014/main" xmlns="" val="10001"/>
                       </a:ext>
                     </a:extLst>
                   </a:tr>
@@ -16078,7 +16183,7 @@
                                   <m:sSubPr>
                                     <m:ctrlPr>
                                       <a:rPr lang="en-US" altLang="ko-KR" sz="1500" i="1" smtClean="0">
-                                        <a:latin typeface="Cambria Math"/>
+                                        <a:latin typeface="Cambria Math" panose="02040503050406030204" pitchFamily="18" charset="0"/>
                                       </a:rPr>
                                     </m:ctrlPr>
                                   </m:sSubPr>
@@ -16145,7 +16250,7 @@
                                     <m:endChr m:val="}"/>
                                     <m:ctrlPr>
                                       <a:rPr lang="en-US" altLang="ko-KR" sz="1500" i="1" smtClean="0">
-                                        <a:latin typeface="Cambria Math"/>
+                                        <a:latin typeface="Cambria Math" panose="02040503050406030204" pitchFamily="18" charset="0"/>
                                       </a:rPr>
                                     </m:ctrlPr>
                                   </m:dPr>
@@ -16162,7 +16267,7 @@
                                         </m:mcs>
                                         <m:ctrlPr>
                                           <a:rPr lang="en-US" altLang="ko-KR" sz="1500" i="1">
-                                            <a:latin typeface="Cambria Math"/>
+                                            <a:latin typeface="Cambria Math" panose="02040503050406030204" pitchFamily="18" charset="0"/>
                                           </a:rPr>
                                         </m:ctrlPr>
                                       </m:mPr>
@@ -16190,7 +16295,7 @@
                                                   <a:solidFill>
                                                     <a:srgbClr val="000000"/>
                                                   </a:solidFill>
-                                                  <a:latin typeface="Cambria Math"/>
+                                                  <a:latin typeface="Cambria Math" panose="02040503050406030204" pitchFamily="18" charset="0"/>
                                                   <a:ea typeface="Cambria Math"/>
                                                   <a:cs typeface="Tahoma" panose="020B0604030504040204" pitchFamily="34" charset="0"/>
                                                 </a:rPr>
@@ -16316,7 +16421,7 @@
                                                   <a:solidFill>
                                                     <a:srgbClr val="000000"/>
                                                   </a:solidFill>
-                                                  <a:latin typeface="Cambria Math"/>
+                                                  <a:latin typeface="Cambria Math" panose="02040503050406030204" pitchFamily="18" charset="0"/>
                                                   <a:ea typeface="Cambria Math"/>
                                                   <a:cs typeface="Tahoma" panose="020B0604030504040204" pitchFamily="34" charset="0"/>
                                                 </a:rPr>
@@ -16377,7 +16482,7 @@
                                                   <a:solidFill>
                                                     <a:srgbClr val="000000"/>
                                                   </a:solidFill>
-                                                  <a:latin typeface="Cambria Math"/>
+                                                  <a:latin typeface="Cambria Math" panose="02040503050406030204" pitchFamily="18" charset="0"/>
                                                   <a:ea typeface="Cambria Math"/>
                                                   <a:cs typeface="Tahoma" panose="020B0604030504040204" pitchFamily="34" charset="0"/>
                                                 </a:rPr>
@@ -16488,7 +16593,7 @@
                                                   <a:solidFill>
                                                     <a:srgbClr val="000000"/>
                                                   </a:solidFill>
-                                                  <a:latin typeface="Cambria Math"/>
+                                                  <a:latin typeface="Cambria Math" panose="02040503050406030204" pitchFamily="18" charset="0"/>
                                                   <a:ea typeface="Cambria Math"/>
                                                   <a:cs typeface="Tahoma" panose="020B0604030504040204" pitchFamily="34" charset="0"/>
                                                 </a:rPr>
@@ -16570,7 +16675,7 @@
                                         <a:solidFill>
                                           <a:srgbClr val="000000"/>
                                         </a:solidFill>
-                                        <a:latin typeface="Cambria Math"/>
+                                        <a:latin typeface="Cambria Math" panose="02040503050406030204" pitchFamily="18" charset="0"/>
                                         <a:ea typeface="+mn-ea"/>
                                         <a:cs typeface="Tahoma" panose="020B0604030504040204" pitchFamily="34" charset="0"/>
                                       </a:rPr>
@@ -16673,7 +16778,7 @@
                                       <a:solidFill>
                                         <a:srgbClr val="000000"/>
                                       </a:solidFill>
-                                      <a:latin typeface="Cambria Math"/>
+                                      <a:latin typeface="Cambria Math" panose="02040503050406030204" pitchFamily="18" charset="0"/>
                                       <a:ea typeface="Cambria Math"/>
                                       <a:cs typeface="Tahoma" panose="020B0604030504040204" pitchFamily="34" charset="0"/>
                                     </a:rPr>
@@ -16736,7 +16841,7 @@
                                       <a:solidFill>
                                         <a:srgbClr val="000000"/>
                                       </a:solidFill>
-                                      <a:latin typeface="Cambria Math"/>
+                                      <a:latin typeface="Cambria Math" panose="02040503050406030204" pitchFamily="18" charset="0"/>
                                       <a:ea typeface="Cambria Math"/>
                                       <a:cs typeface="Tahoma" panose="020B0604030504040204" pitchFamily="34" charset="0"/>
                                     </a:rPr>
@@ -16817,7 +16922,7 @@
                                         <a:solidFill>
                                           <a:schemeClr val="tx1"/>
                                         </a:solidFill>
-                                        <a:latin typeface="Cambria Math"/>
+                                        <a:latin typeface="Cambria Math" panose="02040503050406030204" pitchFamily="18" charset="0"/>
                                       </a:rPr>
                                     </m:ctrlPr>
                                   </m:sSubSupPr>
@@ -16893,7 +16998,7 @@
                                       <a:solidFill>
                                         <a:srgbClr val="000000"/>
                                       </a:solidFill>
-                                      <a:latin typeface="Cambria Math"/>
+                                      <a:latin typeface="Cambria Math" panose="02040503050406030204" pitchFamily="18" charset="0"/>
                                       <a:ea typeface="Cambria Math"/>
                                       <a:cs typeface="Tahoma" panose="020B0604030504040204" pitchFamily="34" charset="0"/>
                                     </a:rPr>
@@ -17003,7 +17108,7 @@
                                         <a:solidFill>
                                           <a:srgbClr val="000000"/>
                                         </a:solidFill>
-                                        <a:latin typeface="Cambria Math"/>
+                                        <a:latin typeface="Cambria Math" panose="02040503050406030204" pitchFamily="18" charset="0"/>
                                         <a:cs typeface="Tahoma" panose="020B0604030504040204" pitchFamily="34" charset="0"/>
                                       </a:rPr>
                                     </m:ctrlPr>
@@ -17060,7 +17165,7 @@
                                         <a:solidFill>
                                           <a:srgbClr val="000000"/>
                                         </a:solidFill>
-                                        <a:latin typeface="Cambria Math"/>
+                                        <a:latin typeface="Cambria Math" panose="02040503050406030204" pitchFamily="18" charset="0"/>
                                         <a:ea typeface="Cambria Math"/>
                                         <a:cs typeface="Tahoma" panose="020B0604030504040204" pitchFamily="34" charset="0"/>
                                       </a:rPr>
@@ -17259,7 +17364,7 @@
                                         <a:solidFill>
                                           <a:srgbClr val="000000"/>
                                         </a:solidFill>
-                                        <a:latin typeface="Cambria Math"/>
+                                        <a:latin typeface="Cambria Math" panose="02040503050406030204" pitchFamily="18" charset="0"/>
                                         <a:ea typeface="Cambria Math"/>
                                         <a:cs typeface="Tahoma" panose="020B0604030504040204" pitchFamily="34" charset="0"/>
                                       </a:rPr>
@@ -17337,7 +17442,7 @@
                                 <m:sSubPr>
                                   <m:ctrlPr>
                                     <a:rPr lang="en-US" altLang="ko-KR" sz="1500" i="1" baseline="0" smtClean="0">
-                                      <a:latin typeface="Cambria Math"/>
+                                      <a:latin typeface="Cambria Math" panose="02040503050406030204" pitchFamily="18" charset="0"/>
                                     </a:rPr>
                                   </m:ctrlPr>
                                 </m:sSubPr>
@@ -17371,7 +17476,7 @@
                     </a:tc>
                     <a:extLst>
                       <a:ext uri="{0D108BD9-81ED-4DB2-BD59-A6C34878D82A}">
-                        <a16:rowId xmlns="" xmlns:a16="http://schemas.microsoft.com/office/drawing/2014/main" val="10004"/>
+                        <a16:rowId xmlns:a16="http://schemas.microsoft.com/office/drawing/2014/main" xmlns="" val="10004"/>
                       </a:ext>
                     </a:extLst>
                   </a:tr>
@@ -17395,7 +17500,7 @@
                                         <a:solidFill>
                                           <a:srgbClr val="000000"/>
                                         </a:solidFill>
-                                        <a:latin typeface="Cambria Math"/>
+                                        <a:latin typeface="Cambria Math" panose="02040503050406030204" pitchFamily="18" charset="0"/>
                                         <a:ea typeface="Cambria Math"/>
                                         <a:cs typeface="Tahoma" panose="020B0604030504040204" pitchFamily="34" charset="0"/>
                                       </a:rPr>
@@ -17473,7 +17578,7 @@
                                 <m:sSubPr>
                                   <m:ctrlPr>
                                     <a:rPr lang="en-US" altLang="ko-KR" sz="1500" i="1" baseline="0" smtClean="0">
-                                      <a:latin typeface="Cambria Math"/>
+                                      <a:latin typeface="Cambria Math" panose="02040503050406030204" pitchFamily="18" charset="0"/>
                                     </a:rPr>
                                   </m:ctrlPr>
                                 </m:sSubPr>
@@ -17586,7 +17691,7 @@
                                         <a:solidFill>
                                           <a:srgbClr val="000000"/>
                                         </a:solidFill>
-                                        <a:latin typeface="Cambria Math"/>
+                                        <a:latin typeface="Cambria Math" panose="02040503050406030204" pitchFamily="18" charset="0"/>
                                         <a:ea typeface="Cambria Math"/>
                                         <a:cs typeface="Tahoma" panose="020B0604030504040204" pitchFamily="34" charset="0"/>
                                       </a:rPr>
@@ -17668,7 +17773,7 @@
                                 <m:sSubPr>
                                   <m:ctrlPr>
                                     <a:rPr lang="en-US" altLang="ko-KR" sz="1500" i="1" baseline="0" smtClean="0">
-                                      <a:latin typeface="Cambria Math"/>
+                                      <a:latin typeface="Cambria Math" panose="02040503050406030204" pitchFamily="18" charset="0"/>
                                     </a:rPr>
                                   </m:ctrlPr>
                                 </m:sSubPr>
@@ -17702,7 +17807,7 @@
                     </a:tc>
                     <a:extLst>
                       <a:ext uri="{0D108BD9-81ED-4DB2-BD59-A6C34878D82A}">
-                        <a16:rowId xmlns="" xmlns:a16="http://schemas.microsoft.com/office/drawing/2014/main" val="10006"/>
+                        <a16:rowId xmlns:a16="http://schemas.microsoft.com/office/drawing/2014/main" xmlns="" val="10006"/>
                       </a:ext>
                     </a:extLst>
                   </a:tr>
@@ -17726,7 +17831,7 @@
                                         <a:solidFill>
                                           <a:srgbClr val="000000"/>
                                         </a:solidFill>
-                                        <a:latin typeface="Cambria Math"/>
+                                        <a:latin typeface="Cambria Math" panose="02040503050406030204" pitchFamily="18" charset="0"/>
                                         <a:ea typeface="+mn-ea"/>
                                         <a:cs typeface="Tahoma" panose="020B0604030504040204" pitchFamily="34" charset="0"/>
                                       </a:rPr>
@@ -17826,7 +17931,7 @@
                                 <m:sSubPr>
                                   <m:ctrlPr>
                                     <a:rPr lang="en-US" altLang="ko-KR" sz="1500" i="1" baseline="0" smtClean="0">
-                                      <a:latin typeface="Cambria Math"/>
+                                      <a:latin typeface="Cambria Math" panose="02040503050406030204" pitchFamily="18" charset="0"/>
                                     </a:rPr>
                                   </m:ctrlPr>
                                 </m:sSubPr>
@@ -17849,6 +17954,58 @@
                               </m:sSub>
                             </m:oMath>
                           </a14:m>
+                          <a:r>
+                            <a:rPr lang="ko-KR" altLang="en-US" sz="1500" dirty="0" smtClean="0"/>
+                            <a:t> </a:t>
+                          </a:r>
+                          <a:r>
+                            <a:rPr lang="en-US" altLang="ko-KR" sz="1500" i="0" dirty="0" smtClean="0"/>
+                            <a:t>associated with </a:t>
+                          </a:r>
+                          <a14:m>
+                            <m:oMath xmlns:m="http://schemas.openxmlformats.org/officeDocument/2006/math">
+                              <m:sSub>
+                                <m:sSubPr>
+                                  <m:ctrlPr>
+                                    <a:rPr lang="en-US" altLang="ko-KR" sz="1500" i="1" kern="0" smtClean="0">
+                                      <a:solidFill>
+                                        <a:srgbClr val="000000"/>
+                                      </a:solidFill>
+                                      <a:latin typeface="Cambria Math" panose="02040503050406030204" pitchFamily="18" charset="0"/>
+                                      <a:ea typeface="Cambria Math"/>
+                                      <a:cs typeface="Tahoma" panose="020B0604030504040204" pitchFamily="34" charset="0"/>
+                                    </a:rPr>
+                                  </m:ctrlPr>
+                                </m:sSubPr>
+                                <m:e>
+                                  <m:r>
+                                    <a:rPr lang="en-US" altLang="ko-KR" sz="1500" b="0" i="1" kern="0" smtClean="0">
+                                      <a:solidFill>
+                                        <a:srgbClr val="000000"/>
+                                      </a:solidFill>
+                                      <a:latin typeface="Cambria Math"/>
+                                      <a:ea typeface="Cambria Math"/>
+                                      <a:cs typeface="Tahoma" panose="020B0604030504040204" pitchFamily="34" charset="0"/>
+                                    </a:rPr>
+                                    <m:t>𝐴𝑃</m:t>
+                                  </m:r>
+                                </m:e>
+                                <m:sub>
+                                  <m:r>
+                                    <a:rPr lang="en-US" altLang="ko-KR" sz="1500" b="0" i="1" kern="0" smtClean="0">
+                                      <a:solidFill>
+                                        <a:srgbClr val="000000"/>
+                                      </a:solidFill>
+                                      <a:latin typeface="Cambria Math"/>
+                                      <a:ea typeface="Cambria Math"/>
+                                      <a:cs typeface="Tahoma" panose="020B0604030504040204" pitchFamily="34" charset="0"/>
+                                    </a:rPr>
+                                    <m:t>𝑗</m:t>
+                                  </m:r>
+                                </m:sub>
+                              </m:sSub>
+                            </m:oMath>
+                          </a14:m>
                           <a:endParaRPr lang="ko-KR" altLang="en-US" sz="1500" dirty="0"/>
                         </a:p>
                       </a:txBody>
@@ -17860,7 +18017,7 @@
                     </a:tc>
                     <a:extLst>
                       <a:ext uri="{0D108BD9-81ED-4DB2-BD59-A6C34878D82A}">
-                        <a16:rowId xmlns="" xmlns:a16="http://schemas.microsoft.com/office/drawing/2014/main" val="10007"/>
+                        <a16:rowId xmlns:a16="http://schemas.microsoft.com/office/drawing/2014/main" xmlns="" val="10007"/>
                       </a:ext>
                     </a:extLst>
                   </a:tr>
@@ -17884,7 +18041,7 @@
                                         <a:solidFill>
                                           <a:srgbClr val="000000"/>
                                         </a:solidFill>
-                                        <a:latin typeface="Cambria Math"/>
+                                        <a:latin typeface="Cambria Math" panose="02040503050406030204" pitchFamily="18" charset="0"/>
                                         <a:ea typeface="Cambria Math"/>
                                         <a:cs typeface="Tahoma" panose="020B0604030504040204" pitchFamily="34" charset="0"/>
                                       </a:rPr>
@@ -17972,7 +18129,7 @@
               <p:nvPr>
                 <p:extLst>
                   <p:ext uri="{D42A27DB-BD31-4B8C-83A1-F6EECF244321}">
-                    <p14:modId xmlns:p14="http://schemas.microsoft.com/office/powerpoint/2010/main" val="1719377141"/>
+                    <p14:modId xmlns:p14="http://schemas.microsoft.com/office/powerpoint/2010/main" val="3921757159"/>
                   </p:ext>
                 </p:extLst>
               </p:nvPr>
@@ -17991,14 +18148,14 @@
                     <a:gridCol w="2698525">
                       <a:extLst>
                         <a:ext uri="{9D8B030D-6E8A-4147-A177-3AD203B41FA5}">
-                          <a16:colId xmlns="" xmlns:a16="http://schemas.microsoft.com/office/drawing/2014/main" xmlns:a14="http://schemas.microsoft.com/office/drawing/2010/main" val="20000"/>
+                          <a16:colId xmlns:a16="http://schemas.microsoft.com/office/drawing/2014/main" xmlns="" xmlns:a14="http://schemas.microsoft.com/office/drawing/2010/main" val="20000"/>
                         </a:ext>
                       </a:extLst>
                     </a:gridCol>
                     <a:gridCol w="4502275">
                       <a:extLst>
                         <a:ext uri="{9D8B030D-6E8A-4147-A177-3AD203B41FA5}">
-                          <a16:colId xmlns="" xmlns:a16="http://schemas.microsoft.com/office/drawing/2014/main" xmlns:a14="http://schemas.microsoft.com/office/drawing/2010/main" val="20001"/>
+                          <a16:colId xmlns:a16="http://schemas.microsoft.com/office/drawing/2014/main" xmlns="" xmlns:a14="http://schemas.microsoft.com/office/drawing/2010/main" val="20001"/>
                         </a:ext>
                       </a:extLst>
                     </a:gridCol>
@@ -18044,7 +18201,7 @@
                     </a:tc>
                     <a:extLst>
                       <a:ext uri="{0D108BD9-81ED-4DB2-BD59-A6C34878D82A}">
-                        <a16:rowId xmlns="" xmlns:a16="http://schemas.microsoft.com/office/drawing/2014/main" xmlns:a14="http://schemas.microsoft.com/office/drawing/2010/main" val="10000"/>
+                        <a16:rowId xmlns:a16="http://schemas.microsoft.com/office/drawing/2014/main" xmlns="" xmlns:a14="http://schemas.microsoft.com/office/drawing/2010/main" val="10000"/>
                       </a:ext>
                     </a:extLst>
                   </a:tr>
@@ -18145,7 +18302,7 @@
                     </a:tc>
                     <a:extLst>
                       <a:ext uri="{0D108BD9-81ED-4DB2-BD59-A6C34878D82A}">
-                        <a16:rowId xmlns="" xmlns:a16="http://schemas.microsoft.com/office/drawing/2014/main" xmlns:a14="http://schemas.microsoft.com/office/drawing/2010/main" val="10001"/>
+                        <a16:rowId xmlns:a16="http://schemas.microsoft.com/office/drawing/2014/main" xmlns="" xmlns:a14="http://schemas.microsoft.com/office/drawing/2010/main" val="10001"/>
                       </a:ext>
                     </a:extLst>
                   </a:tr>
@@ -18159,10 +18316,10 @@
                         </a:p>
                       </a:txBody>
                       <a:tcPr anchor="ctr">
-                        <a:blipFill rotWithShape="1">
+                        <a:blipFill rotWithShape="0">
                           <a:blip r:embed="rId3"/>
                           <a:stretch>
-                            <a:fillRect t="-160606" r="-166817" b="-578788"/>
+                            <a:fillRect l="-226" t="-163265" r="-167720" b="-586735"/>
                           </a:stretch>
                         </a:blipFill>
                       </a:tcPr>
@@ -18176,10 +18333,10 @@
                         </a:p>
                       </a:txBody>
                       <a:tcPr anchor="ctr">
-                        <a:blipFill rotWithShape="1">
+                        <a:blipFill rotWithShape="0">
                           <a:blip r:embed="rId3"/>
                           <a:stretch>
-                            <a:fillRect l="-59946" t="-160606" b="-578788"/>
+                            <a:fillRect l="-60081" t="-163265" r="-541" b="-586735"/>
                           </a:stretch>
                         </a:blipFill>
                       </a:tcPr>
@@ -18195,10 +18352,10 @@
                         </a:p>
                       </a:txBody>
                       <a:tcPr anchor="ctr">
-                        <a:blipFill rotWithShape="1">
+                        <a:blipFill rotWithShape="0">
                           <a:blip r:embed="rId3"/>
                           <a:stretch>
-                            <a:fillRect t="-422951" r="-166817" b="-839344"/>
+                            <a:fillRect l="-226" t="-416129" r="-167720" b="-827419"/>
                           </a:stretch>
                         </a:blipFill>
                       </a:tcPr>
@@ -18212,10 +18369,10 @@
                         </a:p>
                       </a:txBody>
                       <a:tcPr anchor="ctr">
-                        <a:blipFill rotWithShape="1">
+                        <a:blipFill rotWithShape="0">
                           <a:blip r:embed="rId3"/>
                           <a:stretch>
-                            <a:fillRect l="-59946" t="-422951" b="-839344"/>
+                            <a:fillRect l="-60081" t="-416129" r="-541" b="-827419"/>
                           </a:stretch>
                         </a:blipFill>
                       </a:tcPr>
@@ -18231,10 +18388,10 @@
                         </a:p>
                       </a:txBody>
                       <a:tcPr anchor="ctr">
-                        <a:blipFill rotWithShape="1">
+                        <a:blipFill rotWithShape="0">
                           <a:blip r:embed="rId3"/>
                           <a:stretch>
-                            <a:fillRect t="-601887" r="-166817" b="-866038"/>
+                            <a:fillRect l="-226" t="-615385" r="-167720" b="-886538"/>
                           </a:stretch>
                         </a:blipFill>
                       </a:tcPr>
@@ -18248,10 +18405,10 @@
                         </a:p>
                       </a:txBody>
                       <a:tcPr anchor="ctr">
-                        <a:blipFill rotWithShape="1">
+                        <a:blipFill rotWithShape="0">
                           <a:blip r:embed="rId3"/>
                           <a:stretch>
-                            <a:fillRect l="-59946" t="-601887" b="-866038"/>
+                            <a:fillRect l="-60081" t="-615385" r="-541" b="-886538"/>
                           </a:stretch>
                         </a:blipFill>
                       </a:tcPr>
@@ -18267,10 +18424,10 @@
                         </a:p>
                       </a:txBody>
                       <a:tcPr anchor="ctr">
-                        <a:blipFill rotWithShape="1">
+                        <a:blipFill rotWithShape="0">
                           <a:blip r:embed="rId3"/>
                           <a:stretch>
-                            <a:fillRect t="-715385" r="-166817" b="-782692"/>
+                            <a:fillRect l="-226" t="-701887" r="-167720" b="-769811"/>
                           </a:stretch>
                         </a:blipFill>
                       </a:tcPr>
@@ -18305,10 +18462,10 @@
                         </a:p>
                       </a:txBody>
                       <a:tcPr anchor="ctr">
-                        <a:blipFill rotWithShape="1">
+                        <a:blipFill rotWithShape="0">
                           <a:blip r:embed="rId3"/>
                           <a:stretch>
-                            <a:fillRect t="-800000" r="-166817" b="-667925"/>
+                            <a:fillRect l="-226" t="-817308" r="-167720" b="-684615"/>
                           </a:stretch>
                         </a:blipFill>
                       </a:tcPr>
@@ -18343,10 +18500,10 @@
                         </a:p>
                       </a:txBody>
                       <a:tcPr anchor="ctr">
-                        <a:blipFill rotWithShape="1">
+                        <a:blipFill rotWithShape="0">
                           <a:blip r:embed="rId3"/>
                           <a:stretch>
-                            <a:fillRect t="-781967" r="-166817" b="-480328"/>
+                            <a:fillRect l="-226" t="-781967" r="-167720" b="-483607"/>
                           </a:stretch>
                         </a:blipFill>
                       </a:tcPr>
@@ -18360,17 +18517,17 @@
                         </a:p>
                       </a:txBody>
                       <a:tcPr anchor="ctr">
-                        <a:blipFill rotWithShape="1">
+                        <a:blipFill rotWithShape="0">
                           <a:blip r:embed="rId3"/>
                           <a:stretch>
-                            <a:fillRect l="-59946" t="-781967" b="-480328"/>
+                            <a:fillRect l="-60081" t="-781967" r="-541" b="-483607"/>
                           </a:stretch>
                         </a:blipFill>
                       </a:tcPr>
                     </a:tc>
                     <a:extLst>
                       <a:ext uri="{0D108BD9-81ED-4DB2-BD59-A6C34878D82A}">
-                        <a16:rowId xmlns="" xmlns:a16="http://schemas.microsoft.com/office/drawing/2014/main" xmlns:a14="http://schemas.microsoft.com/office/drawing/2010/main" val="10004"/>
+                        <a16:rowId xmlns:a16="http://schemas.microsoft.com/office/drawing/2014/main" xmlns="" xmlns:a14="http://schemas.microsoft.com/office/drawing/2010/main" val="10004"/>
                       </a:ext>
                     </a:extLst>
                   </a:tr>
@@ -18384,10 +18541,10 @@
                         </a:p>
                       </a:txBody>
                       <a:tcPr anchor="ctr">
-                        <a:blipFill rotWithShape="1">
+                        <a:blipFill rotWithShape="0">
                           <a:blip r:embed="rId3"/>
                           <a:stretch>
-                            <a:fillRect t="-881967" r="-166817" b="-380328"/>
+                            <a:fillRect l="-226" t="-867742" r="-167720" b="-375806"/>
                           </a:stretch>
                         </a:blipFill>
                       </a:tcPr>
@@ -18401,10 +18558,10 @@
                         </a:p>
                       </a:txBody>
                       <a:tcPr anchor="ctr">
-                        <a:blipFill rotWithShape="1">
+                        <a:blipFill rotWithShape="0">
                           <a:blip r:embed="rId3"/>
                           <a:stretch>
-                            <a:fillRect l="-59946" t="-881967" b="-380328"/>
+                            <a:fillRect l="-60081" t="-867742" r="-541" b="-375806"/>
                           </a:stretch>
                         </a:blipFill>
                       </a:tcPr>
@@ -18420,10 +18577,10 @@
                         </a:p>
                       </a:txBody>
                       <a:tcPr anchor="ctr">
-                        <a:blipFill rotWithShape="1">
+                        <a:blipFill rotWithShape="0">
                           <a:blip r:embed="rId3"/>
                           <a:stretch>
-                            <a:fillRect t="-1151923" r="-166817" b="-346154"/>
+                            <a:fillRect l="-226" t="-1153846" r="-167720" b="-348077"/>
                           </a:stretch>
                         </a:blipFill>
                       </a:tcPr>
@@ -18458,10 +18615,10 @@
                         </a:p>
                       </a:txBody>
                       <a:tcPr anchor="ctr">
-                        <a:blipFill rotWithShape="1">
+                        <a:blipFill rotWithShape="0">
                           <a:blip r:embed="rId3"/>
                           <a:stretch>
-                            <a:fillRect t="-1142105" r="-166817" b="-215789"/>
+                            <a:fillRect l="-226" t="-1143860" r="-167720" b="-217544"/>
                           </a:stretch>
                         </a:blipFill>
                       </a:tcPr>
@@ -18475,17 +18632,17 @@
                         </a:p>
                       </a:txBody>
                       <a:tcPr anchor="ctr">
-                        <a:blipFill rotWithShape="1">
+                        <a:blipFill rotWithShape="0">
                           <a:blip r:embed="rId3"/>
                           <a:stretch>
-                            <a:fillRect l="-59946" t="-1142105" b="-215789"/>
+                            <a:fillRect l="-60081" t="-1143860" r="-541" b="-217544"/>
                           </a:stretch>
                         </a:blipFill>
                       </a:tcPr>
                     </a:tc>
                     <a:extLst>
                       <a:ext uri="{0D108BD9-81ED-4DB2-BD59-A6C34878D82A}">
-                        <a16:rowId xmlns="" xmlns:a16="http://schemas.microsoft.com/office/drawing/2014/main" xmlns:a14="http://schemas.microsoft.com/office/drawing/2010/main" val="10006"/>
+                        <a16:rowId xmlns:a16="http://schemas.microsoft.com/office/drawing/2014/main" xmlns="" xmlns:a14="http://schemas.microsoft.com/office/drawing/2010/main" val="10006"/>
                       </a:ext>
                     </a:extLst>
                   </a:tr>
@@ -18499,10 +18656,10 @@
                         </a:p>
                       </a:txBody>
                       <a:tcPr anchor="ctr">
-                        <a:blipFill rotWithShape="1">
+                        <a:blipFill rotWithShape="0">
                           <a:blip r:embed="rId3"/>
                           <a:stretch>
-                            <a:fillRect t="-1160656" r="-166817" b="-101639"/>
+                            <a:fillRect l="-226" t="-1181667" r="-167720" b="-106667"/>
                           </a:stretch>
                         </a:blipFill>
                       </a:tcPr>
@@ -18516,17 +18673,17 @@
                         </a:p>
                       </a:txBody>
                       <a:tcPr anchor="ctr">
-                        <a:blipFill rotWithShape="1">
+                        <a:blipFill rotWithShape="0">
                           <a:blip r:embed="rId3"/>
                           <a:stretch>
-                            <a:fillRect l="-59946" t="-1160656" b="-101639"/>
+                            <a:fillRect l="-60081" t="-1181667" r="-541" b="-106667"/>
                           </a:stretch>
                         </a:blipFill>
                       </a:tcPr>
                     </a:tc>
                     <a:extLst>
                       <a:ext uri="{0D108BD9-81ED-4DB2-BD59-A6C34878D82A}">
-                        <a16:rowId xmlns="" xmlns:a16="http://schemas.microsoft.com/office/drawing/2014/main" xmlns:a14="http://schemas.microsoft.com/office/drawing/2010/main" val="10007"/>
+                        <a16:rowId xmlns:a16="http://schemas.microsoft.com/office/drawing/2014/main" xmlns="" xmlns:a14="http://schemas.microsoft.com/office/drawing/2010/main" val="10007"/>
                       </a:ext>
                     </a:extLst>
                   </a:tr>
@@ -18540,10 +18697,10 @@
                         </a:p>
                       </a:txBody>
                       <a:tcPr anchor="ctr">
-                        <a:blipFill rotWithShape="1">
+                        <a:blipFill rotWithShape="0">
                           <a:blip r:embed="rId3"/>
                           <a:stretch>
-                            <a:fillRect t="-1478846" r="-166817" b="-19231"/>
+                            <a:fillRect l="-226" t="-1450943" r="-167720" b="-20755"/>
                           </a:stretch>
                         </a:blipFill>
                       </a:tcPr>
@@ -18993,7 +19150,7 @@
                             <a:solidFill>
                               <a:srgbClr val="FF0000"/>
                             </a:solidFill>
-                            <a:latin typeface="Cambria Math"/>
+                            <a:latin typeface="Cambria Math" panose="02040503050406030204" pitchFamily="18" charset="0"/>
                           </a:rPr>
                         </m:ctrlPr>
                       </m:accPr>
@@ -19005,7 +19162,7 @@
                                 <a:solidFill>
                                   <a:srgbClr val="FF0000"/>
                                 </a:solidFill>
-                                <a:latin typeface="Cambria Math"/>
+                                <a:latin typeface="Cambria Math" panose="02040503050406030204" pitchFamily="18" charset="0"/>
                                 <a:cs typeface="Tahoma" panose="020B0604030504040204" pitchFamily="34" charset="0"/>
                               </a:rPr>
                             </m:ctrlPr>
@@ -19049,7 +19206,7 @@
                         <m:endChr m:val="}"/>
                         <m:ctrlPr>
                           <a:rPr lang="en-US" altLang="ko-KR" i="1">
-                            <a:latin typeface="Cambria Math"/>
+                            <a:latin typeface="Cambria Math" panose="02040503050406030204" pitchFamily="18" charset="0"/>
                           </a:rPr>
                         </m:ctrlPr>
                       </m:dPr>
@@ -19058,7 +19215,7 @@
                           <m:sSubPr>
                             <m:ctrlPr>
                               <a:rPr lang="en-US" altLang="ko-KR" i="1">
-                                <a:latin typeface="Cambria Math"/>
+                                <a:latin typeface="Cambria Math" panose="02040503050406030204" pitchFamily="18" charset="0"/>
                               </a:rPr>
                             </m:ctrlPr>
                           </m:sSubPr>
@@ -19081,13 +19238,7 @@
                               <a:rPr lang="en-US" altLang="ko-KR" i="1">
                                 <a:latin typeface="Cambria Math"/>
                               </a:rPr>
-                              <m:t>,</m:t>
-                            </m:r>
-                            <m:r>
-                              <a:rPr lang="en-US" altLang="ko-KR" i="1">
-                                <a:latin typeface="Cambria Math"/>
-                              </a:rPr>
-                              <m:t>1</m:t>
+                              <m:t>,1</m:t>
                             </m:r>
                           </m:sub>
                         </m:sSub>
@@ -19101,7 +19252,7 @@
                           <m:sSubPr>
                             <m:ctrlPr>
                               <a:rPr lang="en-US" altLang="ko-KR" i="1">
-                                <a:latin typeface="Cambria Math"/>
+                                <a:latin typeface="Cambria Math" panose="02040503050406030204" pitchFamily="18" charset="0"/>
                               </a:rPr>
                             </m:ctrlPr>
                           </m:sSubPr>
@@ -19144,7 +19295,7 @@
                           <m:sSubPr>
                             <m:ctrlPr>
                               <a:rPr lang="en-US" altLang="ko-KR" i="1">
-                                <a:latin typeface="Cambria Math"/>
+                                <a:latin typeface="Cambria Math" panose="02040503050406030204" pitchFamily="18" charset="0"/>
                               </a:rPr>
                             </m:ctrlPr>
                           </m:sSubPr>
@@ -19175,7 +19326,7 @@
                                 <m:endChr m:val="|"/>
                                 <m:ctrlPr>
                                   <a:rPr lang="en-US" altLang="ko-KR" i="1">
-                                    <a:latin typeface="Cambria Math"/>
+                                    <a:latin typeface="Cambria Math" panose="02040503050406030204" pitchFamily="18" charset="0"/>
                                   </a:rPr>
                                 </m:ctrlPr>
                               </m:dPr>
@@ -19253,7 +19404,7 @@
                             <a:solidFill>
                               <a:srgbClr val="FF0000"/>
                             </a:solidFill>
-                            <a:latin typeface="Cambria Math"/>
+                            <a:latin typeface="Cambria Math" panose="02040503050406030204" pitchFamily="18" charset="0"/>
                           </a:rPr>
                         </m:ctrlPr>
                       </m:accPr>
@@ -19265,7 +19416,7 @@
                                 <a:solidFill>
                                   <a:srgbClr val="FF0000"/>
                                 </a:solidFill>
-                                <a:latin typeface="Cambria Math"/>
+                                <a:latin typeface="Cambria Math" panose="02040503050406030204" pitchFamily="18" charset="0"/>
                               </a:rPr>
                             </m:ctrlPr>
                           </m:sSubPr>
@@ -19306,7 +19457,7 @@
                         <m:endChr m:val="}"/>
                         <m:ctrlPr>
                           <a:rPr lang="ko-KR" altLang="ko-KR" i="1">
-                            <a:latin typeface="Cambria Math"/>
+                            <a:latin typeface="Cambria Math" panose="02040503050406030204" pitchFamily="18" charset="0"/>
                           </a:rPr>
                         </m:ctrlPr>
                       </m:dPr>
@@ -19315,7 +19466,7 @@
                           <m:sSubSupPr>
                             <m:ctrlPr>
                               <a:rPr lang="ko-KR" altLang="ko-KR" i="1">
-                                <a:latin typeface="Cambria Math"/>
+                                <a:latin typeface="Cambria Math" panose="02040503050406030204" pitchFamily="18" charset="0"/>
                               </a:rPr>
                             </m:ctrlPr>
                           </m:sSubSupPr>
@@ -19332,13 +19483,7 @@
                               <a:rPr lang="en-US" altLang="ko-KR" i="1">
                                 <a:latin typeface="Cambria Math"/>
                               </a:rPr>
-                              <m:t>1</m:t>
-                            </m:r>
-                            <m:r>
-                              <a:rPr lang="en-US" altLang="ko-KR" i="1">
-                                <a:latin typeface="Cambria Math"/>
-                              </a:rPr>
-                              <m:t>,</m:t>
+                              <m:t>1,</m:t>
                             </m:r>
                             <m:r>
                               <a:rPr lang="en-US" altLang="ko-KR" i="1">
@@ -19366,7 +19511,7 @@
                           <m:sSubSupPr>
                             <m:ctrlPr>
                               <a:rPr lang="ko-KR" altLang="ko-KR" i="1">
-                                <a:latin typeface="Cambria Math"/>
+                                <a:latin typeface="Cambria Math" panose="02040503050406030204" pitchFamily="18" charset="0"/>
                               </a:rPr>
                             </m:ctrlPr>
                           </m:sSubSupPr>
@@ -19423,7 +19568,7 @@
                           <m:sSubSupPr>
                             <m:ctrlPr>
                               <a:rPr lang="ko-KR" altLang="ko-KR" i="1">
-                                <a:latin typeface="Cambria Math"/>
+                                <a:latin typeface="Cambria Math" panose="02040503050406030204" pitchFamily="18" charset="0"/>
                               </a:rPr>
                             </m:ctrlPr>
                           </m:sSubSupPr>
@@ -19442,7 +19587,7 @@
                                 <m:endChr m:val="|"/>
                                 <m:ctrlPr>
                                   <a:rPr lang="en-US" altLang="ko-KR" i="1">
-                                    <a:latin typeface="Cambria Math"/>
+                                    <a:latin typeface="Cambria Math" panose="02040503050406030204" pitchFamily="18" charset="0"/>
                                   </a:rPr>
                                 </m:ctrlPr>
                               </m:dPr>
@@ -19489,20 +19634,7 @@
                       <a:rPr lang="en-US" altLang="ko-KR" i="1">
                         <a:latin typeface="Cambria Math"/>
                       </a:rPr>
-                      <m:t> </m:t>
-                    </m:r>
-                    <m:r>
-                      <a:rPr lang="en-US" altLang="ko-KR" i="1">
-                        <a:latin typeface="Cambria Math"/>
-                        <a:ea typeface="Cambria Math"/>
-                      </a:rPr>
-                      <m:t>∀</m:t>
-                    </m:r>
-                    <m:r>
-                      <a:rPr lang="en-US" altLang="ko-KR" i="1">
-                        <a:latin typeface="Cambria Math"/>
-                      </a:rPr>
-                      <m:t> </m:t>
+                      <m:t> ∀ </m:t>
                     </m:r>
                     <m:r>
                       <a:rPr lang="en-US" altLang="ko-KR" i="1">
@@ -19605,7 +19737,7 @@
                             <a:solidFill>
                               <a:srgbClr val="FF0000"/>
                             </a:solidFill>
-                            <a:latin typeface="Cambria Math"/>
+                            <a:latin typeface="Cambria Math" panose="02040503050406030204" pitchFamily="18" charset="0"/>
                             <a:ea typeface="Cambria Math" panose="02040503050406030204" pitchFamily="18" charset="0"/>
                             <a:cs typeface="Tahoma" panose="020B0604030504040204" pitchFamily="34" charset="0"/>
                           </a:rPr>
@@ -19692,7 +19824,7 @@
                                 <a:solidFill>
                                   <a:srgbClr val="FF0000"/>
                                 </a:solidFill>
-                                <a:latin typeface="Cambria Math"/>
+                                <a:latin typeface="Cambria Math" panose="02040503050406030204" pitchFamily="18" charset="0"/>
                               </a:rPr>
                             </m:ctrlPr>
                           </m:sSubSupPr>
@@ -19759,7 +19891,7 @@
                                 <a:solidFill>
                                   <a:srgbClr val="FF0000"/>
                                 </a:solidFill>
-                                <a:latin typeface="Cambria Math"/>
+                                <a:latin typeface="Cambria Math" panose="02040503050406030204" pitchFamily="18" charset="0"/>
                                 <a:ea typeface="Cambria Math" panose="02040503050406030204" pitchFamily="18" charset="0"/>
                                 <a:cs typeface="Tahoma" panose="020B0604030504040204" pitchFamily="34" charset="0"/>
                               </a:rPr>
@@ -19773,7 +19905,7 @@
                                     <a:solidFill>
                                       <a:srgbClr val="FF0000"/>
                                     </a:solidFill>
-                                    <a:latin typeface="Cambria Math"/>
+                                    <a:latin typeface="Cambria Math" panose="02040503050406030204" pitchFamily="18" charset="0"/>
                                     <a:ea typeface="Cambria Math" panose="02040503050406030204" pitchFamily="18" charset="0"/>
                                     <a:cs typeface="Tahoma" panose="020B0604030504040204" pitchFamily="34" charset="0"/>
                                   </a:rPr>
@@ -19922,7 +20054,7 @@
                             <a:solidFill>
                               <a:srgbClr val="000000"/>
                             </a:solidFill>
-                            <a:latin typeface="Cambria Math"/>
+                            <a:latin typeface="Cambria Math" panose="02040503050406030204" pitchFamily="18" charset="0"/>
                             <a:cs typeface="Tahoma" panose="020B0604030504040204" pitchFamily="34" charset="0"/>
                           </a:rPr>
                         </m:ctrlPr>
@@ -19935,7 +20067,7 @@
                                 <a:solidFill>
                                   <a:srgbClr val="000000"/>
                                 </a:solidFill>
-                                <a:latin typeface="Cambria Math"/>
+                                <a:latin typeface="Cambria Math" panose="02040503050406030204" pitchFamily="18" charset="0"/>
                                 <a:cs typeface="Tahoma" panose="020B0604030504040204" pitchFamily="34" charset="0"/>
                               </a:rPr>
                             </m:ctrlPr>
@@ -20006,7 +20138,7 @@
                       <m:sSubPr>
                         <m:ctrlPr>
                           <a:rPr lang="en-US" altLang="ko-KR" i="1">
-                            <a:latin typeface="Cambria Math"/>
+                            <a:latin typeface="Cambria Math" panose="02040503050406030204" pitchFamily="18" charset="0"/>
                           </a:rPr>
                         </m:ctrlPr>
                       </m:sSubPr>
@@ -20050,7 +20182,7 @@
                       <m:sSubSupPr>
                         <m:ctrlPr>
                           <a:rPr lang="ko-KR" altLang="ko-KR" i="1">
-                            <a:latin typeface="Cambria Math"/>
+                            <a:latin typeface="Cambria Math" panose="02040503050406030204" pitchFamily="18" charset="0"/>
                           </a:rPr>
                         </m:ctrlPr>
                       </m:sSubSupPr>
@@ -20102,7 +20234,7 @@
                       <m:sSubSupPr>
                         <m:ctrlPr>
                           <a:rPr lang="ko-KR" altLang="ko-KR" i="1">
-                            <a:latin typeface="Cambria Math"/>
+                            <a:latin typeface="Cambria Math" panose="02040503050406030204" pitchFamily="18" charset="0"/>
                           </a:rPr>
                         </m:ctrlPr>
                       </m:sSubSupPr>
@@ -20150,7 +20282,7 @@
                             <a:solidFill>
                               <a:srgbClr val="000000"/>
                             </a:solidFill>
-                            <a:latin typeface="Cambria Math"/>
+                            <a:latin typeface="Cambria Math" panose="02040503050406030204" pitchFamily="18" charset="0"/>
                           </a:rPr>
                         </m:ctrlPr>
                       </m:dPr>
@@ -20162,7 +20294,7 @@
                                 <a:solidFill>
                                   <a:srgbClr val="000000"/>
                                 </a:solidFill>
-                                <a:latin typeface="Cambria Math"/>
+                                <a:latin typeface="Cambria Math" panose="02040503050406030204" pitchFamily="18" charset="0"/>
                                 <a:cs typeface="Tahoma" panose="020B0604030504040204" pitchFamily="34" charset="0"/>
                               </a:rPr>
                             </m:ctrlPr>
@@ -20206,14 +20338,16 @@
                         </m:sSubSup>
                       </m:e>
                     </m:d>
-                  </m:oMath>
-                </a14:m>
-                <a:r>
-                  <a:rPr lang="en-US" altLang="ko-KR" b="1" dirty="0"/>
-                  <a:t> </a:t>
-                </a:r>
-                <a14:m>
-                  <m:oMath xmlns:m="http://schemas.openxmlformats.org/officeDocument/2006/math">
+                    <m:r>
+                      <a:rPr lang="en-US" altLang="ko-KR" b="0" i="1" smtClean="0">
+                        <a:solidFill>
+                          <a:srgbClr val="000000"/>
+                        </a:solidFill>
+                        <a:latin typeface="Cambria Math" panose="02040503050406030204" pitchFamily="18" charset="0"/>
+                        <a:cs typeface="Tahoma" panose="020B0604030504040204" pitchFamily="34" charset="0"/>
+                      </a:rPr>
+                      <m:t>  </m:t>
+                    </m:r>
                     <m:r>
                       <a:rPr lang="en-US" altLang="ko-KR" i="1">
                         <a:latin typeface="Cambria Math"/>
@@ -20227,10 +20361,10 @@
                       <m:t> ∀ </m:t>
                     </m:r>
                     <m:r>
-                      <a:rPr lang="en-US" altLang="ko-KR" b="0" i="1" smtClean="0">
-                        <a:latin typeface="Cambria Math"/>
+                      <a:rPr lang="en-US" altLang="ko-KR" i="1">
+                        <a:latin typeface="Cambria Math" panose="02040503050406030204" pitchFamily="18" charset="0"/>
                       </a:rPr>
-                      <m:t>𝑖</m:t>
+                      <m:t>𝑗</m:t>
                     </m:r>
                     <m:r>
                       <a:rPr lang="en-US" altLang="ko-KR" i="1">
@@ -20240,11 +20374,11 @@
                       <m:t>∈</m:t>
                     </m:r>
                     <m:r>
-                      <a:rPr lang="en-US" altLang="ko-KR" b="0" i="1" smtClean="0">
-                        <a:latin typeface="Cambria Math"/>
+                      <a:rPr lang="en-US" altLang="ko-KR" i="1">
+                        <a:latin typeface="Cambria Math" panose="02040503050406030204" pitchFamily="18" charset="0"/>
                         <a:ea typeface="Cambria Math"/>
                       </a:rPr>
-                      <m:t>𝑁</m:t>
+                      <m:t>𝑀</m:t>
                     </m:r>
                   </m:oMath>
                 </a14:m>
@@ -20265,7 +20399,7 @@
                       <m:sSubPr>
                         <m:ctrlPr>
                           <a:rPr lang="en-US" altLang="ko-KR" i="1">
-                            <a:latin typeface="Cambria Math"/>
+                            <a:latin typeface="Cambria Math" panose="02040503050406030204" pitchFamily="18" charset="0"/>
                           </a:rPr>
                         </m:ctrlPr>
                       </m:sSubPr>
@@ -20312,7 +20446,7 @@
                             <a:solidFill>
                               <a:srgbClr val="000000"/>
                             </a:solidFill>
-                            <a:latin typeface="Cambria Math"/>
+                            <a:latin typeface="Cambria Math" panose="02040503050406030204" pitchFamily="18" charset="0"/>
                             <a:ea typeface="Cambria Math"/>
                             <a:cs typeface="Tahoma" panose="020B0604030504040204" pitchFamily="34" charset="0"/>
                           </a:rPr>
@@ -20397,7 +20531,7 @@
                             <a:solidFill>
                               <a:srgbClr val="000000"/>
                             </a:solidFill>
-                            <a:latin typeface="Cambria Math"/>
+                            <a:latin typeface="Cambria Math" panose="02040503050406030204" pitchFamily="18" charset="0"/>
                             <a:cs typeface="Tahoma" panose="020B0604030504040204" pitchFamily="34" charset="0"/>
                           </a:rPr>
                         </m:ctrlPr>
@@ -20459,6 +20593,87 @@
                         </m:r>
                       </m:sup>
                     </m:sSubSup>
+                    <m:r>
+                      <a:rPr lang="en-US" altLang="ko-KR" b="0" i="1" smtClean="0">
+                        <a:solidFill>
+                          <a:srgbClr val="000000"/>
+                        </a:solidFill>
+                        <a:latin typeface="Cambria Math" panose="02040503050406030204" pitchFamily="18" charset="0"/>
+                        <a:cs typeface="Tahoma" panose="020B0604030504040204" pitchFamily="34" charset="0"/>
+                      </a:rPr>
+                      <m:t>  </m:t>
+                    </m:r>
+                    <m:r>
+                      <a:rPr lang="en-US" altLang="ko-KR" i="1">
+                        <a:latin typeface="Cambria Math"/>
+                      </a:rPr>
+                      <m:t>𝑓𝑜𝑟</m:t>
+                    </m:r>
+                    <m:r>
+                      <a:rPr lang="en-US" altLang="ko-KR" i="1">
+                        <a:latin typeface="Cambria Math"/>
+                      </a:rPr>
+                      <m:t> ∀ </m:t>
+                    </m:r>
+                    <m:r>
+                      <a:rPr lang="en-US" altLang="ko-KR" b="0" i="1" smtClean="0">
+                        <a:latin typeface="Cambria Math" panose="02040503050406030204" pitchFamily="18" charset="0"/>
+                      </a:rPr>
+                      <m:t>𝑖</m:t>
+                    </m:r>
+                    <m:r>
+                      <a:rPr lang="en-US" altLang="ko-KR" i="1">
+                        <a:latin typeface="Cambria Math"/>
+                        <a:ea typeface="Cambria Math"/>
+                      </a:rPr>
+                      <m:t>∈</m:t>
+                    </m:r>
+                    <m:r>
+                      <a:rPr lang="en-US" altLang="ko-KR" b="0" i="1" smtClean="0">
+                        <a:latin typeface="Cambria Math" panose="02040503050406030204" pitchFamily="18" charset="0"/>
+                        <a:ea typeface="Cambria Math"/>
+                      </a:rPr>
+                      <m:t>𝑁</m:t>
+                    </m:r>
+                    <m:r>
+                      <a:rPr lang="en-US" altLang="ko-KR" b="0" i="1" smtClean="0">
+                        <a:latin typeface="Cambria Math" panose="02040503050406030204" pitchFamily="18" charset="0"/>
+                        <a:ea typeface="Cambria Math"/>
+                      </a:rPr>
+                      <m:t>,  </m:t>
+                    </m:r>
+                    <m:r>
+                      <a:rPr lang="en-US" altLang="ko-KR" i="1">
+                        <a:latin typeface="Cambria Math"/>
+                      </a:rPr>
+                      <m:t>𝑓𝑜𝑟</m:t>
+                    </m:r>
+                    <m:r>
+                      <a:rPr lang="en-US" altLang="ko-KR" i="1">
+                        <a:latin typeface="Cambria Math"/>
+                      </a:rPr>
+                      <m:t> ∀ </m:t>
+                    </m:r>
+                    <m:r>
+                      <a:rPr lang="en-US" altLang="ko-KR" i="1">
+                        <a:latin typeface="Cambria Math" panose="02040503050406030204" pitchFamily="18" charset="0"/>
+                      </a:rPr>
+                      <m:t>𝑗</m:t>
+                    </m:r>
+                    <m:r>
+                      <a:rPr lang="en-US" altLang="ko-KR" i="1">
+                        <a:latin typeface="Cambria Math"/>
+                        <a:ea typeface="Cambria Math"/>
+                      </a:rPr>
+                      <m:t>∈</m:t>
+                    </m:r>
+                    <m:r>
+                      <a:rPr lang="en-US" altLang="ko-KR" i="1">
+                        <a:latin typeface="Cambria Math" panose="02040503050406030204" pitchFamily="18" charset="0"/>
+                        <a:ea typeface="Cambria Math"/>
+                      </a:rPr>
+                      <m:t>𝑀</m:t>
+                    </m:r>
                   </m:oMath>
                 </a14:m>
                 <a:endParaRPr lang="en-US" altLang="ko-KR" i="1" dirty="0">
@@ -20486,7 +20701,7 @@
                             <a:solidFill>
                               <a:srgbClr val="000000"/>
                             </a:solidFill>
-                            <a:latin typeface="Cambria Math"/>
+                            <a:latin typeface="Cambria Math" panose="02040503050406030204" pitchFamily="18" charset="0"/>
                             <a:cs typeface="Tahoma" panose="020B0604030504040204" pitchFamily="34" charset="0"/>
                           </a:rPr>
                         </m:ctrlPr>
@@ -20556,7 +20771,7 @@
                                 <a:solidFill>
                                   <a:srgbClr val="000000"/>
                                 </a:solidFill>
-                                <a:latin typeface="Cambria Math"/>
+                                <a:latin typeface="Cambria Math" panose="02040503050406030204" pitchFamily="18" charset="0"/>
                                 <a:cs typeface="Tahoma" panose="020B0604030504040204" pitchFamily="34" charset="0"/>
                               </a:rPr>
                             </m:ctrlPr>
@@ -20566,7 +20781,7 @@
                               <m:sSubPr>
                                 <m:ctrlPr>
                                   <a:rPr lang="en-US" altLang="ko-KR" i="1">
-                                    <a:latin typeface="Cambria Math"/>
+                                    <a:latin typeface="Cambria Math" panose="02040503050406030204" pitchFamily="18" charset="0"/>
                                   </a:rPr>
                                 </m:ctrlPr>
                               </m:sSubPr>
@@ -20610,7 +20825,7 @@
                               <m:sSubSupPr>
                                 <m:ctrlPr>
                                   <a:rPr lang="ko-KR" altLang="ko-KR" i="1">
-                                    <a:latin typeface="Cambria Math"/>
+                                    <a:latin typeface="Cambria Math" panose="02040503050406030204" pitchFamily="18" charset="0"/>
                                   </a:rPr>
                                 </m:ctrlPr>
                               </m:sSubSupPr>
@@ -20662,7 +20877,7 @@
                               <m:sSubSupPr>
                                 <m:ctrlPr>
                                   <a:rPr lang="ko-KR" altLang="ko-KR" i="1">
-                                    <a:latin typeface="Cambria Math"/>
+                                    <a:latin typeface="Cambria Math" panose="02040503050406030204" pitchFamily="18" charset="0"/>
                                   </a:rPr>
                                 </m:ctrlPr>
                               </m:sSubSupPr>
@@ -20700,7 +20915,7 @@
                                     <a:solidFill>
                                       <a:srgbClr val="000000"/>
                                     </a:solidFill>
-                                    <a:latin typeface="Cambria Math"/>
+                                    <a:latin typeface="Cambria Math" panose="02040503050406030204" pitchFamily="18" charset="0"/>
                                     <a:cs typeface="Tahoma" panose="020B0604030504040204" pitchFamily="34" charset="0"/>
                                   </a:rPr>
                                 </m:ctrlPr>
@@ -20782,7 +20997,7 @@
                                 <a:solidFill>
                                   <a:srgbClr val="000000"/>
                                 </a:solidFill>
-                                <a:latin typeface="Cambria Math"/>
+                                <a:latin typeface="Cambria Math" panose="02040503050406030204" pitchFamily="18" charset="0"/>
                                 <a:ea typeface="Cambria Math"/>
                                 <a:cs typeface="Tahoma" panose="020B0604030504040204" pitchFamily="34" charset="0"/>
                               </a:rPr>
@@ -20817,6 +21032,49 @@
                         </m:sSub>
                       </m:e>
                     </m:nary>
+                    <m:r>
+                      <a:rPr lang="en-US" altLang="ko-KR" b="0" i="1" smtClean="0">
+                        <a:solidFill>
+                          <a:srgbClr val="000000"/>
+                        </a:solidFill>
+                        <a:latin typeface="Cambria Math" panose="02040503050406030204" pitchFamily="18" charset="0"/>
+                        <a:ea typeface="Cambria Math"/>
+                        <a:cs typeface="Tahoma" panose="020B0604030504040204" pitchFamily="34" charset="0"/>
+                      </a:rPr>
+                      <m:t> </m:t>
+                    </m:r>
+                    <m:r>
+                      <a:rPr lang="en-US" altLang="ko-KR" i="1">
+                        <a:latin typeface="Cambria Math"/>
+                      </a:rPr>
+                      <m:t>𝑓𝑜𝑟</m:t>
+                    </m:r>
+                    <m:r>
+                      <a:rPr lang="en-US" altLang="ko-KR" i="1">
+                        <a:latin typeface="Cambria Math"/>
+                      </a:rPr>
+                      <m:t> ∀ </m:t>
+                    </m:r>
+                    <m:r>
+                      <a:rPr lang="en-US" altLang="ko-KR" i="1">
+                        <a:latin typeface="Cambria Math" panose="02040503050406030204" pitchFamily="18" charset="0"/>
+                      </a:rPr>
+                      <m:t>𝑗</m:t>
+                    </m:r>
+                    <m:r>
+                      <a:rPr lang="en-US" altLang="ko-KR" i="1">
+                        <a:latin typeface="Cambria Math"/>
+                        <a:ea typeface="Cambria Math"/>
+                      </a:rPr>
+                      <m:t>∈</m:t>
+                    </m:r>
+                    <m:r>
+                      <a:rPr lang="en-US" altLang="ko-KR" i="1">
+                        <a:latin typeface="Cambria Math" panose="02040503050406030204" pitchFamily="18" charset="0"/>
+                        <a:ea typeface="Cambria Math"/>
+                      </a:rPr>
+                      <m:t>𝑀</m:t>
+                    </m:r>
                   </m:oMath>
                 </a14:m>
                 <a:endParaRPr lang="en-US" altLang="ko-KR" i="1" dirty="0">
@@ -20889,7 +21147,7 @@
                 <a:off x="467544" y="1052736"/>
                 <a:ext cx="8229600" cy="5184775"/>
               </a:xfrm>
-              <a:blipFill rotWithShape="1">
+              <a:blipFill rotWithShape="0">
                 <a:blip r:embed="rId3"/>
                 <a:stretch>
                   <a:fillRect l="-1037" t="-941"/>
@@ -20965,7 +21223,7 @@
           <a:p>
             <a:r>
               <a:rPr lang="en-US" altLang="ko-KR" dirty="0" smtClean="0"/>
-              <a:t>MDP</a:t>
+              <a:t>MDP &amp; Q Learning</a:t>
             </a:r>
             <a:endParaRPr lang="ko-KR" altLang="en-US" dirty="0"/>
           </a:p>
@@ -21191,8 +21449,8 @@
           <a:lstStyle/>
           <a:p>
             <a:r>
-              <a:rPr lang="en-US" altLang="ko-KR" dirty="0" smtClean="0"/>
-              <a:t>MDP</a:t>
+              <a:rPr lang="en-US" altLang="ko-KR" dirty="0"/>
+              <a:t>MDP  &amp; Q Learning</a:t>
             </a:r>
             <a:endParaRPr lang="ko-KR" altLang="en-US" dirty="0"/>
           </a:p>
@@ -23752,8 +24010,8 @@
           </a:p>
         </p:txBody>
       </p:sp>
-      <mc:AlternateContent xmlns:mc="http://schemas.openxmlformats.org/markup-compatibility/2006" xmlns:a14="http://schemas.microsoft.com/office/drawing/2010/main">
-        <mc:Choice Requires="a14">
+      <mc:AlternateContent xmlns:mc="http://schemas.openxmlformats.org/markup-compatibility/2006">
+        <mc:Choice xmlns:a14="http://schemas.microsoft.com/office/drawing/2010/main" Requires="a14">
           <p:graphicFrame>
             <p:nvGraphicFramePr>
               <p:cNvPr id="6" name="표 5"/>
@@ -23763,14 +24021,14 @@
               <p:nvPr>
                 <p:extLst>
                   <p:ext uri="{D42A27DB-BD31-4B8C-83A1-F6EECF244321}">
-                    <p14:modId xmlns:p14="http://schemas.microsoft.com/office/powerpoint/2010/main" val="4236620234"/>
+                    <p14:modId xmlns:p14="http://schemas.microsoft.com/office/powerpoint/2010/main" val="3514242033"/>
                   </p:ext>
                 </p:extLst>
               </p:nvPr>
             </p:nvGraphicFramePr>
             <p:xfrm>
               <a:off x="755576" y="1734407"/>
-              <a:ext cx="7754565" cy="3943160"/>
+              <a:ext cx="7754565" cy="4583240"/>
             </p:xfrm>
             <a:graphic>
               <a:graphicData uri="http://schemas.openxmlformats.org/drawingml/2006/table">
@@ -23782,14 +24040,14 @@
                     <a:gridCol w="2906052">
                       <a:extLst>
                         <a:ext uri="{9D8B030D-6E8A-4147-A177-3AD203B41FA5}">
-                          <a16:colId xmlns="" xmlns:a16="http://schemas.microsoft.com/office/drawing/2014/main" val="20000"/>
+                          <a16:colId xmlns:a16="http://schemas.microsoft.com/office/drawing/2014/main" xmlns="" val="20000"/>
                         </a:ext>
                       </a:extLst>
                     </a:gridCol>
                     <a:gridCol w="4848513">
                       <a:extLst>
                         <a:ext uri="{9D8B030D-6E8A-4147-A177-3AD203B41FA5}">
-                          <a16:colId xmlns="" xmlns:a16="http://schemas.microsoft.com/office/drawing/2014/main" val="20001"/>
+                          <a16:colId xmlns:a16="http://schemas.microsoft.com/office/drawing/2014/main" xmlns="" val="20001"/>
                         </a:ext>
                       </a:extLst>
                     </a:gridCol>
@@ -23835,286 +24093,7 @@
                     </a:tc>
                     <a:extLst>
                       <a:ext uri="{0D108BD9-81ED-4DB2-BD59-A6C34878D82A}">
-                        <a16:rowId xmlns="" xmlns:a16="http://schemas.microsoft.com/office/drawing/2014/main" val="10000"/>
-                      </a:ext>
-                    </a:extLst>
-                  </a:tr>
-                  <a:tr h="370840">
-                    <a:tc>
-                      <a:txBody>
-                        <a:bodyPr/>
-                        <a:lstStyle/>
-                        <a:p>
-                          <a:pPr algn="ctr" latinLnBrk="1"/>
-                          <a:r>
-                            <a:rPr lang="en-US" altLang="ko-KR" sz="1400" dirty="0" smtClean="0">
-                              <a:solidFill>
-                                <a:schemeClr val="tx1"/>
-                              </a:solidFill>
-                            </a:rPr>
-                            <a:t>State</a:t>
-                          </a:r>
-                          <a:endParaRPr lang="ko-KR" altLang="en-US" sz="1400" dirty="0">
-                            <a:solidFill>
-                              <a:schemeClr val="tx1"/>
-                            </a:solidFill>
-                          </a:endParaRPr>
-                        </a:p>
-                      </a:txBody>
-                      <a:tcPr anchor="ctr">
-                        <a:solidFill>
-                          <a:schemeClr val="bg1"/>
-                        </a:solidFill>
-                      </a:tcPr>
-                    </a:tc>
-                    <a:tc>
-                      <a:txBody>
-                        <a:bodyPr/>
-                        <a:lstStyle/>
-                        <a:p>
-                          <a:pPr algn="ctr" latinLnBrk="1"/>
-                          <a:r>
-                            <a:rPr lang="en-US" altLang="ko-KR" sz="1400" dirty="0" smtClean="0"/>
-                            <a:t>UE index, AP index, Bandwidth</a:t>
-                          </a:r>
-                          <a:endParaRPr lang="en-US" altLang="ko-KR" sz="1100" baseline="0" dirty="0" smtClean="0"/>
-                        </a:p>
-                        <a:p>
-                          <a:pPr algn="ctr" latinLnBrk="1"/>
-                          <a14:m>
-                            <m:oMathPara xmlns:m="http://schemas.openxmlformats.org/officeDocument/2006/math">
-                              <m:oMathParaPr>
-                                <m:jc m:val="centerGroup"/>
-                              </m:oMathParaPr>
-                              <m:oMath xmlns:m="http://schemas.openxmlformats.org/officeDocument/2006/math">
-                                <m:r>
-                                  <a:rPr lang="en-US" altLang="ko-KR" sz="1400" b="1" i="1" smtClean="0">
-                                    <a:solidFill>
-                                      <a:srgbClr val="FF0000"/>
-                                    </a:solidFill>
-                                    <a:latin typeface="Cambria Math"/>
-                                  </a:rPr>
-                                  <m:t>𝑬</m:t>
-                                </m:r>
-                                <m:r>
-                                  <a:rPr lang="en-US" altLang="ko-KR" sz="1400" b="1" i="1" smtClean="0">
-                                    <a:solidFill>
-                                      <a:srgbClr val="FF0000"/>
-                                    </a:solidFill>
-                                    <a:latin typeface="Cambria Math"/>
-                                  </a:rPr>
-                                  <m:t>=</m:t>
-                                </m:r>
-                                <m:d>
-                                  <m:dPr>
-                                    <m:begChr m:val="{"/>
-                                    <m:endChr m:val="}"/>
-                                    <m:ctrlPr>
-                                      <a:rPr lang="en-US" altLang="ko-KR" sz="1400" b="1" i="1" smtClean="0">
-                                        <a:solidFill>
-                                          <a:srgbClr val="FF0000"/>
-                                        </a:solidFill>
-                                        <a:latin typeface="Cambria Math"/>
-                                      </a:rPr>
-                                    </m:ctrlPr>
-                                  </m:dPr>
-                                  <m:e>
-                                    <m:r>
-                                      <a:rPr lang="en-US" altLang="ko-KR" sz="1400" b="1" i="1" smtClean="0">
-                                        <a:solidFill>
-                                          <a:srgbClr val="FF0000"/>
-                                        </a:solidFill>
-                                        <a:latin typeface="Cambria Math"/>
-                                      </a:rPr>
-                                      <m:t>𝟏</m:t>
-                                    </m:r>
-                                    <m:r>
-                                      <a:rPr lang="en-US" altLang="ko-KR" sz="1400" b="1" i="1" smtClean="0">
-                                        <a:solidFill>
-                                          <a:srgbClr val="FF0000"/>
-                                        </a:solidFill>
-                                        <a:latin typeface="Cambria Math"/>
-                                      </a:rPr>
-                                      <m:t>,…</m:t>
-                                    </m:r>
-                                    <m:r>
-                                      <a:rPr lang="en-US" altLang="ko-KR" sz="1400" b="1" i="1" smtClean="0">
-                                        <a:solidFill>
-                                          <a:srgbClr val="FF0000"/>
-                                        </a:solidFill>
-                                        <a:latin typeface="Cambria Math"/>
-                                      </a:rPr>
-                                      <m:t>𝒊</m:t>
-                                    </m:r>
-                                    <m:r>
-                                      <a:rPr lang="en-US" altLang="ko-KR" sz="1400" b="1" i="1" smtClean="0">
-                                        <a:solidFill>
-                                          <a:srgbClr val="FF0000"/>
-                                        </a:solidFill>
-                                        <a:latin typeface="Cambria Math"/>
-                                      </a:rPr>
-                                      <m:t>,…</m:t>
-                                    </m:r>
-                                    <m:d>
-                                      <m:dPr>
-                                        <m:begChr m:val="|"/>
-                                        <m:endChr m:val="|"/>
-                                        <m:ctrlPr>
-                                          <a:rPr lang="en-US" altLang="ko-KR" sz="1400" b="1" i="1" smtClean="0">
-                                            <a:solidFill>
-                                              <a:srgbClr val="FF0000"/>
-                                            </a:solidFill>
-                                            <a:latin typeface="Cambria Math"/>
-                                          </a:rPr>
-                                        </m:ctrlPr>
-                                      </m:dPr>
-                                      <m:e>
-                                        <m:r>
-                                          <a:rPr lang="en-US" altLang="ko-KR" sz="1400" b="1" i="1" smtClean="0">
-                                            <a:solidFill>
-                                              <a:srgbClr val="FF0000"/>
-                                            </a:solidFill>
-                                            <a:latin typeface="Cambria Math"/>
-                                          </a:rPr>
-                                          <m:t>𝑵</m:t>
-                                        </m:r>
-                                      </m:e>
-                                    </m:d>
-                                  </m:e>
-                                </m:d>
-                                <m:r>
-                                  <a:rPr lang="en-US" altLang="ko-KR" sz="1400" b="1" i="1" smtClean="0">
-                                    <a:solidFill>
-                                      <a:srgbClr val="FF0000"/>
-                                    </a:solidFill>
-                                    <a:latin typeface="Cambria Math"/>
-                                    <a:ea typeface="Cambria Math"/>
-                                  </a:rPr>
-                                  <m:t>×</m:t>
-                                </m:r>
-                                <m:d>
-                                  <m:dPr>
-                                    <m:begChr m:val="{"/>
-                                    <m:endChr m:val="}"/>
-                                    <m:ctrlPr>
-                                      <a:rPr lang="en-US" altLang="ko-KR" sz="1400" b="1" i="1" smtClean="0">
-                                        <a:solidFill>
-                                          <a:srgbClr val="FF0000"/>
-                                        </a:solidFill>
-                                        <a:latin typeface="Cambria Math"/>
-                                        <a:ea typeface="Cambria Math"/>
-                                      </a:rPr>
-                                    </m:ctrlPr>
-                                  </m:dPr>
-                                  <m:e>
-                                    <m:r>
-                                      <a:rPr lang="en-US" altLang="ko-KR" sz="1400" b="1" i="1" smtClean="0">
-                                        <a:solidFill>
-                                          <a:srgbClr val="FF0000"/>
-                                        </a:solidFill>
-                                        <a:latin typeface="Cambria Math"/>
-                                        <a:ea typeface="Cambria Math"/>
-                                      </a:rPr>
-                                      <m:t>𝟏</m:t>
-                                    </m:r>
-                                    <m:r>
-                                      <a:rPr lang="en-US" altLang="ko-KR" sz="1400" b="1" i="1" smtClean="0">
-                                        <a:solidFill>
-                                          <a:srgbClr val="FF0000"/>
-                                        </a:solidFill>
-                                        <a:latin typeface="Cambria Math"/>
-                                        <a:ea typeface="Cambria Math"/>
-                                      </a:rPr>
-                                      <m:t>,…,</m:t>
-                                    </m:r>
-                                    <m:r>
-                                      <a:rPr lang="en-US" altLang="ko-KR" sz="1400" b="1" i="1" smtClean="0">
-                                        <a:solidFill>
-                                          <a:srgbClr val="FF0000"/>
-                                        </a:solidFill>
-                                        <a:latin typeface="Cambria Math"/>
-                                        <a:ea typeface="Cambria Math"/>
-                                      </a:rPr>
-                                      <m:t>𝒋</m:t>
-                                    </m:r>
-                                    <m:r>
-                                      <a:rPr lang="en-US" altLang="ko-KR" sz="1400" b="1" i="1" smtClean="0">
-                                        <a:solidFill>
-                                          <a:srgbClr val="FF0000"/>
-                                        </a:solidFill>
-                                        <a:latin typeface="Cambria Math"/>
-                                        <a:ea typeface="Cambria Math"/>
-                                      </a:rPr>
-                                      <m:t>,…</m:t>
-                                    </m:r>
-                                    <m:d>
-                                      <m:dPr>
-                                        <m:begChr m:val="|"/>
-                                        <m:endChr m:val="|"/>
-                                        <m:ctrlPr>
-                                          <a:rPr lang="en-US" altLang="ko-KR" sz="1400" b="1" i="1" smtClean="0">
-                                            <a:solidFill>
-                                              <a:srgbClr val="FF0000"/>
-                                            </a:solidFill>
-                                            <a:latin typeface="Cambria Math"/>
-                                            <a:ea typeface="Cambria Math"/>
-                                          </a:rPr>
-                                        </m:ctrlPr>
-                                      </m:dPr>
-                                      <m:e>
-                                        <m:r>
-                                          <a:rPr lang="en-US" altLang="ko-KR" sz="1400" b="1" i="1" smtClean="0">
-                                            <a:solidFill>
-                                              <a:srgbClr val="FF0000"/>
-                                            </a:solidFill>
-                                            <a:latin typeface="Cambria Math"/>
-                                            <a:ea typeface="Cambria Math"/>
-                                          </a:rPr>
-                                          <m:t>𝑴</m:t>
-                                        </m:r>
-                                      </m:e>
-                                    </m:d>
-                                  </m:e>
-                                </m:d>
-                                <m:r>
-                                  <a:rPr lang="en-US" altLang="ko-KR" sz="1400" b="1" i="1" smtClean="0">
-                                    <a:solidFill>
-                                      <a:srgbClr val="FF0000"/>
-                                    </a:solidFill>
-                                    <a:latin typeface="Cambria Math"/>
-                                    <a:ea typeface="Cambria Math"/>
-                                  </a:rPr>
-                                  <m:t>×</m:t>
-                                </m:r>
-                                <m:r>
-                                  <a:rPr lang="en-US" altLang="ko-KR" sz="1400" b="1" i="1" smtClean="0">
-                                    <a:solidFill>
-                                      <a:srgbClr val="FF0000"/>
-                                    </a:solidFill>
-                                    <a:latin typeface="Cambria Math"/>
-                                    <a:ea typeface="Cambria Math"/>
-                                  </a:rPr>
-                                  <m:t>𝑩</m:t>
-                                </m:r>
-                              </m:oMath>
-                            </m:oMathPara>
-                          </a14:m>
-                          <a:endParaRPr lang="ko-KR" altLang="en-US" sz="1400" b="1" dirty="0">
-                            <a:solidFill>
-                              <a:srgbClr val="FF0000"/>
-                            </a:solidFill>
-                          </a:endParaRPr>
-                        </a:p>
-                      </a:txBody>
-                      <a:tcPr>
-                        <a:solidFill>
-                          <a:schemeClr val="bg1"/>
-                        </a:solidFill>
-                      </a:tcPr>
-                    </a:tc>
-                    <a:extLst>
-                      <a:ext uri="{0D108BD9-81ED-4DB2-BD59-A6C34878D82A}">
-                        <a16:rowId xmlns="" xmlns:a16="http://schemas.microsoft.com/office/drawing/2014/main" val="10001"/>
+                        <a16:rowId xmlns:a16="http://schemas.microsoft.com/office/drawing/2014/main" xmlns="" val="10000"/>
                       </a:ext>
                     </a:extLst>
                   </a:tr>
@@ -24219,7 +24198,7 @@
                                     <m:endChr m:val="}"/>
                                     <m:ctrlPr>
                                       <a:rPr lang="en-US" altLang="ko-KR" sz="1400" b="0" i="1" smtClean="0">
-                                        <a:latin typeface="Cambria Math"/>
+                                        <a:latin typeface="Cambria Math" panose="02040503050406030204" pitchFamily="18" charset="0"/>
                                       </a:rPr>
                                     </m:ctrlPr>
                                   </m:dPr>
@@ -24228,7 +24207,7 @@
                                       <m:sSubPr>
                                         <m:ctrlPr>
                                           <a:rPr lang="en-US" altLang="ko-KR" sz="1400" b="0" i="1" smtClean="0">
-                                            <a:latin typeface="Cambria Math"/>
+                                            <a:latin typeface="Cambria Math" panose="02040503050406030204" pitchFamily="18" charset="0"/>
                                           </a:rPr>
                                         </m:ctrlPr>
                                       </m:sSubPr>
@@ -24259,7 +24238,7 @@
                                       <m:sSubPr>
                                         <m:ctrlPr>
                                           <a:rPr lang="en-US" altLang="ko-KR" sz="1400" b="0" i="1" smtClean="0">
-                                            <a:latin typeface="Cambria Math"/>
+                                            <a:latin typeface="Cambria Math" panose="02040503050406030204" pitchFamily="18" charset="0"/>
                                           </a:rPr>
                                         </m:ctrlPr>
                                       </m:sSubPr>
@@ -24297,6 +24276,26 @@
                               </m:oMath>
                             </m:oMathPara>
                           </a14:m>
+                          <a:endParaRPr lang="en-US" altLang="ko-KR" sz="1400" dirty="0" smtClean="0"/>
+                        </a:p>
+                        <a:p>
+                          <a:pPr marL="0" marR="0" indent="0" algn="ctr" defTabSz="914400" rtl="0" eaLnBrk="1" fontAlgn="auto" latinLnBrk="1" hangingPunct="1">
+                            <a:lnSpc>
+                              <a:spcPct val="100000"/>
+                            </a:lnSpc>
+                            <a:spcBef>
+                              <a:spcPts val="0"/>
+                            </a:spcBef>
+                            <a:spcAft>
+                              <a:spcPts val="0"/>
+                            </a:spcAft>
+                            <a:buClrTx/>
+                            <a:buSzTx/>
+                            <a:buFontTx/>
+                            <a:buNone/>
+                            <a:tabLst/>
+                            <a:defRPr/>
+                          </a:pPr>
                           <a:endParaRPr lang="ko-KR" altLang="en-US" sz="1400" dirty="0"/>
                         </a:p>
                       </a:txBody>
@@ -24306,11 +24305,6 @@
                         </a:solidFill>
                       </a:tcPr>
                     </a:tc>
-                    <a:extLst>
-                      <a:ext uri="{0D108BD9-81ED-4DB2-BD59-A6C34878D82A}">
-                        <a16:rowId xmlns="" xmlns:a16="http://schemas.microsoft.com/office/drawing/2014/main" val="10004"/>
-                      </a:ext>
-                    </a:extLst>
                   </a:tr>
                   <a:tr h="370840">
                     <a:tc>
@@ -24396,7 +24390,7 @@
                                 <m:sSubPr>
                                   <m:ctrlPr>
                                     <a:rPr lang="en-US" altLang="ko-KR" sz="1400" i="1" baseline="0" smtClean="0">
-                                      <a:latin typeface="Cambria Math"/>
+                                      <a:latin typeface="Cambria Math" panose="02040503050406030204" pitchFamily="18" charset="0"/>
                                     </a:rPr>
                                   </m:ctrlPr>
                                 </m:sSubPr>
@@ -24429,7 +24423,7 @@
                                 <m:sSubPr>
                                   <m:ctrlPr>
                                     <a:rPr lang="en-US" altLang="ko-KR" sz="1400" i="1" baseline="0" smtClean="0">
-                                      <a:latin typeface="Cambria Math"/>
+                                      <a:latin typeface="Cambria Math" panose="02040503050406030204" pitchFamily="18" charset="0"/>
                                     </a:rPr>
                                   </m:ctrlPr>
                                 </m:sSubPr>
@@ -24481,7 +24475,15 @@
                                 <a:srgbClr val="FF0000"/>
                               </a:solidFill>
                             </a:rPr>
-                            <a:t>Because of Complexity</a:t>
+                            <a:t>because </a:t>
+                          </a:r>
+                          <a:r>
+                            <a:rPr lang="en-US" altLang="ko-KR" sz="1400" b="1" baseline="0" dirty="0" smtClean="0">
+                              <a:solidFill>
+                                <a:srgbClr val="FF0000"/>
+                              </a:solidFill>
+                            </a:rPr>
+                            <a:t>of Complexity</a:t>
                           </a:r>
                           <a:r>
                             <a:rPr lang="en-US" altLang="ko-KR" sz="1400" baseline="0" dirty="0" smtClean="0"/>
@@ -24519,7 +24521,7 @@
                                         <a:solidFill>
                                           <a:srgbClr val="FF0000"/>
                                         </a:solidFill>
-                                        <a:latin typeface="Cambria Math"/>
+                                        <a:latin typeface="Cambria Math" panose="02040503050406030204" pitchFamily="18" charset="0"/>
                                       </a:rPr>
                                     </m:ctrlPr>
                                   </m:sSubPr>
@@ -24564,7 +24566,7 @@
                                         <a:solidFill>
                                           <a:srgbClr val="FF0000"/>
                                         </a:solidFill>
-                                        <a:latin typeface="Cambria Math"/>
+                                        <a:latin typeface="Cambria Math" panose="02040503050406030204" pitchFamily="18" charset="0"/>
                                       </a:rPr>
                                     </m:ctrlPr>
                                   </m:dPr>
@@ -24628,6 +24630,312 @@
                               </m:oMath>
                             </m:oMathPara>
                           </a14:m>
+                          <a:endParaRPr lang="en-US" altLang="ko-KR" sz="1400" b="1" dirty="0" smtClean="0">
+                            <a:solidFill>
+                              <a:srgbClr val="FF0000"/>
+                            </a:solidFill>
+                          </a:endParaRPr>
+                        </a:p>
+                        <a:p>
+                          <a:pPr marL="0" marR="0" indent="0" algn="ctr" defTabSz="914400" rtl="0" eaLnBrk="1" fontAlgn="auto" latinLnBrk="1" hangingPunct="1">
+                            <a:lnSpc>
+                              <a:spcPct val="100000"/>
+                            </a:lnSpc>
+                            <a:spcBef>
+                              <a:spcPts val="0"/>
+                            </a:spcBef>
+                            <a:spcAft>
+                              <a:spcPts val="0"/>
+                            </a:spcAft>
+                            <a:buClrTx/>
+                            <a:buSzTx/>
+                            <a:buFontTx/>
+                            <a:buNone/>
+                            <a:tabLst/>
+                            <a:defRPr/>
+                          </a:pPr>
+                          <a:endParaRPr lang="ko-KR" altLang="en-US" sz="1400" b="1" dirty="0">
+                            <a:solidFill>
+                              <a:srgbClr val="FF0000"/>
+                            </a:solidFill>
+                          </a:endParaRPr>
+                        </a:p>
+                      </a:txBody>
+                      <a:tcPr>
+                        <a:solidFill>
+                          <a:schemeClr val="bg1"/>
+                        </a:solidFill>
+                      </a:tcPr>
+                    </a:tc>
+                  </a:tr>
+                  <a:tr h="370840">
+                    <a:tc>
+                      <a:txBody>
+                        <a:bodyPr/>
+                        <a:lstStyle/>
+                        <a:p>
+                          <a:pPr algn="ctr" latinLnBrk="1"/>
+                          <a:r>
+                            <a:rPr lang="en-US" altLang="ko-KR" sz="1400" dirty="0" smtClean="0">
+                              <a:solidFill>
+                                <a:schemeClr val="tx1"/>
+                              </a:solidFill>
+                            </a:rPr>
+                            <a:t>State</a:t>
+                          </a:r>
+                          <a:endParaRPr lang="ko-KR" altLang="en-US" sz="1400" dirty="0">
+                            <a:solidFill>
+                              <a:schemeClr val="tx1"/>
+                            </a:solidFill>
+                          </a:endParaRPr>
+                        </a:p>
+                      </a:txBody>
+                      <a:tcPr anchor="ctr">
+                        <a:solidFill>
+                          <a:schemeClr val="bg1"/>
+                        </a:solidFill>
+                      </a:tcPr>
+                    </a:tc>
+                    <a:tc>
+                      <a:txBody>
+                        <a:bodyPr/>
+                        <a:lstStyle/>
+                        <a:p>
+                          <a:pPr algn="ctr" latinLnBrk="1"/>
+                          <a:r>
+                            <a:rPr lang="en-US" altLang="ko-KR" sz="1400" dirty="0" smtClean="0"/>
+                            <a:t>UE index, AP index, Bandwidth</a:t>
+                          </a:r>
+                          <a:endParaRPr lang="en-US" altLang="ko-KR" sz="1100" baseline="0" dirty="0" smtClean="0"/>
+                        </a:p>
+                        <a:p>
+                          <a:pPr algn="ctr" latinLnBrk="1"/>
+                          <a14:m>
+                            <m:oMathPara xmlns:m="http://schemas.openxmlformats.org/officeDocument/2006/math">
+                              <m:oMathParaPr>
+                                <m:jc m:val="centerGroup"/>
+                              </m:oMathParaPr>
+                              <m:oMath xmlns:m="http://schemas.openxmlformats.org/officeDocument/2006/math">
+                                <m:r>
+                                  <a:rPr lang="en-US" altLang="ko-KR" sz="1400" b="1" i="1" smtClean="0">
+                                    <a:solidFill>
+                                      <a:srgbClr val="FF0000"/>
+                                    </a:solidFill>
+                                    <a:latin typeface="Cambria Math"/>
+                                  </a:rPr>
+                                  <m:t>𝑬</m:t>
+                                </m:r>
+                                <m:r>
+                                  <a:rPr lang="en-US" altLang="ko-KR" sz="1400" b="1" i="1" smtClean="0">
+                                    <a:solidFill>
+                                      <a:srgbClr val="FF0000"/>
+                                    </a:solidFill>
+                                    <a:latin typeface="Cambria Math"/>
+                                  </a:rPr>
+                                  <m:t>=</m:t>
+                                </m:r>
+                                <m:d>
+                                  <m:dPr>
+                                    <m:begChr m:val="{"/>
+                                    <m:endChr m:val="}"/>
+                                    <m:ctrlPr>
+                                      <a:rPr lang="en-US" altLang="ko-KR" sz="1400" b="1" i="1" smtClean="0">
+                                        <a:solidFill>
+                                          <a:srgbClr val="FF0000"/>
+                                        </a:solidFill>
+                                        <a:latin typeface="Cambria Math" panose="02040503050406030204" pitchFamily="18" charset="0"/>
+                                      </a:rPr>
+                                    </m:ctrlPr>
+                                  </m:dPr>
+                                  <m:e>
+                                    <m:r>
+                                      <a:rPr lang="en-US" altLang="ko-KR" sz="1400" b="1" i="1" smtClean="0">
+                                        <a:solidFill>
+                                          <a:srgbClr val="FF0000"/>
+                                        </a:solidFill>
+                                        <a:latin typeface="Cambria Math"/>
+                                      </a:rPr>
+                                      <m:t>𝟏</m:t>
+                                    </m:r>
+                                    <m:r>
+                                      <a:rPr lang="en-US" altLang="ko-KR" sz="1400" b="1" i="1" smtClean="0">
+                                        <a:solidFill>
+                                          <a:srgbClr val="FF0000"/>
+                                        </a:solidFill>
+                                        <a:latin typeface="Cambria Math"/>
+                                      </a:rPr>
+                                      <m:t>,…</m:t>
+                                    </m:r>
+                                    <m:r>
+                                      <a:rPr lang="en-US" altLang="ko-KR" sz="1400" b="1" i="1" smtClean="0">
+                                        <a:solidFill>
+                                          <a:srgbClr val="FF0000"/>
+                                        </a:solidFill>
+                                        <a:latin typeface="Cambria Math"/>
+                                      </a:rPr>
+                                      <m:t>𝒊</m:t>
+                                    </m:r>
+                                    <m:r>
+                                      <a:rPr lang="en-US" altLang="ko-KR" sz="1400" b="1" i="1" smtClean="0">
+                                        <a:solidFill>
+                                          <a:srgbClr val="FF0000"/>
+                                        </a:solidFill>
+                                        <a:latin typeface="Cambria Math"/>
+                                      </a:rPr>
+                                      <m:t>,…</m:t>
+                                    </m:r>
+                                    <m:d>
+                                      <m:dPr>
+                                        <m:begChr m:val="|"/>
+                                        <m:endChr m:val="|"/>
+                                        <m:ctrlPr>
+                                          <a:rPr lang="en-US" altLang="ko-KR" sz="1400" b="1" i="1" smtClean="0">
+                                            <a:solidFill>
+                                              <a:srgbClr val="FF0000"/>
+                                            </a:solidFill>
+                                            <a:latin typeface="Cambria Math" panose="02040503050406030204" pitchFamily="18" charset="0"/>
+                                          </a:rPr>
+                                        </m:ctrlPr>
+                                      </m:dPr>
+                                      <m:e>
+                                        <m:r>
+                                          <a:rPr lang="en-US" altLang="ko-KR" sz="1400" b="1" i="1" smtClean="0">
+                                            <a:solidFill>
+                                              <a:srgbClr val="FF0000"/>
+                                            </a:solidFill>
+                                            <a:latin typeface="Cambria Math"/>
+                                          </a:rPr>
+                                          <m:t>𝑵</m:t>
+                                        </m:r>
+                                      </m:e>
+                                    </m:d>
+                                  </m:e>
+                                </m:d>
+                                <m:r>
+                                  <a:rPr lang="en-US" altLang="ko-KR" sz="1400" b="1" i="1" smtClean="0">
+                                    <a:solidFill>
+                                      <a:srgbClr val="FF0000"/>
+                                    </a:solidFill>
+                                    <a:latin typeface="Cambria Math"/>
+                                    <a:ea typeface="Cambria Math"/>
+                                  </a:rPr>
+                                  <m:t>×</m:t>
+                                </m:r>
+                                <m:d>
+                                  <m:dPr>
+                                    <m:begChr m:val="{"/>
+                                    <m:endChr m:val="}"/>
+                                    <m:ctrlPr>
+                                      <a:rPr lang="en-US" altLang="ko-KR" sz="1400" b="1" i="1" smtClean="0">
+                                        <a:solidFill>
+                                          <a:srgbClr val="FF0000"/>
+                                        </a:solidFill>
+                                        <a:latin typeface="Cambria Math" panose="02040503050406030204" pitchFamily="18" charset="0"/>
+                                        <a:ea typeface="Cambria Math"/>
+                                      </a:rPr>
+                                    </m:ctrlPr>
+                                  </m:dPr>
+                                  <m:e>
+                                    <m:r>
+                                      <a:rPr lang="en-US" altLang="ko-KR" sz="1400" b="1" i="1" smtClean="0">
+                                        <a:solidFill>
+                                          <a:srgbClr val="FF0000"/>
+                                        </a:solidFill>
+                                        <a:latin typeface="Cambria Math"/>
+                                        <a:ea typeface="Cambria Math"/>
+                                      </a:rPr>
+                                      <m:t>𝟏</m:t>
+                                    </m:r>
+                                    <m:r>
+                                      <a:rPr lang="en-US" altLang="ko-KR" sz="1400" b="1" i="1" smtClean="0">
+                                        <a:solidFill>
+                                          <a:srgbClr val="FF0000"/>
+                                        </a:solidFill>
+                                        <a:latin typeface="Cambria Math"/>
+                                        <a:ea typeface="Cambria Math"/>
+                                      </a:rPr>
+                                      <m:t>,…,</m:t>
+                                    </m:r>
+                                    <m:r>
+                                      <a:rPr lang="en-US" altLang="ko-KR" sz="1400" b="1" i="1" smtClean="0">
+                                        <a:solidFill>
+                                          <a:srgbClr val="FF0000"/>
+                                        </a:solidFill>
+                                        <a:latin typeface="Cambria Math"/>
+                                        <a:ea typeface="Cambria Math"/>
+                                      </a:rPr>
+                                      <m:t>𝒋</m:t>
+                                    </m:r>
+                                    <m:r>
+                                      <a:rPr lang="en-US" altLang="ko-KR" sz="1400" b="1" i="1" smtClean="0">
+                                        <a:solidFill>
+                                          <a:srgbClr val="FF0000"/>
+                                        </a:solidFill>
+                                        <a:latin typeface="Cambria Math"/>
+                                        <a:ea typeface="Cambria Math"/>
+                                      </a:rPr>
+                                      <m:t>,…</m:t>
+                                    </m:r>
+                                    <m:d>
+                                      <m:dPr>
+                                        <m:begChr m:val="|"/>
+                                        <m:endChr m:val="|"/>
+                                        <m:ctrlPr>
+                                          <a:rPr lang="en-US" altLang="ko-KR" sz="1400" b="1" i="1" smtClean="0">
+                                            <a:solidFill>
+                                              <a:srgbClr val="FF0000"/>
+                                            </a:solidFill>
+                                            <a:latin typeface="Cambria Math" panose="02040503050406030204" pitchFamily="18" charset="0"/>
+                                            <a:ea typeface="Cambria Math"/>
+                                          </a:rPr>
+                                        </m:ctrlPr>
+                                      </m:dPr>
+                                      <m:e>
+                                        <m:r>
+                                          <a:rPr lang="en-US" altLang="ko-KR" sz="1400" b="1" i="1" smtClean="0">
+                                            <a:solidFill>
+                                              <a:srgbClr val="FF0000"/>
+                                            </a:solidFill>
+                                            <a:latin typeface="Cambria Math"/>
+                                            <a:ea typeface="Cambria Math"/>
+                                          </a:rPr>
+                                          <m:t>𝑴</m:t>
+                                        </m:r>
+                                      </m:e>
+                                    </m:d>
+                                  </m:e>
+                                </m:d>
+                                <m:r>
+                                  <a:rPr lang="en-US" altLang="ko-KR" sz="1400" b="1" i="1" smtClean="0">
+                                    <a:solidFill>
+                                      <a:srgbClr val="FF0000"/>
+                                    </a:solidFill>
+                                    <a:latin typeface="Cambria Math"/>
+                                    <a:ea typeface="Cambria Math"/>
+                                  </a:rPr>
+                                  <m:t>×</m:t>
+                                </m:r>
+                                <m:r>
+                                  <a:rPr lang="en-US" altLang="ko-KR" sz="1400" b="1" i="1" smtClean="0">
+                                    <a:solidFill>
+                                      <a:srgbClr val="FF0000"/>
+                                    </a:solidFill>
+                                    <a:latin typeface="Cambria Math"/>
+                                    <a:ea typeface="Cambria Math"/>
+                                  </a:rPr>
+                                  <m:t>𝑩</m:t>
+                                </m:r>
+                              </m:oMath>
+                            </m:oMathPara>
+                          </a14:m>
+                          <a:endParaRPr lang="en-US" altLang="ko-KR" sz="1400" b="1" dirty="0" smtClean="0">
+                            <a:solidFill>
+                              <a:srgbClr val="FF0000"/>
+                            </a:solidFill>
+                          </a:endParaRPr>
+                        </a:p>
+                        <a:p>
+                          <a:pPr algn="ctr" latinLnBrk="1"/>
                           <a:endParaRPr lang="ko-KR" altLang="en-US" sz="1400" b="1" dirty="0">
                             <a:solidFill>
                               <a:srgbClr val="FF0000"/>
@@ -24643,7 +24951,7 @@
                     </a:tc>
                     <a:extLst>
                       <a:ext uri="{0D108BD9-81ED-4DB2-BD59-A6C34878D82A}">
-                        <a16:rowId xmlns="" xmlns:a16="http://schemas.microsoft.com/office/drawing/2014/main" val="10003"/>
+                        <a16:rowId xmlns:a16="http://schemas.microsoft.com/office/drawing/2014/main" xmlns="" val="10001"/>
                       </a:ext>
                     </a:extLst>
                   </a:tr>
@@ -24707,7 +25015,7 @@
                     </a:tc>
                     <a:extLst>
                       <a:ext uri="{0D108BD9-81ED-4DB2-BD59-A6C34878D82A}">
-                        <a16:rowId xmlns="" xmlns:a16="http://schemas.microsoft.com/office/drawing/2014/main" val="10006"/>
+                        <a16:rowId xmlns:a16="http://schemas.microsoft.com/office/drawing/2014/main" xmlns="" val="10006"/>
                       </a:ext>
                     </a:extLst>
                   </a:tr>
@@ -24758,7 +25066,7 @@
                                         <a:solidFill>
                                           <a:srgbClr val="FF0000"/>
                                         </a:solidFill>
-                                        <a:latin typeface="Cambria Math"/>
+                                        <a:latin typeface="Cambria Math" panose="02040503050406030204" pitchFamily="18" charset="0"/>
                                       </a:rPr>
                                     </m:ctrlPr>
                                   </m:sSubPr>
@@ -24802,7 +25110,7 @@
                                         <a:solidFill>
                                           <a:srgbClr val="FF0000"/>
                                         </a:solidFill>
-                                        <a:latin typeface="Cambria Math"/>
+                                        <a:latin typeface="Cambria Math" panose="02040503050406030204" pitchFamily="18" charset="0"/>
                                         <a:ea typeface="Cambria Math" panose="02040503050406030204" pitchFamily="18" charset="0"/>
                                         <a:cs typeface="Tahoma" panose="020B0604030504040204" pitchFamily="34" charset="0"/>
                                       </a:rPr>
@@ -24889,7 +25197,7 @@
                                             <a:solidFill>
                                               <a:srgbClr val="FF0000"/>
                                             </a:solidFill>
-                                            <a:latin typeface="Cambria Math"/>
+                                            <a:latin typeface="Cambria Math" panose="02040503050406030204" pitchFamily="18" charset="0"/>
                                           </a:rPr>
                                         </m:ctrlPr>
                                       </m:sSubSupPr>
@@ -24956,7 +25264,7 @@
                                             <a:solidFill>
                                               <a:srgbClr val="FF0000"/>
                                             </a:solidFill>
-                                            <a:latin typeface="Cambria Math"/>
+                                            <a:latin typeface="Cambria Math" panose="02040503050406030204" pitchFamily="18" charset="0"/>
                                             <a:ea typeface="Cambria Math" panose="02040503050406030204" pitchFamily="18" charset="0"/>
                                             <a:cs typeface="Tahoma" panose="020B0604030504040204" pitchFamily="34" charset="0"/>
                                           </a:rPr>
@@ -24970,7 +25278,7 @@
                                                 <a:solidFill>
                                                   <a:srgbClr val="FF0000"/>
                                                 </a:solidFill>
-                                                <a:latin typeface="Cambria Math"/>
+                                                <a:latin typeface="Cambria Math" panose="02040503050406030204" pitchFamily="18" charset="0"/>
                                                 <a:ea typeface="Cambria Math" panose="02040503050406030204" pitchFamily="18" charset="0"/>
                                                 <a:cs typeface="Tahoma" panose="020B0604030504040204" pitchFamily="34" charset="0"/>
                                               </a:rPr>
@@ -25056,7 +25364,7 @@
                     </a:tc>
                     <a:extLst>
                       <a:ext uri="{0D108BD9-81ED-4DB2-BD59-A6C34878D82A}">
-                        <a16:rowId xmlns="" xmlns:a16="http://schemas.microsoft.com/office/drawing/2014/main" val="10005"/>
+                        <a16:rowId xmlns:a16="http://schemas.microsoft.com/office/drawing/2014/main" xmlns="" val="10005"/>
                       </a:ext>
                     </a:extLst>
                   </a:tr>
@@ -25139,7 +25447,7 @@
                     </a:tc>
                     <a:extLst>
                       <a:ext uri="{0D108BD9-81ED-4DB2-BD59-A6C34878D82A}">
-                        <a16:rowId xmlns="" xmlns:a16="http://schemas.microsoft.com/office/drawing/2014/main" val="10007"/>
+                        <a16:rowId xmlns:a16="http://schemas.microsoft.com/office/drawing/2014/main" xmlns="" val="10007"/>
                       </a:ext>
                     </a:extLst>
                   </a:tr>
@@ -25201,7 +25509,7 @@
                                   <m:dPr>
                                     <m:ctrlPr>
                                       <a:rPr lang="en-US" altLang="ko-KR" sz="1400" b="0" i="1" smtClean="0">
-                                        <a:latin typeface="Cambria Math"/>
+                                        <a:latin typeface="Cambria Math" panose="02040503050406030204" pitchFamily="18" charset="0"/>
                                       </a:rPr>
                                     </m:ctrlPr>
                                   </m:dPr>
@@ -25210,7 +25518,7 @@
                                       <m:sSubPr>
                                         <m:ctrlPr>
                                           <a:rPr lang="en-US" altLang="ko-KR" sz="1400" b="0" i="1" smtClean="0">
-                                            <a:latin typeface="Cambria Math"/>
+                                            <a:latin typeface="Cambria Math" panose="02040503050406030204" pitchFamily="18" charset="0"/>
                                           </a:rPr>
                                         </m:ctrlPr>
                                       </m:sSubPr>
@@ -25241,7 +25549,7 @@
                                       <m:sSubPr>
                                         <m:ctrlPr>
                                           <a:rPr lang="en-US" altLang="ko-KR" sz="1400" b="0" i="1" smtClean="0">
-                                            <a:latin typeface="Cambria Math"/>
+                                            <a:latin typeface="Cambria Math" panose="02040503050406030204" pitchFamily="18" charset="0"/>
                                           </a:rPr>
                                         </m:ctrlPr>
                                       </m:sSubPr>
@@ -25275,7 +25583,7 @@
                                   <m:dPr>
                                     <m:ctrlPr>
                                       <a:rPr lang="en-US" altLang="ko-KR" sz="1400" b="0" i="1" smtClean="0">
-                                        <a:latin typeface="Cambria Math"/>
+                                        <a:latin typeface="Cambria Math" panose="02040503050406030204" pitchFamily="18" charset="0"/>
                                         <a:ea typeface="Cambria Math"/>
                                       </a:rPr>
                                     </m:ctrlPr>
@@ -25315,7 +25623,7 @@
                                   <m:dPr>
                                     <m:ctrlPr>
                                       <a:rPr lang="en-US" altLang="ko-KR" sz="1400" b="0" i="1" smtClean="0">
-                                        <a:latin typeface="Cambria Math"/>
+                                        <a:latin typeface="Cambria Math" panose="02040503050406030204" pitchFamily="18" charset="0"/>
                                         <a:ea typeface="Cambria Math"/>
                                       </a:rPr>
                                     </m:ctrlPr>
@@ -25325,7 +25633,7 @@
                                       <m:sSubPr>
                                         <m:ctrlPr>
                                           <a:rPr lang="en-US" altLang="ko-KR" sz="1400" b="0" i="1" smtClean="0">
-                                            <a:latin typeface="Cambria Math"/>
+                                            <a:latin typeface="Cambria Math" panose="02040503050406030204" pitchFamily="18" charset="0"/>
                                             <a:ea typeface="Cambria Math"/>
                                           </a:rPr>
                                         </m:ctrlPr>
@@ -25360,7 +25668,7 @@
                                       <m:sSubPr>
                                         <m:ctrlPr>
                                           <a:rPr lang="en-US" altLang="ko-KR" sz="1400" b="0" i="1" smtClean="0">
-                                            <a:latin typeface="Cambria Math"/>
+                                            <a:latin typeface="Cambria Math" panose="02040503050406030204" pitchFamily="18" charset="0"/>
                                             <a:ea typeface="Cambria Math"/>
                                           </a:rPr>
                                         </m:ctrlPr>
@@ -25411,7 +25719,7 @@
                                   <m:sSubPr>
                                     <m:ctrlPr>
                                       <a:rPr lang="en-US" altLang="ko-KR" sz="1400" b="0" i="1" smtClean="0">
-                                        <a:latin typeface="Cambria Math"/>
+                                        <a:latin typeface="Cambria Math" panose="02040503050406030204" pitchFamily="18" charset="0"/>
                                         <a:ea typeface="Cambria Math"/>
                                       </a:rPr>
                                     </m:ctrlPr>
@@ -25460,7 +25768,7 @@
                                   <m:funcPr>
                                     <m:ctrlPr>
                                       <a:rPr lang="en-US" altLang="ko-KR" sz="1400" b="0" i="1" smtClean="0">
-                                        <a:latin typeface="Cambria Math"/>
+                                        <a:latin typeface="Cambria Math" panose="02040503050406030204" pitchFamily="18" charset="0"/>
                                         <a:ea typeface="Cambria Math"/>
                                       </a:rPr>
                                     </m:ctrlPr>
@@ -25470,7 +25778,7 @@
                                       <m:limLowPr>
                                         <m:ctrlPr>
                                           <a:rPr lang="en-US" altLang="ko-KR" sz="1400" b="0" i="1" smtClean="0">
-                                            <a:latin typeface="Cambria Math"/>
+                                            <a:latin typeface="Cambria Math" panose="02040503050406030204" pitchFamily="18" charset="0"/>
                                             <a:ea typeface="Cambria Math"/>
                                           </a:rPr>
                                         </m:ctrlPr>
@@ -25517,7 +25825,7 @@
                                       <m:sSubPr>
                                         <m:ctrlPr>
                                           <a:rPr lang="en-US" altLang="ko-KR" sz="1400" b="0" i="1" smtClean="0">
-                                            <a:latin typeface="Cambria Math"/>
+                                            <a:latin typeface="Cambria Math" panose="02040503050406030204" pitchFamily="18" charset="0"/>
                                             <a:ea typeface="Cambria Math"/>
                                           </a:rPr>
                                         </m:ctrlPr>
@@ -25585,7 +25893,7 @@
                     </a:tc>
                     <a:extLst>
                       <a:ext uri="{0D108BD9-81ED-4DB2-BD59-A6C34878D82A}">
-                        <a16:rowId xmlns="" xmlns:a16="http://schemas.microsoft.com/office/drawing/2014/main" val="10008"/>
+                        <a16:rowId xmlns:a16="http://schemas.microsoft.com/office/drawing/2014/main" xmlns="" val="10008"/>
                       </a:ext>
                     </a:extLst>
                   </a:tr>
@@ -25594,7 +25902,7 @@
             </a:graphic>
           </p:graphicFrame>
         </mc:Choice>
-        <mc:Fallback xmlns="">
+        <mc:Fallback>
           <p:graphicFrame>
             <p:nvGraphicFramePr>
               <p:cNvPr id="6" name="표 5"/>
@@ -25604,14 +25912,14 @@
               <p:nvPr>
                 <p:extLst>
                   <p:ext uri="{D42A27DB-BD31-4B8C-83A1-F6EECF244321}">
-                    <p14:modId xmlns:p14="http://schemas.microsoft.com/office/powerpoint/2010/main" val="4236620234"/>
+                    <p14:modId xmlns:p14="http://schemas.microsoft.com/office/powerpoint/2010/main" val="3514242033"/>
                   </p:ext>
                 </p:extLst>
               </p:nvPr>
             </p:nvGraphicFramePr>
             <p:xfrm>
               <a:off x="755576" y="1734407"/>
-              <a:ext cx="7754565" cy="3943160"/>
+              <a:ext cx="7754565" cy="4583240"/>
             </p:xfrm>
             <a:graphic>
               <a:graphicData uri="http://schemas.openxmlformats.org/drawingml/2006/table">
@@ -25623,14 +25931,14 @@
                     <a:gridCol w="2906052">
                       <a:extLst>
                         <a:ext uri="{9D8B030D-6E8A-4147-A177-3AD203B41FA5}">
-                          <a16:colId xmlns="" xmlns:a16="http://schemas.microsoft.com/office/drawing/2014/main" xmlns:a14="http://schemas.microsoft.com/office/drawing/2010/main" val="20000"/>
+                          <a16:colId xmlns:a16="http://schemas.microsoft.com/office/drawing/2014/main" xmlns="" xmlns:a14="http://schemas.microsoft.com/office/drawing/2010/main" val="20000"/>
                         </a:ext>
                       </a:extLst>
                     </a:gridCol>
                     <a:gridCol w="4848513">
                       <a:extLst>
                         <a:ext uri="{9D8B030D-6E8A-4147-A177-3AD203B41FA5}">
-                          <a16:colId xmlns="" xmlns:a16="http://schemas.microsoft.com/office/drawing/2014/main" xmlns:a14="http://schemas.microsoft.com/office/drawing/2010/main" val="20001"/>
+                          <a16:colId xmlns:a16="http://schemas.microsoft.com/office/drawing/2014/main" xmlns="" xmlns:a14="http://schemas.microsoft.com/office/drawing/2010/main" val="20001"/>
                         </a:ext>
                       </a:extLst>
                     </a:gridCol>
@@ -25676,11 +25984,103 @@
                     </a:tc>
                     <a:extLst>
                       <a:ext uri="{0D108BD9-81ED-4DB2-BD59-A6C34878D82A}">
-                        <a16:rowId xmlns="" xmlns:a16="http://schemas.microsoft.com/office/drawing/2014/main" xmlns:a14="http://schemas.microsoft.com/office/drawing/2010/main" val="10000"/>
+                        <a16:rowId xmlns:a16="http://schemas.microsoft.com/office/drawing/2014/main" xmlns="" xmlns:a14="http://schemas.microsoft.com/office/drawing/2010/main" val="10000"/>
                       </a:ext>
                     </a:extLst>
                   </a:tr>
-                  <a:tr h="518160">
+                  <a:tr h="731520">
+                    <a:tc>
+                      <a:txBody>
+                        <a:bodyPr/>
+                        <a:lstStyle/>
+                        <a:p>
+                          <a:pPr algn="ctr" latinLnBrk="1"/>
+                          <a:r>
+                            <a:rPr lang="en-US" altLang="ko-KR" sz="1400" dirty="0" smtClean="0">
+                              <a:solidFill>
+                                <a:schemeClr val="tx1"/>
+                              </a:solidFill>
+                            </a:rPr>
+                            <a:t>Policy</a:t>
+                          </a:r>
+                          <a:endParaRPr lang="ko-KR" altLang="en-US" sz="1400" dirty="0">
+                            <a:solidFill>
+                              <a:schemeClr val="tx1"/>
+                            </a:solidFill>
+                          </a:endParaRPr>
+                        </a:p>
+                      </a:txBody>
+                      <a:tcPr anchor="ctr">
+                        <a:solidFill>
+                          <a:schemeClr val="bg1"/>
+                        </a:solidFill>
+                      </a:tcPr>
+                    </a:tc>
+                    <a:tc>
+                      <a:txBody>
+                        <a:bodyPr/>
+                        <a:lstStyle/>
+                        <a:p>
+                          <a:endParaRPr lang="ko-KR"/>
+                        </a:p>
+                      </a:txBody>
+                      <a:tcPr>
+                        <a:blipFill rotWithShape="0">
+                          <a:blip r:embed="rId3"/>
+                          <a:stretch>
+                            <a:fillRect l="-59975" t="-52500" r="-502" b="-480000"/>
+                          </a:stretch>
+                        </a:blipFill>
+                      </a:tcPr>
+                    </a:tc>
+                  </a:tr>
+                  <a:tr h="962025">
+                    <a:tc>
+                      <a:txBody>
+                        <a:bodyPr/>
+                        <a:lstStyle/>
+                        <a:p>
+                          <a:pPr algn="ctr" latinLnBrk="1"/>
+                          <a:r>
+                            <a:rPr lang="en-US" altLang="ko-KR" sz="1400" dirty="0" smtClean="0">
+                              <a:solidFill>
+                                <a:schemeClr val="tx1"/>
+                              </a:solidFill>
+                            </a:rPr>
+                            <a:t>Action</a:t>
+                          </a:r>
+                          <a:endParaRPr lang="ko-KR" altLang="en-US" sz="1400" dirty="0">
+                            <a:solidFill>
+                              <a:schemeClr val="tx1"/>
+                            </a:solidFill>
+                          </a:endParaRPr>
+                        </a:p>
+                      </a:txBody>
+                      <a:tcPr anchor="ctr">
+                        <a:solidFill>
+                          <a:schemeClr val="bg1"/>
+                        </a:solidFill>
+                      </a:tcPr>
+                    </a:tc>
+                    <a:tc>
+                      <a:txBody>
+                        <a:bodyPr/>
+                        <a:lstStyle/>
+                        <a:p>
+                          <a:endParaRPr lang="ko-KR"/>
+                        </a:p>
+                      </a:txBody>
+                      <a:tcPr>
+                        <a:blipFill rotWithShape="0">
+                          <a:blip r:embed="rId3"/>
+                          <a:stretch>
+                            <a:fillRect l="-59975" t="-115823" r="-502" b="-264557"/>
+                          </a:stretch>
+                        </a:blipFill>
+                      </a:tcPr>
+                    </a:tc>
+                  </a:tr>
+                  <a:tr h="731520">
                     <a:tc>
                       <a:txBody>
                         <a:bodyPr/>
@@ -25717,119 +26117,17 @@
                         </a:p>
                       </a:txBody>
                       <a:tcPr>
-                        <a:blipFill rotWithShape="1">
+                        <a:blipFill rotWithShape="0">
                           <a:blip r:embed="rId3"/>
                           <a:stretch>
-                            <a:fillRect l="-60126" t="-74118" r="-126" b="-594118"/>
+                            <a:fillRect l="-59975" t="-284167" r="-502" b="-248333"/>
                           </a:stretch>
                         </a:blipFill>
                       </a:tcPr>
                     </a:tc>
                     <a:extLst>
                       <a:ext uri="{0D108BD9-81ED-4DB2-BD59-A6C34878D82A}">
-                        <a16:rowId xmlns="" xmlns:a16="http://schemas.microsoft.com/office/drawing/2014/main" xmlns:a14="http://schemas.microsoft.com/office/drawing/2010/main" val="10001"/>
-                      </a:ext>
-                    </a:extLst>
-                  </a:tr>
-                  <a:tr h="518160">
-                    <a:tc>
-                      <a:txBody>
-                        <a:bodyPr/>
-                        <a:lstStyle/>
-                        <a:p>
-                          <a:pPr algn="ctr" latinLnBrk="1"/>
-                          <a:r>
-                            <a:rPr lang="en-US" altLang="ko-KR" sz="1400" dirty="0" smtClean="0">
-                              <a:solidFill>
-                                <a:schemeClr val="tx1"/>
-                              </a:solidFill>
-                            </a:rPr>
-                            <a:t>Policy</a:t>
-                          </a:r>
-                          <a:endParaRPr lang="ko-KR" altLang="en-US" sz="1400" dirty="0">
-                            <a:solidFill>
-                              <a:schemeClr val="tx1"/>
-                            </a:solidFill>
-                          </a:endParaRPr>
-                        </a:p>
-                      </a:txBody>
-                      <a:tcPr anchor="ctr">
-                        <a:solidFill>
-                          <a:schemeClr val="bg1"/>
-                        </a:solidFill>
-                      </a:tcPr>
-                    </a:tc>
-                    <a:tc>
-                      <a:txBody>
-                        <a:bodyPr/>
-                        <a:lstStyle/>
-                        <a:p>
-                          <a:endParaRPr lang="ko-KR"/>
-                        </a:p>
-                      </a:txBody>
-                      <a:tcPr>
-                        <a:blipFill rotWithShape="1">
-                          <a:blip r:embed="rId3"/>
-                          <a:stretch>
-                            <a:fillRect l="-60126" t="-174118" r="-126" b="-494118"/>
-                          </a:stretch>
-                        </a:blipFill>
-                      </a:tcPr>
-                    </a:tc>
-                    <a:extLst>
-                      <a:ext uri="{0D108BD9-81ED-4DB2-BD59-A6C34878D82A}">
-                        <a16:rowId xmlns="" xmlns:a16="http://schemas.microsoft.com/office/drawing/2014/main" xmlns:a14="http://schemas.microsoft.com/office/drawing/2010/main" val="10004"/>
-                      </a:ext>
-                    </a:extLst>
-                  </a:tr>
-                  <a:tr h="748665">
-                    <a:tc>
-                      <a:txBody>
-                        <a:bodyPr/>
-                        <a:lstStyle/>
-                        <a:p>
-                          <a:pPr algn="ctr" latinLnBrk="1"/>
-                          <a:r>
-                            <a:rPr lang="en-US" altLang="ko-KR" sz="1400" dirty="0" smtClean="0">
-                              <a:solidFill>
-                                <a:schemeClr val="tx1"/>
-                              </a:solidFill>
-                            </a:rPr>
-                            <a:t>Action</a:t>
-                          </a:r>
-                          <a:endParaRPr lang="ko-KR" altLang="en-US" sz="1400" dirty="0">
-                            <a:solidFill>
-                              <a:schemeClr val="tx1"/>
-                            </a:solidFill>
-                          </a:endParaRPr>
-                        </a:p>
-                      </a:txBody>
-                      <a:tcPr anchor="ctr">
-                        <a:solidFill>
-                          <a:schemeClr val="bg1"/>
-                        </a:solidFill>
-                      </a:tcPr>
-                    </a:tc>
-                    <a:tc>
-                      <a:txBody>
-                        <a:bodyPr/>
-                        <a:lstStyle/>
-                        <a:p>
-                          <a:endParaRPr lang="ko-KR"/>
-                        </a:p>
-                      </a:txBody>
-                      <a:tcPr>
-                        <a:blipFill rotWithShape="1">
-                          <a:blip r:embed="rId3"/>
-                          <a:stretch>
-                            <a:fillRect l="-60126" t="-190984" r="-126" b="-244262"/>
-                          </a:stretch>
-                        </a:blipFill>
-                      </a:tcPr>
-                    </a:tc>
-                    <a:extLst>
-                      <a:ext uri="{0D108BD9-81ED-4DB2-BD59-A6C34878D82A}">
-                        <a16:rowId xmlns="" xmlns:a16="http://schemas.microsoft.com/office/drawing/2014/main" xmlns:a14="http://schemas.microsoft.com/office/drawing/2010/main" val="10003"/>
+                        <a16:rowId xmlns:a16="http://schemas.microsoft.com/office/drawing/2014/main" xmlns="" xmlns:a14="http://schemas.microsoft.com/office/drawing/2010/main" val="10001"/>
                       </a:ext>
                     </a:extLst>
                   </a:tr>
@@ -25870,17 +26168,17 @@
                         </a:p>
                       </a:txBody>
                       <a:tcPr>
-                        <a:blipFill rotWithShape="1">
+                        <a:blipFill rotWithShape="0">
                           <a:blip r:embed="rId3"/>
                           <a:stretch>
-                            <a:fillRect l="-60126" t="-581967" r="-126" b="-388525"/>
+                            <a:fillRect l="-59975" t="-755738" r="-502" b="-388525"/>
                           </a:stretch>
                         </a:blipFill>
                       </a:tcPr>
                     </a:tc>
                     <a:extLst>
                       <a:ext uri="{0D108BD9-81ED-4DB2-BD59-A6C34878D82A}">
-                        <a16:rowId xmlns="" xmlns:a16="http://schemas.microsoft.com/office/drawing/2014/main" xmlns:a14="http://schemas.microsoft.com/office/drawing/2010/main" val="10006"/>
+                        <a16:rowId xmlns:a16="http://schemas.microsoft.com/office/drawing/2014/main" xmlns="" xmlns:a14="http://schemas.microsoft.com/office/drawing/2010/main" val="10006"/>
                       </a:ext>
                     </a:extLst>
                   </a:tr>
@@ -25921,17 +26219,17 @@
                         </a:p>
                       </a:txBody>
                       <a:tcPr>
-                        <a:blipFill rotWithShape="1">
+                        <a:blipFill rotWithShape="0">
                           <a:blip r:embed="rId3"/>
                           <a:stretch>
-                            <a:fillRect l="-60126" t="-378182" r="-126" b="-115455"/>
+                            <a:fillRect l="-59975" t="-470270" r="-502" b="-113514"/>
                           </a:stretch>
                         </a:blipFill>
                       </a:tcPr>
                     </a:tc>
                     <a:extLst>
                       <a:ext uri="{0D108BD9-81ED-4DB2-BD59-A6C34878D82A}">
-                        <a16:rowId xmlns="" xmlns:a16="http://schemas.microsoft.com/office/drawing/2014/main" xmlns:a14="http://schemas.microsoft.com/office/drawing/2010/main" val="10005"/>
+                        <a16:rowId xmlns:a16="http://schemas.microsoft.com/office/drawing/2014/main" xmlns="" xmlns:a14="http://schemas.microsoft.com/office/drawing/2010/main" val="10005"/>
                       </a:ext>
                     </a:extLst>
                   </a:tr>
@@ -25991,17 +26289,17 @@
                         </a:p>
                       </a:txBody>
                       <a:tcPr>
-                        <a:blipFill rotWithShape="1">
+                        <a:blipFill rotWithShape="0">
                           <a:blip r:embed="rId3"/>
                           <a:stretch>
-                            <a:fillRect l="-60126" t="-862295" r="-126" b="-108197"/>
+                            <a:fillRect l="-59975" t="-1037705" r="-502" b="-106557"/>
                           </a:stretch>
                         </a:blipFill>
                       </a:tcPr>
                     </a:tc>
                     <a:extLst>
                       <a:ext uri="{0D108BD9-81ED-4DB2-BD59-A6C34878D82A}">
-                        <a16:rowId xmlns="" xmlns:a16="http://schemas.microsoft.com/office/drawing/2014/main" xmlns:a14="http://schemas.microsoft.com/office/drawing/2010/main" val="10007"/>
+                        <a16:rowId xmlns:a16="http://schemas.microsoft.com/office/drawing/2014/main" xmlns="" xmlns:a14="http://schemas.microsoft.com/office/drawing/2010/main" val="10007"/>
                       </a:ext>
                     </a:extLst>
                   </a:tr>
@@ -26050,17 +26348,17 @@
                         </a:p>
                       </a:txBody>
                       <a:tcPr>
-                        <a:blipFill rotWithShape="1">
+                        <a:blipFill rotWithShape="0">
                           <a:blip r:embed="rId3"/>
                           <a:stretch>
-                            <a:fillRect l="-60126" t="-962295" r="-126" b="-8197"/>
+                            <a:fillRect l="-59975" t="-1137705" r="-502" b="-6557"/>
                           </a:stretch>
                         </a:blipFill>
                       </a:tcPr>
                     </a:tc>
                     <a:extLst>
                       <a:ext uri="{0D108BD9-81ED-4DB2-BD59-A6C34878D82A}">
-                        <a16:rowId xmlns="" xmlns:a16="http://schemas.microsoft.com/office/drawing/2014/main" xmlns:a14="http://schemas.microsoft.com/office/drawing/2010/main" val="10008"/>
+                        <a16:rowId xmlns:a16="http://schemas.microsoft.com/office/drawing/2014/main" xmlns="" xmlns:a14="http://schemas.microsoft.com/office/drawing/2010/main" val="10008"/>
                       </a:ext>
                     </a:extLst>
                   </a:tr>
@@ -29564,7 +29862,7 @@
   <a:extraClrSchemeLst/>
   <a:extLst>
     <a:ext uri="{05A4C25C-085E-4340-85A3-A5531E510DB2}">
-      <thm15:themeFamily xmlns:thm15="http://schemas.microsoft.com/office/thememl/2012/main" xmlns="" name="Office Theme" id="{62F939B6-93AF-4DB8-9C6B-D6C7DFDC589F}" vid="{4A3C46E8-61CC-4603-A589-7422A47A8E4A}"/>
+      <thm15:themeFamily xmlns:thm15="http://schemas.microsoft.com/office/thememl/2012/main" name="Office Theme" id="{62F939B6-93AF-4DB8-9C6B-D6C7DFDC589F}" vid="{4A3C46E8-61CC-4603-A589-7422A47A8E4A}"/>
     </a:ext>
   </a:extLst>
 </a:theme>
